--- a/Project Proposal for Analytical Workflow, Fall 2022.pptx
+++ b/Project Proposal for Analytical Workflow, Fall 2022.pptx
@@ -1,26 +1,27 @@
 
 <file path=ppt/presentation.xml><?xml version="1.0" encoding="utf-8"?>
-<p:presentation xmlns:a="http://schemas.openxmlformats.org/drawingml/2006/main" xmlns:r="http://schemas.openxmlformats.org/officeDocument/2006/relationships" xmlns:mc="http://schemas.openxmlformats.org/markup-compatibility/2006" xmlns:mv="urn:schemas-microsoft-com:mac:vml" xmlns:p="http://schemas.openxmlformats.org/presentationml/2006/main" xmlns:c="http://schemas.openxmlformats.org/drawingml/2006/chart" xmlns:dgm="http://schemas.openxmlformats.org/drawingml/2006/diagram" xmlns:o="urn:schemas-microsoft-com:office:office" xmlns:v="urn:schemas-microsoft-com:vml" xmlns:pvml="urn:schemas-microsoft-com:office:powerpoint" xmlns:com="http://schemas.openxmlformats.org/drawingml/2006/compatibility" xmlns:p14="http://schemas.microsoft.com/office/powerpoint/2010/main" xmlns:p15="http://schemas.microsoft.com/office/powerpoint/2012/main" xmlns:ahyp="http://schemas.microsoft.com/office/drawing/2018/hyperlinkcolor" autoCompressPictures="0" strictFirstAndLastChars="0" saveSubsetFonts="1">
+<p:presentation xmlns:a="http://schemas.openxmlformats.org/drawingml/2006/main" xmlns:r="http://schemas.openxmlformats.org/officeDocument/2006/relationships" xmlns:p="http://schemas.openxmlformats.org/presentationml/2006/main" strictFirstAndLastChars="0" saveSubsetFonts="1" autoCompressPictures="0">
   <p:sldMasterIdLst>
-    <p:sldMasterId id="2147483659" r:id="rId4"/>
+    <p:sldMasterId id="2147483659" r:id="rId1"/>
   </p:sldMasterIdLst>
   <p:notesMasterIdLst>
-    <p:notesMasterId r:id="rId5"/>
+    <p:notesMasterId r:id="rId11"/>
   </p:notesMasterIdLst>
   <p:sldIdLst>
-    <p:sldId id="256" r:id="rId6"/>
-    <p:sldId id="257" r:id="rId7"/>
-    <p:sldId id="258" r:id="rId8"/>
-    <p:sldId id="259" r:id="rId9"/>
-    <p:sldId id="260" r:id="rId10"/>
-    <p:sldId id="261" r:id="rId11"/>
-    <p:sldId id="262" r:id="rId12"/>
-    <p:sldId id="263" r:id="rId13"/>
+    <p:sldId id="256" r:id="rId2"/>
+    <p:sldId id="257" r:id="rId3"/>
+    <p:sldId id="258" r:id="rId4"/>
+    <p:sldId id="259" r:id="rId5"/>
+    <p:sldId id="260" r:id="rId6"/>
+    <p:sldId id="261" r:id="rId7"/>
+    <p:sldId id="262" r:id="rId8"/>
+    <p:sldId id="263" r:id="rId9"/>
+    <p:sldId id="264" r:id="rId10"/>
   </p:sldIdLst>
-  <p:sldSz cy="5143500" cx="9144000"/>
+  <p:sldSz cx="9144000" cy="5143500" type="screen16x9"/>
   <p:notesSz cx="6858000" cy="9144000"/>
   <p:defaultTextStyle>
-    <a:defPPr lvl="0" marR="0" rtl="0" algn="l">
+    <a:defPPr marR="0" lvl="0" algn="l" rtl="0">
       <a:lnSpc>
         <a:spcPct val="100000"/>
       </a:lnSpc>
@@ -31,7 +32,7 @@
         <a:spcPts val="0"/>
       </a:spcAft>
     </a:defPPr>
-    <a:lvl1pPr lvl="0" marR="0" rtl="0" algn="l">
+    <a:lvl1pPr marR="0" lvl="0" algn="l" rtl="0">
       <a:lnSpc>
         <a:spcPct val="100000"/>
       </a:lnSpc>
@@ -45,7 +46,7 @@
         <a:srgbClr val="000000"/>
       </a:buClr>
       <a:buFont typeface="Arial"/>
-      <a:defRPr b="0" i="0" sz="1400" u="none" cap="none" strike="noStrike">
+      <a:defRPr sz="1400" b="0" i="0" u="none" strike="noStrike" cap="none">
         <a:solidFill>
           <a:srgbClr val="000000"/>
         </a:solidFill>
@@ -55,7 +56,7 @@
         <a:sym typeface="Arial"/>
       </a:defRPr>
     </a:lvl1pPr>
-    <a:lvl2pPr lvl="1" marR="0" rtl="0" algn="l">
+    <a:lvl2pPr marR="0" lvl="1" algn="l" rtl="0">
       <a:lnSpc>
         <a:spcPct val="100000"/>
       </a:lnSpc>
@@ -69,7 +70,7 @@
         <a:srgbClr val="000000"/>
       </a:buClr>
       <a:buFont typeface="Arial"/>
-      <a:defRPr b="0" i="0" sz="1400" u="none" cap="none" strike="noStrike">
+      <a:defRPr sz="1400" b="0" i="0" u="none" strike="noStrike" cap="none">
         <a:solidFill>
           <a:srgbClr val="000000"/>
         </a:solidFill>
@@ -79,7 +80,7 @@
         <a:sym typeface="Arial"/>
       </a:defRPr>
     </a:lvl2pPr>
-    <a:lvl3pPr lvl="2" marR="0" rtl="0" algn="l">
+    <a:lvl3pPr marR="0" lvl="2" algn="l" rtl="0">
       <a:lnSpc>
         <a:spcPct val="100000"/>
       </a:lnSpc>
@@ -93,7 +94,7 @@
         <a:srgbClr val="000000"/>
       </a:buClr>
       <a:buFont typeface="Arial"/>
-      <a:defRPr b="0" i="0" sz="1400" u="none" cap="none" strike="noStrike">
+      <a:defRPr sz="1400" b="0" i="0" u="none" strike="noStrike" cap="none">
         <a:solidFill>
           <a:srgbClr val="000000"/>
         </a:solidFill>
@@ -103,7 +104,7 @@
         <a:sym typeface="Arial"/>
       </a:defRPr>
     </a:lvl3pPr>
-    <a:lvl4pPr lvl="3" marR="0" rtl="0" algn="l">
+    <a:lvl4pPr marR="0" lvl="3" algn="l" rtl="0">
       <a:lnSpc>
         <a:spcPct val="100000"/>
       </a:lnSpc>
@@ -117,7 +118,7 @@
         <a:srgbClr val="000000"/>
       </a:buClr>
       <a:buFont typeface="Arial"/>
-      <a:defRPr b="0" i="0" sz="1400" u="none" cap="none" strike="noStrike">
+      <a:defRPr sz="1400" b="0" i="0" u="none" strike="noStrike" cap="none">
         <a:solidFill>
           <a:srgbClr val="000000"/>
         </a:solidFill>
@@ -127,7 +128,7 @@
         <a:sym typeface="Arial"/>
       </a:defRPr>
     </a:lvl4pPr>
-    <a:lvl5pPr lvl="4" marR="0" rtl="0" algn="l">
+    <a:lvl5pPr marR="0" lvl="4" algn="l" rtl="0">
       <a:lnSpc>
         <a:spcPct val="100000"/>
       </a:lnSpc>
@@ -141,7 +142,7 @@
         <a:srgbClr val="000000"/>
       </a:buClr>
       <a:buFont typeface="Arial"/>
-      <a:defRPr b="0" i="0" sz="1400" u="none" cap="none" strike="noStrike">
+      <a:defRPr sz="1400" b="0" i="0" u="none" strike="noStrike" cap="none">
         <a:solidFill>
           <a:srgbClr val="000000"/>
         </a:solidFill>
@@ -151,7 +152,7 @@
         <a:sym typeface="Arial"/>
       </a:defRPr>
     </a:lvl5pPr>
-    <a:lvl6pPr lvl="5" marR="0" rtl="0" algn="l">
+    <a:lvl6pPr marR="0" lvl="5" algn="l" rtl="0">
       <a:lnSpc>
         <a:spcPct val="100000"/>
       </a:lnSpc>
@@ -165,7 +166,7 @@
         <a:srgbClr val="000000"/>
       </a:buClr>
       <a:buFont typeface="Arial"/>
-      <a:defRPr b="0" i="0" sz="1400" u="none" cap="none" strike="noStrike">
+      <a:defRPr sz="1400" b="0" i="0" u="none" strike="noStrike" cap="none">
         <a:solidFill>
           <a:srgbClr val="000000"/>
         </a:solidFill>
@@ -175,7 +176,7 @@
         <a:sym typeface="Arial"/>
       </a:defRPr>
     </a:lvl6pPr>
-    <a:lvl7pPr lvl="6" marR="0" rtl="0" algn="l">
+    <a:lvl7pPr marR="0" lvl="6" algn="l" rtl="0">
       <a:lnSpc>
         <a:spcPct val="100000"/>
       </a:lnSpc>
@@ -189,7 +190,7 @@
         <a:srgbClr val="000000"/>
       </a:buClr>
       <a:buFont typeface="Arial"/>
-      <a:defRPr b="0" i="0" sz="1400" u="none" cap="none" strike="noStrike">
+      <a:defRPr sz="1400" b="0" i="0" u="none" strike="noStrike" cap="none">
         <a:solidFill>
           <a:srgbClr val="000000"/>
         </a:solidFill>
@@ -199,7 +200,7 @@
         <a:sym typeface="Arial"/>
       </a:defRPr>
     </a:lvl7pPr>
-    <a:lvl8pPr lvl="7" marR="0" rtl="0" algn="l">
+    <a:lvl8pPr marR="0" lvl="7" algn="l" rtl="0">
       <a:lnSpc>
         <a:spcPct val="100000"/>
       </a:lnSpc>
@@ -213,7 +214,7 @@
         <a:srgbClr val="000000"/>
       </a:buClr>
       <a:buFont typeface="Arial"/>
-      <a:defRPr b="0" i="0" sz="1400" u="none" cap="none" strike="noStrike">
+      <a:defRPr sz="1400" b="0" i="0" u="none" strike="noStrike" cap="none">
         <a:solidFill>
           <a:srgbClr val="000000"/>
         </a:solidFill>
@@ -223,7 +224,7 @@
         <a:sym typeface="Arial"/>
       </a:defRPr>
     </a:lvl8pPr>
-    <a:lvl9pPr lvl="8" marR="0" rtl="0" algn="l">
+    <a:lvl9pPr marR="0" lvl="8" algn="l" rtl="0">
       <a:lnSpc>
         <a:spcPct val="100000"/>
       </a:lnSpc>
@@ -237,7 +238,7 @@
         <a:srgbClr val="000000"/>
       </a:buClr>
       <a:buFont typeface="Arial"/>
-      <a:defRPr b="0" i="0" sz="1400" u="none" cap="none" strike="noStrike">
+      <a:defRPr sz="1400" b="0" i="0" u="none" strike="noStrike" cap="none">
         <a:solidFill>
           <a:srgbClr val="000000"/>
         </a:solidFill>
@@ -250,7 +251,7 @@
   </p:defaultTextStyle>
   <p:extLst>
     <p:ext uri="{EFAFB233-063F-42B5-8137-9DF3F51BA10A}">
-      <p15:sldGuideLst>
+      <p15:sldGuideLst xmlns:p15="http://schemas.microsoft.com/office/powerpoint/2012/main">
         <p15:guide id="1" orient="horz" pos="1620">
           <p15:clr>
             <a:srgbClr val="A4A3A4"/>
@@ -268,11 +269,16 @@
 </file>
 
 <file path=ppt/notesMasters/notesMaster1.xml><?xml version="1.0" encoding="utf-8"?>
-<p:notesMaster xmlns:a="http://schemas.openxmlformats.org/drawingml/2006/main" xmlns:r="http://schemas.openxmlformats.org/officeDocument/2006/relationships" xmlns:mc="http://schemas.openxmlformats.org/markup-compatibility/2006" xmlns:mv="urn:schemas-microsoft-com:mac:vml" xmlns:p="http://schemas.openxmlformats.org/presentationml/2006/main" xmlns:c="http://schemas.openxmlformats.org/drawingml/2006/chart" xmlns:dgm="http://schemas.openxmlformats.org/drawingml/2006/diagram" xmlns:o="urn:schemas-microsoft-com:office:office" xmlns:v="urn:schemas-microsoft-com:vml" xmlns:pvml="urn:schemas-microsoft-com:office:powerpoint" xmlns:com="http://schemas.openxmlformats.org/drawingml/2006/compatibility" xmlns:p14="http://schemas.microsoft.com/office/powerpoint/2010/main" xmlns:p15="http://schemas.microsoft.com/office/powerpoint/2012/main" xmlns:ahyp="http://schemas.microsoft.com/office/drawing/2018/hyperlinkcolor">
+<p:notesMaster xmlns:a="http://schemas.openxmlformats.org/drawingml/2006/main" xmlns:r="http://schemas.openxmlformats.org/officeDocument/2006/relationships" xmlns:p="http://schemas.openxmlformats.org/presentationml/2006/main">
   <p:cSld>
+    <p:bg>
+      <p:bgRef idx="1001">
+        <a:schemeClr val="bg1"/>
+      </p:bgRef>
+    </p:bg>
     <p:spTree>
       <p:nvGrpSpPr>
-        <p:cNvPr id="2" name="Shape 2"/>
+        <p:cNvPr id="1" name="Shape 2"/>
         <p:cNvGrpSpPr/>
         <p:nvPr/>
       </p:nvGrpSpPr>
@@ -287,9 +293,11 @@
       <p:sp>
         <p:nvSpPr>
           <p:cNvPr id="3" name="Google Shape;3;n"/>
-          <p:cNvSpPr/>
+          <p:cNvSpPr>
+            <a:spLocks noGrp="1" noRot="1" noChangeAspect="1"/>
+          </p:cNvSpPr>
           <p:nvPr>
-            <p:ph idx="2" type="sldImg"/>
+            <p:ph type="sldImg" idx="2"/>
           </p:nvPr>
         </p:nvSpPr>
         <p:spPr>
@@ -298,9 +306,13 @@
             <a:ext cx="6096075" cy="3429000"/>
           </a:xfrm>
           <a:custGeom>
-            <a:rect b="b" l="l" r="r" t="t"/>
+            <a:avLst/>
+            <a:gdLst/>
+            <a:ahLst/>
+            <a:cxnLst/>
+            <a:rect l="l" t="t" r="r" b="b"/>
             <a:pathLst>
-              <a:path extrusionOk="0" h="120000" w="120000">
+              <a:path w="120000" h="120000" extrusionOk="0">
                 <a:moveTo>
                   <a:pt x="0" y="0"/>
                 </a:moveTo>
@@ -318,23 +330,25 @@
             </a:pathLst>
           </a:custGeom>
           <a:noFill/>
-          <a:ln cap="flat" cmpd="sng" w="9525">
+          <a:ln w="9525" cap="flat" cmpd="sng">
             <a:solidFill>
               <a:srgbClr val="000000"/>
             </a:solidFill>
             <a:prstDash val="solid"/>
             <a:round/>
-            <a:headEnd len="sm" w="sm" type="none"/>
-            <a:tailEnd len="sm" w="sm" type="none"/>
+            <a:headEnd type="none" w="sm" len="sm"/>
+            <a:tailEnd type="none" w="sm" len="sm"/>
           </a:ln>
         </p:spPr>
       </p:sp>
       <p:sp>
         <p:nvSpPr>
           <p:cNvPr id="4" name="Google Shape;4;n"/>
-          <p:cNvSpPr txBox="1"/>
+          <p:cNvSpPr txBox="1">
+            <a:spLocks noGrp="1"/>
+          </p:cNvSpPr>
           <p:nvPr>
-            <p:ph idx="1" type="body"/>
+            <p:ph type="body" idx="1"/>
           </p:nvPr>
         </p:nvSpPr>
         <p:spPr>
@@ -351,11 +365,11 @@
           </a:ln>
         </p:spPr>
         <p:txBody>
-          <a:bodyPr anchorCtr="0" anchor="t" bIns="91425" lIns="91425" spcFirstLastPara="1" rIns="91425" wrap="square" tIns="91425">
+          <a:bodyPr spcFirstLastPara="1" wrap="square" lIns="91425" tIns="91425" rIns="91425" bIns="91425" anchor="t" anchorCtr="0">
             <a:noAutofit/>
           </a:bodyPr>
           <a:lstStyle>
-            <a:lvl1pPr indent="-298450" lvl="0" marL="457200">
+            <a:lvl1pPr marL="457200" lvl="0" indent="-298450">
               <a:spcBef>
                 <a:spcPts val="0"/>
               </a:spcBef>
@@ -366,7 +380,7 @@
               <a:buChar char="●"/>
               <a:defRPr sz="1100"/>
             </a:lvl1pPr>
-            <a:lvl2pPr indent="-298450" lvl="1" marL="914400">
+            <a:lvl2pPr marL="914400" lvl="1" indent="-298450">
               <a:spcBef>
                 <a:spcPts val="0"/>
               </a:spcBef>
@@ -377,7 +391,7 @@
               <a:buChar char="○"/>
               <a:defRPr sz="1100"/>
             </a:lvl2pPr>
-            <a:lvl3pPr indent="-298450" lvl="2" marL="1371600">
+            <a:lvl3pPr marL="1371600" lvl="2" indent="-298450">
               <a:spcBef>
                 <a:spcPts val="0"/>
               </a:spcBef>
@@ -388,7 +402,7 @@
               <a:buChar char="■"/>
               <a:defRPr sz="1100"/>
             </a:lvl3pPr>
-            <a:lvl4pPr indent="-298450" lvl="3" marL="1828800">
+            <a:lvl4pPr marL="1828800" lvl="3" indent="-298450">
               <a:spcBef>
                 <a:spcPts val="0"/>
               </a:spcBef>
@@ -399,7 +413,7 @@
               <a:buChar char="●"/>
               <a:defRPr sz="1100"/>
             </a:lvl4pPr>
-            <a:lvl5pPr indent="-298450" lvl="4" marL="2286000">
+            <a:lvl5pPr marL="2286000" lvl="4" indent="-298450">
               <a:spcBef>
                 <a:spcPts val="0"/>
               </a:spcBef>
@@ -410,7 +424,7 @@
               <a:buChar char="○"/>
               <a:defRPr sz="1100"/>
             </a:lvl5pPr>
-            <a:lvl6pPr indent="-298450" lvl="5" marL="2743200">
+            <a:lvl6pPr marL="2743200" lvl="5" indent="-298450">
               <a:spcBef>
                 <a:spcPts val="0"/>
               </a:spcBef>
@@ -421,7 +435,7 @@
               <a:buChar char="■"/>
               <a:defRPr sz="1100"/>
             </a:lvl6pPr>
-            <a:lvl7pPr indent="-298450" lvl="6" marL="3200400">
+            <a:lvl7pPr marL="3200400" lvl="6" indent="-298450">
               <a:spcBef>
                 <a:spcPts val="0"/>
               </a:spcBef>
@@ -432,7 +446,7 @@
               <a:buChar char="●"/>
               <a:defRPr sz="1100"/>
             </a:lvl7pPr>
-            <a:lvl8pPr indent="-298450" lvl="7" marL="3657600">
+            <a:lvl8pPr marL="3657600" lvl="7" indent="-298450">
               <a:spcBef>
                 <a:spcPts val="0"/>
               </a:spcBef>
@@ -443,7 +457,7 @@
               <a:buChar char="○"/>
               <a:defRPr sz="1100"/>
             </a:lvl8pPr>
-            <a:lvl9pPr indent="-298450" lvl="8" marL="4114800">
+            <a:lvl9pPr marL="4114800" lvl="8" indent="-298450">
               <a:spcBef>
                 <a:spcPts val="0"/>
               </a:spcBef>
@@ -455,14 +469,16 @@
               <a:defRPr sz="1100"/>
             </a:lvl9pPr>
           </a:lstStyle>
-          <a:p/>
+          <a:p>
+            <a:endParaRPr/>
+          </a:p>
         </p:txBody>
       </p:sp>
     </p:spTree>
   </p:cSld>
-  <p:clrMap accent1="accent1" accent2="accent2" accent3="accent3" accent4="accent4" accent5="accent5" accent6="accent6" bg1="lt1" bg2="dk2" tx1="dk1" tx2="lt2" folHlink="folHlink" hlink="hlink"/>
+  <p:clrMap bg1="lt1" tx1="dk1" bg2="dk2" tx2="lt2" accent1="accent1" accent2="accent2" accent3="accent3" accent4="accent4" accent5="accent5" accent6="accent6" hlink="hlink" folHlink="folHlink"/>
   <p:notesStyle>
-    <a:defPPr lvl="0" marR="0" rtl="0" algn="l">
+    <a:defPPr marR="0" lvl="0" algn="l" rtl="0">
       <a:lnSpc>
         <a:spcPct val="100000"/>
       </a:lnSpc>
@@ -473,7 +489,7 @@
         <a:spcPts val="0"/>
       </a:spcAft>
     </a:defPPr>
-    <a:lvl1pPr lvl="0" marR="0" rtl="0" algn="l">
+    <a:lvl1pPr marR="0" lvl="0" algn="l" rtl="0">
       <a:lnSpc>
         <a:spcPct val="100000"/>
       </a:lnSpc>
@@ -487,7 +503,7 @@
         <a:srgbClr val="000000"/>
       </a:buClr>
       <a:buFont typeface="Arial"/>
-      <a:defRPr b="0" i="0" sz="1400" u="none" cap="none" strike="noStrike">
+      <a:defRPr sz="1400" b="0" i="0" u="none" strike="noStrike" cap="none">
         <a:solidFill>
           <a:srgbClr val="000000"/>
         </a:solidFill>
@@ -497,7 +513,7 @@
         <a:sym typeface="Arial"/>
       </a:defRPr>
     </a:lvl1pPr>
-    <a:lvl2pPr lvl="1" marR="0" rtl="0" algn="l">
+    <a:lvl2pPr marR="0" lvl="1" algn="l" rtl="0">
       <a:lnSpc>
         <a:spcPct val="100000"/>
       </a:lnSpc>
@@ -511,7 +527,7 @@
         <a:srgbClr val="000000"/>
       </a:buClr>
       <a:buFont typeface="Arial"/>
-      <a:defRPr b="0" i="0" sz="1400" u="none" cap="none" strike="noStrike">
+      <a:defRPr sz="1400" b="0" i="0" u="none" strike="noStrike" cap="none">
         <a:solidFill>
           <a:srgbClr val="000000"/>
         </a:solidFill>
@@ -521,7 +537,7 @@
         <a:sym typeface="Arial"/>
       </a:defRPr>
     </a:lvl2pPr>
-    <a:lvl3pPr lvl="2" marR="0" rtl="0" algn="l">
+    <a:lvl3pPr marR="0" lvl="2" algn="l" rtl="0">
       <a:lnSpc>
         <a:spcPct val="100000"/>
       </a:lnSpc>
@@ -535,7 +551,7 @@
         <a:srgbClr val="000000"/>
       </a:buClr>
       <a:buFont typeface="Arial"/>
-      <a:defRPr b="0" i="0" sz="1400" u="none" cap="none" strike="noStrike">
+      <a:defRPr sz="1400" b="0" i="0" u="none" strike="noStrike" cap="none">
         <a:solidFill>
           <a:srgbClr val="000000"/>
         </a:solidFill>
@@ -545,7 +561,7 @@
         <a:sym typeface="Arial"/>
       </a:defRPr>
     </a:lvl3pPr>
-    <a:lvl4pPr lvl="3" marR="0" rtl="0" algn="l">
+    <a:lvl4pPr marR="0" lvl="3" algn="l" rtl="0">
       <a:lnSpc>
         <a:spcPct val="100000"/>
       </a:lnSpc>
@@ -559,7 +575,7 @@
         <a:srgbClr val="000000"/>
       </a:buClr>
       <a:buFont typeface="Arial"/>
-      <a:defRPr b="0" i="0" sz="1400" u="none" cap="none" strike="noStrike">
+      <a:defRPr sz="1400" b="0" i="0" u="none" strike="noStrike" cap="none">
         <a:solidFill>
           <a:srgbClr val="000000"/>
         </a:solidFill>
@@ -569,7 +585,7 @@
         <a:sym typeface="Arial"/>
       </a:defRPr>
     </a:lvl4pPr>
-    <a:lvl5pPr lvl="4" marR="0" rtl="0" algn="l">
+    <a:lvl5pPr marR="0" lvl="4" algn="l" rtl="0">
       <a:lnSpc>
         <a:spcPct val="100000"/>
       </a:lnSpc>
@@ -583,7 +599,7 @@
         <a:srgbClr val="000000"/>
       </a:buClr>
       <a:buFont typeface="Arial"/>
-      <a:defRPr b="0" i="0" sz="1400" u="none" cap="none" strike="noStrike">
+      <a:defRPr sz="1400" b="0" i="0" u="none" strike="noStrike" cap="none">
         <a:solidFill>
           <a:srgbClr val="000000"/>
         </a:solidFill>
@@ -593,7 +609,7 @@
         <a:sym typeface="Arial"/>
       </a:defRPr>
     </a:lvl5pPr>
-    <a:lvl6pPr lvl="5" marR="0" rtl="0" algn="l">
+    <a:lvl6pPr marR="0" lvl="5" algn="l" rtl="0">
       <a:lnSpc>
         <a:spcPct val="100000"/>
       </a:lnSpc>
@@ -607,7 +623,7 @@
         <a:srgbClr val="000000"/>
       </a:buClr>
       <a:buFont typeface="Arial"/>
-      <a:defRPr b="0" i="0" sz="1400" u="none" cap="none" strike="noStrike">
+      <a:defRPr sz="1400" b="0" i="0" u="none" strike="noStrike" cap="none">
         <a:solidFill>
           <a:srgbClr val="000000"/>
         </a:solidFill>
@@ -617,7 +633,7 @@
         <a:sym typeface="Arial"/>
       </a:defRPr>
     </a:lvl6pPr>
-    <a:lvl7pPr lvl="6" marR="0" rtl="0" algn="l">
+    <a:lvl7pPr marR="0" lvl="6" algn="l" rtl="0">
       <a:lnSpc>
         <a:spcPct val="100000"/>
       </a:lnSpc>
@@ -631,7 +647,7 @@
         <a:srgbClr val="000000"/>
       </a:buClr>
       <a:buFont typeface="Arial"/>
-      <a:defRPr b="0" i="0" sz="1400" u="none" cap="none" strike="noStrike">
+      <a:defRPr sz="1400" b="0" i="0" u="none" strike="noStrike" cap="none">
         <a:solidFill>
           <a:srgbClr val="000000"/>
         </a:solidFill>
@@ -641,7 +657,7 @@
         <a:sym typeface="Arial"/>
       </a:defRPr>
     </a:lvl7pPr>
-    <a:lvl8pPr lvl="7" marR="0" rtl="0" algn="l">
+    <a:lvl8pPr marR="0" lvl="7" algn="l" rtl="0">
       <a:lnSpc>
         <a:spcPct val="100000"/>
       </a:lnSpc>
@@ -655,7 +671,7 @@
         <a:srgbClr val="000000"/>
       </a:buClr>
       <a:buFont typeface="Arial"/>
-      <a:defRPr b="0" i="0" sz="1400" u="none" cap="none" strike="noStrike">
+      <a:defRPr sz="1400" b="0" i="0" u="none" strike="noStrike" cap="none">
         <a:solidFill>
           <a:srgbClr val="000000"/>
         </a:solidFill>
@@ -665,7 +681,7 @@
         <a:sym typeface="Arial"/>
       </a:defRPr>
     </a:lvl8pPr>
-    <a:lvl9pPr lvl="8" marR="0" rtl="0" algn="l">
+    <a:lvl9pPr marR="0" lvl="8" algn="l" rtl="0">
       <a:lnSpc>
         <a:spcPct val="100000"/>
       </a:lnSpc>
@@ -679,7 +695,7 @@
         <a:srgbClr val="000000"/>
       </a:buClr>
       <a:buFont typeface="Arial"/>
-      <a:defRPr b="0" i="0" sz="1400" u="none" cap="none" strike="noStrike">
+      <a:defRPr sz="1400" b="0" i="0" u="none" strike="noStrike" cap="none">
         <a:solidFill>
           <a:srgbClr val="000000"/>
         </a:solidFill>
@@ -694,11 +710,11 @@
 </file>
 
 <file path=ppt/notesSlides/notesSlide1.xml><?xml version="1.0" encoding="utf-8"?>
-<p:notes xmlns:a="http://schemas.openxmlformats.org/drawingml/2006/main" xmlns:r="http://schemas.openxmlformats.org/officeDocument/2006/relationships" xmlns:mc="http://schemas.openxmlformats.org/markup-compatibility/2006" xmlns:mv="urn:schemas-microsoft-com:mac:vml" xmlns:p="http://schemas.openxmlformats.org/presentationml/2006/main" xmlns:c="http://schemas.openxmlformats.org/drawingml/2006/chart" xmlns:dgm="http://schemas.openxmlformats.org/drawingml/2006/diagram" xmlns:o="urn:schemas-microsoft-com:office:office" xmlns:v="urn:schemas-microsoft-com:vml" xmlns:pvml="urn:schemas-microsoft-com:office:powerpoint" xmlns:com="http://schemas.openxmlformats.org/drawingml/2006/compatibility" xmlns:p14="http://schemas.microsoft.com/office/powerpoint/2010/main" xmlns:p15="http://schemas.microsoft.com/office/powerpoint/2012/main" xmlns:ahyp="http://schemas.microsoft.com/office/drawing/2018/hyperlinkcolor" showMasterPhAnim="0" showMasterSp="0">
+<p:notes xmlns:a="http://schemas.openxmlformats.org/drawingml/2006/main" xmlns:r="http://schemas.openxmlformats.org/officeDocument/2006/relationships" xmlns:p="http://schemas.openxmlformats.org/presentationml/2006/main" showMasterSp="0" showMasterPhAnim="0">
   <p:cSld>
     <p:spTree>
       <p:nvGrpSpPr>
-        <p:cNvPr id="50" name="Shape 50"/>
+        <p:cNvPr id="1" name="Shape 50"/>
         <p:cNvGrpSpPr/>
         <p:nvPr/>
       </p:nvGrpSpPr>
@@ -713,9 +729,11 @@
       <p:sp>
         <p:nvSpPr>
           <p:cNvPr id="51" name="Google Shape;51;p:notes"/>
-          <p:cNvSpPr/>
+          <p:cNvSpPr>
+            <a:spLocks noGrp="1" noRot="1" noChangeAspect="1"/>
+          </p:cNvSpPr>
           <p:nvPr>
-            <p:ph idx="2" type="sldImg"/>
+            <p:ph type="sldImg" idx="2"/>
           </p:nvPr>
         </p:nvSpPr>
         <p:spPr>
@@ -724,9 +742,13 @@
             <a:ext cx="6096075" cy="3429000"/>
           </a:xfrm>
           <a:custGeom>
-            <a:rect b="b" l="l" r="r" t="t"/>
+            <a:avLst/>
+            <a:gdLst/>
+            <a:ahLst/>
+            <a:cxnLst/>
+            <a:rect l="l" t="t" r="r" b="b"/>
             <a:pathLst>
-              <a:path extrusionOk="0" h="120000" w="120000">
+              <a:path w="120000" h="120000" extrusionOk="0">
                 <a:moveTo>
                   <a:pt x="0" y="0"/>
                 </a:moveTo>
@@ -748,9 +770,11 @@
       <p:sp>
         <p:nvSpPr>
           <p:cNvPr id="52" name="Google Shape;52;p:notes"/>
-          <p:cNvSpPr txBox="1"/>
+          <p:cNvSpPr txBox="1">
+            <a:spLocks noGrp="1"/>
+          </p:cNvSpPr>
           <p:nvPr>
-            <p:ph idx="1" type="body"/>
+            <p:ph type="body" idx="1"/>
           </p:nvPr>
         </p:nvSpPr>
         <p:spPr>
@@ -763,12 +787,12 @@
           </a:prstGeom>
         </p:spPr>
         <p:txBody>
-          <a:bodyPr anchorCtr="0" anchor="t" bIns="91425" lIns="91425" spcFirstLastPara="1" rIns="91425" wrap="square" tIns="91425">
+          <a:bodyPr spcFirstLastPara="1" wrap="square" lIns="91425" tIns="91425" rIns="91425" bIns="91425" anchor="t" anchorCtr="0">
             <a:noAutofit/>
           </a:bodyPr>
           <a:lstStyle/>
           <a:p>
-            <a:pPr indent="0" lvl="0" marL="0" rtl="0" algn="l">
+            <a:pPr marL="0" lvl="0" indent="0" algn="l" rtl="0">
               <a:spcBef>
                 <a:spcPts val="0"/>
               </a:spcBef>
@@ -777,9 +801,6 @@
               </a:spcAft>
               <a:buNone/>
             </a:pPr>
-            <a:r>
-              <a:t/>
-            </a:r>
             <a:endParaRPr/>
           </a:p>
         </p:txBody>
@@ -793,11 +814,11 @@
 </file>
 
 <file path=ppt/notesSlides/notesSlide2.xml><?xml version="1.0" encoding="utf-8"?>
-<p:notes xmlns:a="http://schemas.openxmlformats.org/drawingml/2006/main" xmlns:r="http://schemas.openxmlformats.org/officeDocument/2006/relationships" xmlns:mc="http://schemas.openxmlformats.org/markup-compatibility/2006" xmlns:mv="urn:schemas-microsoft-com:mac:vml" xmlns:p="http://schemas.openxmlformats.org/presentationml/2006/main" xmlns:c="http://schemas.openxmlformats.org/drawingml/2006/chart" xmlns:dgm="http://schemas.openxmlformats.org/drawingml/2006/diagram" xmlns:o="urn:schemas-microsoft-com:office:office" xmlns:v="urn:schemas-microsoft-com:vml" xmlns:pvml="urn:schemas-microsoft-com:office:powerpoint" xmlns:com="http://schemas.openxmlformats.org/drawingml/2006/compatibility" xmlns:p14="http://schemas.microsoft.com/office/powerpoint/2010/main" xmlns:p15="http://schemas.microsoft.com/office/powerpoint/2012/main" xmlns:ahyp="http://schemas.microsoft.com/office/drawing/2018/hyperlinkcolor" showMasterPhAnim="0" showMasterSp="0">
+<p:notes xmlns:a="http://schemas.openxmlformats.org/drawingml/2006/main" xmlns:r="http://schemas.openxmlformats.org/officeDocument/2006/relationships" xmlns:p="http://schemas.openxmlformats.org/presentationml/2006/main" showMasterSp="0" showMasterPhAnim="0">
   <p:cSld>
     <p:spTree>
       <p:nvGrpSpPr>
-        <p:cNvPr id="56" name="Shape 56"/>
+        <p:cNvPr id="1" name="Shape 56"/>
         <p:cNvGrpSpPr/>
         <p:nvPr/>
       </p:nvGrpSpPr>
@@ -812,9 +833,11 @@
       <p:sp>
         <p:nvSpPr>
           <p:cNvPr id="57" name="Google Shape;57;g15eccc135ff_0_0:notes"/>
-          <p:cNvSpPr/>
+          <p:cNvSpPr>
+            <a:spLocks noGrp="1" noRot="1" noChangeAspect="1"/>
+          </p:cNvSpPr>
           <p:nvPr>
-            <p:ph idx="2" type="sldImg"/>
+            <p:ph type="sldImg" idx="2"/>
           </p:nvPr>
         </p:nvSpPr>
         <p:spPr>
@@ -823,9 +846,13 @@
             <a:ext cx="6096000" cy="3429000"/>
           </a:xfrm>
           <a:custGeom>
-            <a:rect b="b" l="l" r="r" t="t"/>
+            <a:avLst/>
+            <a:gdLst/>
+            <a:ahLst/>
+            <a:cxnLst/>
+            <a:rect l="l" t="t" r="r" b="b"/>
             <a:pathLst>
-              <a:path extrusionOk="0" h="120000" w="120000">
+              <a:path w="120000" h="120000" extrusionOk="0">
                 <a:moveTo>
                   <a:pt x="0" y="0"/>
                 </a:moveTo>
@@ -847,9 +874,11 @@
       <p:sp>
         <p:nvSpPr>
           <p:cNvPr id="58" name="Google Shape;58;g15eccc135ff_0_0:notes"/>
-          <p:cNvSpPr txBox="1"/>
+          <p:cNvSpPr txBox="1">
+            <a:spLocks noGrp="1"/>
+          </p:cNvSpPr>
           <p:nvPr>
-            <p:ph idx="1" type="body"/>
+            <p:ph type="body" idx="1"/>
           </p:nvPr>
         </p:nvSpPr>
         <p:spPr>
@@ -862,12 +891,12 @@
           </a:prstGeom>
         </p:spPr>
         <p:txBody>
-          <a:bodyPr anchorCtr="0" anchor="t" bIns="91425" lIns="91425" spcFirstLastPara="1" rIns="91425" wrap="square" tIns="91425">
+          <a:bodyPr spcFirstLastPara="1" wrap="square" lIns="91425" tIns="91425" rIns="91425" bIns="91425" anchor="t" anchorCtr="0">
             <a:noAutofit/>
           </a:bodyPr>
           <a:lstStyle/>
           <a:p>
-            <a:pPr indent="0" lvl="0" marL="0" rtl="0" algn="l">
+            <a:pPr marL="0" lvl="0" indent="0" algn="l" rtl="0">
               <a:spcBef>
                 <a:spcPts val="0"/>
               </a:spcBef>
@@ -876,9 +905,6 @@
               </a:spcAft>
               <a:buNone/>
             </a:pPr>
-            <a:r>
-              <a:t/>
-            </a:r>
             <a:endParaRPr/>
           </a:p>
         </p:txBody>
@@ -892,11 +918,11 @@
 </file>
 
 <file path=ppt/notesSlides/notesSlide3.xml><?xml version="1.0" encoding="utf-8"?>
-<p:notes xmlns:a="http://schemas.openxmlformats.org/drawingml/2006/main" xmlns:r="http://schemas.openxmlformats.org/officeDocument/2006/relationships" xmlns:mc="http://schemas.openxmlformats.org/markup-compatibility/2006" xmlns:mv="urn:schemas-microsoft-com:mac:vml" xmlns:p="http://schemas.openxmlformats.org/presentationml/2006/main" xmlns:c="http://schemas.openxmlformats.org/drawingml/2006/chart" xmlns:dgm="http://schemas.openxmlformats.org/drawingml/2006/diagram" xmlns:o="urn:schemas-microsoft-com:office:office" xmlns:v="urn:schemas-microsoft-com:vml" xmlns:pvml="urn:schemas-microsoft-com:office:powerpoint" xmlns:com="http://schemas.openxmlformats.org/drawingml/2006/compatibility" xmlns:p14="http://schemas.microsoft.com/office/powerpoint/2010/main" xmlns:p15="http://schemas.microsoft.com/office/powerpoint/2012/main" xmlns:ahyp="http://schemas.microsoft.com/office/drawing/2018/hyperlinkcolor" showMasterPhAnim="0" showMasterSp="0">
+<p:notes xmlns:a="http://schemas.openxmlformats.org/drawingml/2006/main" xmlns:r="http://schemas.openxmlformats.org/officeDocument/2006/relationships" xmlns:p="http://schemas.openxmlformats.org/presentationml/2006/main" showMasterSp="0" showMasterPhAnim="0">
   <p:cSld>
     <p:spTree>
       <p:nvGrpSpPr>
-        <p:cNvPr id="63" name="Shape 63"/>
+        <p:cNvPr id="1" name="Shape 63"/>
         <p:cNvGrpSpPr/>
         <p:nvPr/>
       </p:nvGrpSpPr>
@@ -911,9 +937,11 @@
       <p:sp>
         <p:nvSpPr>
           <p:cNvPr id="64" name="Google Shape;64;g15eccc135ff_0_16:notes"/>
-          <p:cNvSpPr/>
+          <p:cNvSpPr>
+            <a:spLocks noGrp="1" noRot="1" noChangeAspect="1"/>
+          </p:cNvSpPr>
           <p:nvPr>
-            <p:ph idx="2" type="sldImg"/>
+            <p:ph type="sldImg" idx="2"/>
           </p:nvPr>
         </p:nvSpPr>
         <p:spPr>
@@ -922,9 +950,13 @@
             <a:ext cx="6096000" cy="3429000"/>
           </a:xfrm>
           <a:custGeom>
-            <a:rect b="b" l="l" r="r" t="t"/>
+            <a:avLst/>
+            <a:gdLst/>
+            <a:ahLst/>
+            <a:cxnLst/>
+            <a:rect l="l" t="t" r="r" b="b"/>
             <a:pathLst>
-              <a:path extrusionOk="0" h="120000" w="120000">
+              <a:path w="120000" h="120000" extrusionOk="0">
                 <a:moveTo>
                   <a:pt x="0" y="0"/>
                 </a:moveTo>
@@ -946,9 +978,11 @@
       <p:sp>
         <p:nvSpPr>
           <p:cNvPr id="65" name="Google Shape;65;g15eccc135ff_0_16:notes"/>
-          <p:cNvSpPr txBox="1"/>
+          <p:cNvSpPr txBox="1">
+            <a:spLocks noGrp="1"/>
+          </p:cNvSpPr>
           <p:nvPr>
-            <p:ph idx="1" type="body"/>
+            <p:ph type="body" idx="1"/>
           </p:nvPr>
         </p:nvSpPr>
         <p:spPr>
@@ -961,12 +995,12 @@
           </a:prstGeom>
         </p:spPr>
         <p:txBody>
-          <a:bodyPr anchorCtr="0" anchor="t" bIns="91425" lIns="91425" spcFirstLastPara="1" rIns="91425" wrap="square" tIns="91425">
+          <a:bodyPr spcFirstLastPara="1" wrap="square" lIns="91425" tIns="91425" rIns="91425" bIns="91425" anchor="t" anchorCtr="0">
             <a:noAutofit/>
           </a:bodyPr>
           <a:lstStyle/>
           <a:p>
-            <a:pPr indent="0" lvl="0" marL="0" rtl="0" algn="l">
+            <a:pPr marL="0" lvl="0" indent="0" algn="l" rtl="0">
               <a:spcBef>
                 <a:spcPts val="0"/>
               </a:spcBef>
@@ -975,9 +1009,6 @@
               </a:spcAft>
               <a:buNone/>
             </a:pPr>
-            <a:r>
-              <a:t/>
-            </a:r>
             <a:endParaRPr/>
           </a:p>
         </p:txBody>
@@ -991,11 +1022,11 @@
 </file>
 
 <file path=ppt/notesSlides/notesSlide4.xml><?xml version="1.0" encoding="utf-8"?>
-<p:notes xmlns:a="http://schemas.openxmlformats.org/drawingml/2006/main" xmlns:r="http://schemas.openxmlformats.org/officeDocument/2006/relationships" xmlns:mc="http://schemas.openxmlformats.org/markup-compatibility/2006" xmlns:mv="urn:schemas-microsoft-com:mac:vml" xmlns:p="http://schemas.openxmlformats.org/presentationml/2006/main" xmlns:c="http://schemas.openxmlformats.org/drawingml/2006/chart" xmlns:dgm="http://schemas.openxmlformats.org/drawingml/2006/diagram" xmlns:o="urn:schemas-microsoft-com:office:office" xmlns:v="urn:schemas-microsoft-com:vml" xmlns:pvml="urn:schemas-microsoft-com:office:powerpoint" xmlns:com="http://schemas.openxmlformats.org/drawingml/2006/compatibility" xmlns:p14="http://schemas.microsoft.com/office/powerpoint/2010/main" xmlns:p15="http://schemas.microsoft.com/office/powerpoint/2012/main" xmlns:ahyp="http://schemas.microsoft.com/office/drawing/2018/hyperlinkcolor" showMasterPhAnim="0" showMasterSp="0">
+<p:notes xmlns:a="http://schemas.openxmlformats.org/drawingml/2006/main" xmlns:r="http://schemas.openxmlformats.org/officeDocument/2006/relationships" xmlns:p="http://schemas.openxmlformats.org/presentationml/2006/main" showMasterSp="0" showMasterPhAnim="0">
   <p:cSld>
     <p:spTree>
       <p:nvGrpSpPr>
-        <p:cNvPr id="75" name="Shape 75"/>
+        <p:cNvPr id="1" name="Shape 75"/>
         <p:cNvGrpSpPr/>
         <p:nvPr/>
       </p:nvGrpSpPr>
@@ -1010,9 +1041,11 @@
       <p:sp>
         <p:nvSpPr>
           <p:cNvPr id="76" name="Google Shape;76;g15eccc135ff_0_94:notes"/>
-          <p:cNvSpPr/>
+          <p:cNvSpPr>
+            <a:spLocks noGrp="1" noRot="1" noChangeAspect="1"/>
+          </p:cNvSpPr>
           <p:nvPr>
-            <p:ph idx="2" type="sldImg"/>
+            <p:ph type="sldImg" idx="2"/>
           </p:nvPr>
         </p:nvSpPr>
         <p:spPr>
@@ -1021,9 +1054,13 @@
             <a:ext cx="6096000" cy="3429000"/>
           </a:xfrm>
           <a:custGeom>
-            <a:rect b="b" l="l" r="r" t="t"/>
+            <a:avLst/>
+            <a:gdLst/>
+            <a:ahLst/>
+            <a:cxnLst/>
+            <a:rect l="l" t="t" r="r" b="b"/>
             <a:pathLst>
-              <a:path extrusionOk="0" h="120000" w="120000">
+              <a:path w="120000" h="120000" extrusionOk="0">
                 <a:moveTo>
                   <a:pt x="0" y="0"/>
                 </a:moveTo>
@@ -1045,9 +1082,11 @@
       <p:sp>
         <p:nvSpPr>
           <p:cNvPr id="77" name="Google Shape;77;g15eccc135ff_0_94:notes"/>
-          <p:cNvSpPr txBox="1"/>
+          <p:cNvSpPr txBox="1">
+            <a:spLocks noGrp="1"/>
+          </p:cNvSpPr>
           <p:nvPr>
-            <p:ph idx="1" type="body"/>
+            <p:ph type="body" idx="1"/>
           </p:nvPr>
         </p:nvSpPr>
         <p:spPr>
@@ -1060,12 +1099,12 @@
           </a:prstGeom>
         </p:spPr>
         <p:txBody>
-          <a:bodyPr anchorCtr="0" anchor="t" bIns="91425" lIns="91425" spcFirstLastPara="1" rIns="91425" wrap="square" tIns="91425">
+          <a:bodyPr spcFirstLastPara="1" wrap="square" lIns="91425" tIns="91425" rIns="91425" bIns="91425" anchor="t" anchorCtr="0">
             <a:noAutofit/>
           </a:bodyPr>
           <a:lstStyle/>
           <a:p>
-            <a:pPr indent="0" lvl="0" marL="0" rtl="0" algn="l">
+            <a:pPr marL="0" lvl="0" indent="0" algn="l" rtl="0">
               <a:spcBef>
                 <a:spcPts val="0"/>
               </a:spcBef>
@@ -1074,9 +1113,6 @@
               </a:spcAft>
               <a:buNone/>
             </a:pPr>
-            <a:r>
-              <a:t/>
-            </a:r>
             <a:endParaRPr/>
           </a:p>
         </p:txBody>
@@ -1090,11 +1126,11 @@
 </file>
 
 <file path=ppt/notesSlides/notesSlide5.xml><?xml version="1.0" encoding="utf-8"?>
-<p:notes xmlns:a="http://schemas.openxmlformats.org/drawingml/2006/main" xmlns:r="http://schemas.openxmlformats.org/officeDocument/2006/relationships" xmlns:mc="http://schemas.openxmlformats.org/markup-compatibility/2006" xmlns:mv="urn:schemas-microsoft-com:mac:vml" xmlns:p="http://schemas.openxmlformats.org/presentationml/2006/main" xmlns:c="http://schemas.openxmlformats.org/drawingml/2006/chart" xmlns:dgm="http://schemas.openxmlformats.org/drawingml/2006/diagram" xmlns:o="urn:schemas-microsoft-com:office:office" xmlns:v="urn:schemas-microsoft-com:vml" xmlns:pvml="urn:schemas-microsoft-com:office:powerpoint" xmlns:com="http://schemas.openxmlformats.org/drawingml/2006/compatibility" xmlns:p14="http://schemas.microsoft.com/office/powerpoint/2010/main" xmlns:p15="http://schemas.microsoft.com/office/powerpoint/2012/main" xmlns:ahyp="http://schemas.microsoft.com/office/drawing/2018/hyperlinkcolor" showMasterPhAnim="0" showMasterSp="0">
+<p:notes xmlns:a="http://schemas.openxmlformats.org/drawingml/2006/main" xmlns:r="http://schemas.openxmlformats.org/officeDocument/2006/relationships" xmlns:p="http://schemas.openxmlformats.org/presentationml/2006/main" showMasterSp="0" showMasterPhAnim="0">
   <p:cSld>
     <p:spTree>
       <p:nvGrpSpPr>
-        <p:cNvPr id="86" name="Shape 86"/>
+        <p:cNvPr id="1" name="Shape 86"/>
         <p:cNvGrpSpPr/>
         <p:nvPr/>
       </p:nvGrpSpPr>
@@ -1109,9 +1145,11 @@
       <p:sp>
         <p:nvSpPr>
           <p:cNvPr id="87" name="Google Shape;87;g15eccc135ff_0_34:notes"/>
-          <p:cNvSpPr/>
+          <p:cNvSpPr>
+            <a:spLocks noGrp="1" noRot="1" noChangeAspect="1"/>
+          </p:cNvSpPr>
           <p:nvPr>
-            <p:ph idx="2" type="sldImg"/>
+            <p:ph type="sldImg" idx="2"/>
           </p:nvPr>
         </p:nvSpPr>
         <p:spPr>
@@ -1120,9 +1158,13 @@
             <a:ext cx="6096000" cy="3429000"/>
           </a:xfrm>
           <a:custGeom>
-            <a:rect b="b" l="l" r="r" t="t"/>
+            <a:avLst/>
+            <a:gdLst/>
+            <a:ahLst/>
+            <a:cxnLst/>
+            <a:rect l="l" t="t" r="r" b="b"/>
             <a:pathLst>
-              <a:path extrusionOk="0" h="120000" w="120000">
+              <a:path w="120000" h="120000" extrusionOk="0">
                 <a:moveTo>
                   <a:pt x="0" y="0"/>
                 </a:moveTo>
@@ -1144,9 +1186,11 @@
       <p:sp>
         <p:nvSpPr>
           <p:cNvPr id="88" name="Google Shape;88;g15eccc135ff_0_34:notes"/>
-          <p:cNvSpPr txBox="1"/>
+          <p:cNvSpPr txBox="1">
+            <a:spLocks noGrp="1"/>
+          </p:cNvSpPr>
           <p:nvPr>
-            <p:ph idx="1" type="body"/>
+            <p:ph type="body" idx="1"/>
           </p:nvPr>
         </p:nvSpPr>
         <p:spPr>
@@ -1159,12 +1203,12 @@
           </a:prstGeom>
         </p:spPr>
         <p:txBody>
-          <a:bodyPr anchorCtr="0" anchor="t" bIns="91425" lIns="91425" spcFirstLastPara="1" rIns="91425" wrap="square" tIns="91425">
+          <a:bodyPr spcFirstLastPara="1" wrap="square" lIns="91425" tIns="91425" rIns="91425" bIns="91425" anchor="t" anchorCtr="0">
             <a:noAutofit/>
           </a:bodyPr>
           <a:lstStyle/>
           <a:p>
-            <a:pPr indent="0" lvl="0" marL="0" rtl="0" algn="l">
+            <a:pPr marL="0" lvl="0" indent="0" algn="l" rtl="0">
               <a:spcBef>
                 <a:spcPts val="0"/>
               </a:spcBef>
@@ -1173,9 +1217,6 @@
               </a:spcAft>
               <a:buNone/>
             </a:pPr>
-            <a:r>
-              <a:t/>
-            </a:r>
             <a:endParaRPr/>
           </a:p>
         </p:txBody>
@@ -1189,11 +1230,11 @@
 </file>
 
 <file path=ppt/notesSlides/notesSlide6.xml><?xml version="1.0" encoding="utf-8"?>
-<p:notes xmlns:a="http://schemas.openxmlformats.org/drawingml/2006/main" xmlns:r="http://schemas.openxmlformats.org/officeDocument/2006/relationships" xmlns:mc="http://schemas.openxmlformats.org/markup-compatibility/2006" xmlns:mv="urn:schemas-microsoft-com:mac:vml" xmlns:p="http://schemas.openxmlformats.org/presentationml/2006/main" xmlns:c="http://schemas.openxmlformats.org/drawingml/2006/chart" xmlns:dgm="http://schemas.openxmlformats.org/drawingml/2006/diagram" xmlns:o="urn:schemas-microsoft-com:office:office" xmlns:v="urn:schemas-microsoft-com:vml" xmlns:pvml="urn:schemas-microsoft-com:office:powerpoint" xmlns:com="http://schemas.openxmlformats.org/drawingml/2006/compatibility" xmlns:p14="http://schemas.microsoft.com/office/powerpoint/2010/main" xmlns:p15="http://schemas.microsoft.com/office/powerpoint/2012/main" xmlns:ahyp="http://schemas.microsoft.com/office/drawing/2018/hyperlinkcolor" showMasterPhAnim="0" showMasterSp="0">
+<p:notes xmlns:a="http://schemas.openxmlformats.org/drawingml/2006/main" xmlns:r="http://schemas.openxmlformats.org/officeDocument/2006/relationships" xmlns:p="http://schemas.openxmlformats.org/presentationml/2006/main" showMasterSp="0" showMasterPhAnim="0">
   <p:cSld>
     <p:spTree>
       <p:nvGrpSpPr>
-        <p:cNvPr id="94" name="Shape 94"/>
+        <p:cNvPr id="1" name="Shape 94"/>
         <p:cNvGrpSpPr/>
         <p:nvPr/>
       </p:nvGrpSpPr>
@@ -1208,9 +1249,11 @@
       <p:sp>
         <p:nvSpPr>
           <p:cNvPr id="95" name="Google Shape;95;g15eccc135ff_0_24:notes"/>
-          <p:cNvSpPr/>
+          <p:cNvSpPr>
+            <a:spLocks noGrp="1" noRot="1" noChangeAspect="1"/>
+          </p:cNvSpPr>
           <p:nvPr>
-            <p:ph idx="2" type="sldImg"/>
+            <p:ph type="sldImg" idx="2"/>
           </p:nvPr>
         </p:nvSpPr>
         <p:spPr>
@@ -1219,9 +1262,13 @@
             <a:ext cx="6096000" cy="3429000"/>
           </a:xfrm>
           <a:custGeom>
-            <a:rect b="b" l="l" r="r" t="t"/>
+            <a:avLst/>
+            <a:gdLst/>
+            <a:ahLst/>
+            <a:cxnLst/>
+            <a:rect l="l" t="t" r="r" b="b"/>
             <a:pathLst>
-              <a:path extrusionOk="0" h="120000" w="120000">
+              <a:path w="120000" h="120000" extrusionOk="0">
                 <a:moveTo>
                   <a:pt x="0" y="0"/>
                 </a:moveTo>
@@ -1243,9 +1290,11 @@
       <p:sp>
         <p:nvSpPr>
           <p:cNvPr id="96" name="Google Shape;96;g15eccc135ff_0_24:notes"/>
-          <p:cNvSpPr txBox="1"/>
+          <p:cNvSpPr txBox="1">
+            <a:spLocks noGrp="1"/>
+          </p:cNvSpPr>
           <p:nvPr>
-            <p:ph idx="1" type="body"/>
+            <p:ph type="body" idx="1"/>
           </p:nvPr>
         </p:nvSpPr>
         <p:spPr>
@@ -1258,12 +1307,12 @@
           </a:prstGeom>
         </p:spPr>
         <p:txBody>
-          <a:bodyPr anchorCtr="0" anchor="t" bIns="91425" lIns="91425" spcFirstLastPara="1" rIns="91425" wrap="square" tIns="91425">
+          <a:bodyPr spcFirstLastPara="1" wrap="square" lIns="91425" tIns="91425" rIns="91425" bIns="91425" anchor="t" anchorCtr="0">
             <a:noAutofit/>
           </a:bodyPr>
           <a:lstStyle/>
           <a:p>
-            <a:pPr indent="0" lvl="0" marL="0" rtl="0" algn="l">
+            <a:pPr marL="0" lvl="0" indent="0" algn="l" rtl="0">
               <a:spcBef>
                 <a:spcPts val="0"/>
               </a:spcBef>
@@ -1272,9 +1321,6 @@
               </a:spcAft>
               <a:buNone/>
             </a:pPr>
-            <a:r>
-              <a:t/>
-            </a:r>
             <a:endParaRPr/>
           </a:p>
         </p:txBody>
@@ -1288,11 +1334,11 @@
 </file>
 
 <file path=ppt/notesSlides/notesSlide7.xml><?xml version="1.0" encoding="utf-8"?>
-<p:notes xmlns:a="http://schemas.openxmlformats.org/drawingml/2006/main" xmlns:r="http://schemas.openxmlformats.org/officeDocument/2006/relationships" xmlns:mc="http://schemas.openxmlformats.org/markup-compatibility/2006" xmlns:mv="urn:schemas-microsoft-com:mac:vml" xmlns:p="http://schemas.openxmlformats.org/presentationml/2006/main" xmlns:c="http://schemas.openxmlformats.org/drawingml/2006/chart" xmlns:dgm="http://schemas.openxmlformats.org/drawingml/2006/diagram" xmlns:o="urn:schemas-microsoft-com:office:office" xmlns:v="urn:schemas-microsoft-com:vml" xmlns:pvml="urn:schemas-microsoft-com:office:powerpoint" xmlns:com="http://schemas.openxmlformats.org/drawingml/2006/compatibility" xmlns:p14="http://schemas.microsoft.com/office/powerpoint/2010/main" xmlns:p15="http://schemas.microsoft.com/office/powerpoint/2012/main" xmlns:ahyp="http://schemas.microsoft.com/office/drawing/2018/hyperlinkcolor" showMasterPhAnim="0" showMasterSp="0">
+<p:notes xmlns:a="http://schemas.openxmlformats.org/drawingml/2006/main" xmlns:r="http://schemas.openxmlformats.org/officeDocument/2006/relationships" xmlns:p="http://schemas.openxmlformats.org/presentationml/2006/main" showMasterSp="0" showMasterPhAnim="0">
   <p:cSld>
     <p:spTree>
       <p:nvGrpSpPr>
-        <p:cNvPr id="101" name="Shape 101"/>
+        <p:cNvPr id="1" name="Shape 101"/>
         <p:cNvGrpSpPr/>
         <p:nvPr/>
       </p:nvGrpSpPr>
@@ -1307,9 +1353,11 @@
       <p:sp>
         <p:nvSpPr>
           <p:cNvPr id="102" name="Google Shape;102;g15eccc135ff_0_49:notes"/>
-          <p:cNvSpPr/>
+          <p:cNvSpPr>
+            <a:spLocks noGrp="1" noRot="1" noChangeAspect="1"/>
+          </p:cNvSpPr>
           <p:nvPr>
-            <p:ph idx="2" type="sldImg"/>
+            <p:ph type="sldImg" idx="2"/>
           </p:nvPr>
         </p:nvSpPr>
         <p:spPr>
@@ -1318,9 +1366,13 @@
             <a:ext cx="6096000" cy="3429000"/>
           </a:xfrm>
           <a:custGeom>
-            <a:rect b="b" l="l" r="r" t="t"/>
+            <a:avLst/>
+            <a:gdLst/>
+            <a:ahLst/>
+            <a:cxnLst/>
+            <a:rect l="l" t="t" r="r" b="b"/>
             <a:pathLst>
-              <a:path extrusionOk="0" h="120000" w="120000">
+              <a:path w="120000" h="120000" extrusionOk="0">
                 <a:moveTo>
                   <a:pt x="0" y="0"/>
                 </a:moveTo>
@@ -1342,9 +1394,11 @@
       <p:sp>
         <p:nvSpPr>
           <p:cNvPr id="103" name="Google Shape;103;g15eccc135ff_0_49:notes"/>
-          <p:cNvSpPr txBox="1"/>
+          <p:cNvSpPr txBox="1">
+            <a:spLocks noGrp="1"/>
+          </p:cNvSpPr>
           <p:nvPr>
-            <p:ph idx="1" type="body"/>
+            <p:ph type="body" idx="1"/>
           </p:nvPr>
         </p:nvSpPr>
         <p:spPr>
@@ -1357,12 +1411,12 @@
           </a:prstGeom>
         </p:spPr>
         <p:txBody>
-          <a:bodyPr anchorCtr="0" anchor="t" bIns="91425" lIns="91425" spcFirstLastPara="1" rIns="91425" wrap="square" tIns="91425">
+          <a:bodyPr spcFirstLastPara="1" wrap="square" lIns="91425" tIns="91425" rIns="91425" bIns="91425" anchor="t" anchorCtr="0">
             <a:noAutofit/>
           </a:bodyPr>
           <a:lstStyle/>
           <a:p>
-            <a:pPr indent="0" lvl="0" marL="0" rtl="0" algn="l">
+            <a:pPr marL="0" lvl="0" indent="0" algn="l" rtl="0">
               <a:spcBef>
                 <a:spcPts val="0"/>
               </a:spcBef>
@@ -1371,9 +1425,6 @@
               </a:spcAft>
               <a:buNone/>
             </a:pPr>
-            <a:r>
-              <a:t/>
-            </a:r>
             <a:endParaRPr/>
           </a:p>
         </p:txBody>
@@ -1387,11 +1438,11 @@
 </file>
 
 <file path=ppt/notesSlides/notesSlide8.xml><?xml version="1.0" encoding="utf-8"?>
-<p:notes xmlns:a="http://schemas.openxmlformats.org/drawingml/2006/main" xmlns:r="http://schemas.openxmlformats.org/officeDocument/2006/relationships" xmlns:mc="http://schemas.openxmlformats.org/markup-compatibility/2006" xmlns:mv="urn:schemas-microsoft-com:mac:vml" xmlns:p="http://schemas.openxmlformats.org/presentationml/2006/main" xmlns:c="http://schemas.openxmlformats.org/drawingml/2006/chart" xmlns:dgm="http://schemas.openxmlformats.org/drawingml/2006/diagram" xmlns:o="urn:schemas-microsoft-com:office:office" xmlns:v="urn:schemas-microsoft-com:vml" xmlns:pvml="urn:schemas-microsoft-com:office:powerpoint" xmlns:com="http://schemas.openxmlformats.org/drawingml/2006/compatibility" xmlns:p14="http://schemas.microsoft.com/office/powerpoint/2010/main" xmlns:p15="http://schemas.microsoft.com/office/powerpoint/2012/main" xmlns:ahyp="http://schemas.microsoft.com/office/drawing/2018/hyperlinkcolor" showMasterPhAnim="0" showMasterSp="0">
+<p:notes xmlns:a="http://schemas.openxmlformats.org/drawingml/2006/main" xmlns:r="http://schemas.openxmlformats.org/officeDocument/2006/relationships" xmlns:p="http://schemas.openxmlformats.org/presentationml/2006/main" showMasterSp="0" showMasterPhAnim="0">
   <p:cSld>
     <p:spTree>
       <p:nvGrpSpPr>
-        <p:cNvPr id="108" name="Shape 108"/>
+        <p:cNvPr id="1" name="Shape 108"/>
         <p:cNvGrpSpPr/>
         <p:nvPr/>
       </p:nvGrpSpPr>
@@ -1406,9 +1457,11 @@
       <p:sp>
         <p:nvSpPr>
           <p:cNvPr id="109" name="Google Shape;109;g15eccc135ff_0_62:notes"/>
-          <p:cNvSpPr/>
+          <p:cNvSpPr>
+            <a:spLocks noGrp="1" noRot="1" noChangeAspect="1"/>
+          </p:cNvSpPr>
           <p:nvPr>
-            <p:ph idx="2" type="sldImg"/>
+            <p:ph type="sldImg" idx="2"/>
           </p:nvPr>
         </p:nvSpPr>
         <p:spPr>
@@ -1417,9 +1470,13 @@
             <a:ext cx="6096000" cy="3429000"/>
           </a:xfrm>
           <a:custGeom>
-            <a:rect b="b" l="l" r="r" t="t"/>
+            <a:avLst/>
+            <a:gdLst/>
+            <a:ahLst/>
+            <a:cxnLst/>
+            <a:rect l="l" t="t" r="r" b="b"/>
             <a:pathLst>
-              <a:path extrusionOk="0" h="120000" w="120000">
+              <a:path w="120000" h="120000" extrusionOk="0">
                 <a:moveTo>
                   <a:pt x="0" y="0"/>
                 </a:moveTo>
@@ -1441,9 +1498,11 @@
       <p:sp>
         <p:nvSpPr>
           <p:cNvPr id="110" name="Google Shape;110;g15eccc135ff_0_62:notes"/>
-          <p:cNvSpPr txBox="1"/>
+          <p:cNvSpPr txBox="1">
+            <a:spLocks noGrp="1"/>
+          </p:cNvSpPr>
           <p:nvPr>
-            <p:ph idx="1" type="body"/>
+            <p:ph type="body" idx="1"/>
           </p:nvPr>
         </p:nvSpPr>
         <p:spPr>
@@ -1456,12 +1515,12 @@
           </a:prstGeom>
         </p:spPr>
         <p:txBody>
-          <a:bodyPr anchorCtr="0" anchor="t" bIns="91425" lIns="91425" spcFirstLastPara="1" rIns="91425" wrap="square" tIns="91425">
+          <a:bodyPr spcFirstLastPara="1" wrap="square" lIns="91425" tIns="91425" rIns="91425" bIns="91425" anchor="t" anchorCtr="0">
             <a:noAutofit/>
           </a:bodyPr>
           <a:lstStyle/>
           <a:p>
-            <a:pPr indent="0" lvl="0" marL="0" rtl="0" algn="l">
+            <a:pPr marL="0" lvl="0" indent="0" algn="l" rtl="0">
               <a:spcBef>
                 <a:spcPts val="0"/>
               </a:spcBef>
@@ -1470,9 +1529,6 @@
               </a:spcAft>
               <a:buNone/>
             </a:pPr>
-            <a:r>
-              <a:t/>
-            </a:r>
             <a:endParaRPr/>
           </a:p>
         </p:txBody>
@@ -1486,11 +1542,11 @@
 </file>
 
 <file path=ppt/slideLayouts/slideLayout1.xml><?xml version="1.0" encoding="utf-8"?>
-<p:sldLayout xmlns:a="http://schemas.openxmlformats.org/drawingml/2006/main" xmlns:r="http://schemas.openxmlformats.org/officeDocument/2006/relationships" xmlns:mc="http://schemas.openxmlformats.org/markup-compatibility/2006" xmlns:mv="urn:schemas-microsoft-com:mac:vml" xmlns:p="http://schemas.openxmlformats.org/presentationml/2006/main" xmlns:c="http://schemas.openxmlformats.org/drawingml/2006/chart" xmlns:dgm="http://schemas.openxmlformats.org/drawingml/2006/diagram" xmlns:o="urn:schemas-microsoft-com:office:office" xmlns:v="urn:schemas-microsoft-com:vml" xmlns:pvml="urn:schemas-microsoft-com:office:powerpoint" xmlns:com="http://schemas.openxmlformats.org/drawingml/2006/compatibility" xmlns:p14="http://schemas.microsoft.com/office/powerpoint/2010/main" xmlns:p15="http://schemas.microsoft.com/office/powerpoint/2012/main" xmlns:ahyp="http://schemas.microsoft.com/office/drawing/2018/hyperlinkcolor" matchingName="Title slide" type="title">
+<p:sldLayout xmlns:a="http://schemas.openxmlformats.org/drawingml/2006/main" xmlns:r="http://schemas.openxmlformats.org/officeDocument/2006/relationships" xmlns:p="http://schemas.openxmlformats.org/presentationml/2006/main" matchingName="Title slide" type="title">
   <p:cSld name="TITLE">
     <p:spTree>
       <p:nvGrpSpPr>
-        <p:cNvPr id="9" name="Shape 9"/>
+        <p:cNvPr id="1" name="Shape 9"/>
         <p:cNvGrpSpPr/>
         <p:nvPr/>
       </p:nvGrpSpPr>
@@ -1505,7 +1561,9 @@
       <p:sp>
         <p:nvSpPr>
           <p:cNvPr id="10" name="Google Shape;10;p2"/>
-          <p:cNvSpPr txBox="1"/>
+          <p:cNvSpPr txBox="1">
+            <a:spLocks noGrp="1"/>
+          </p:cNvSpPr>
           <p:nvPr>
             <p:ph type="ctrTitle"/>
           </p:nvPr>
@@ -1520,7 +1578,7 @@
           </a:prstGeom>
         </p:spPr>
         <p:txBody>
-          <a:bodyPr anchorCtr="0" anchor="b" bIns="91425" lIns="91425" spcFirstLastPara="1" rIns="91425" wrap="square" tIns="91425">
+          <a:bodyPr spcFirstLastPara="1" wrap="square" lIns="91425" tIns="91425" rIns="91425" bIns="91425" anchor="b" anchorCtr="0">
             <a:normAutofit/>
           </a:bodyPr>
           <a:lstStyle>
@@ -1624,15 +1682,19 @@
               <a:defRPr sz="5200"/>
             </a:lvl9pPr>
           </a:lstStyle>
-          <a:p/>
+          <a:p>
+            <a:endParaRPr/>
+          </a:p>
         </p:txBody>
       </p:sp>
       <p:sp>
         <p:nvSpPr>
           <p:cNvPr id="11" name="Google Shape;11;p2"/>
-          <p:cNvSpPr txBox="1"/>
+          <p:cNvSpPr txBox="1">
+            <a:spLocks noGrp="1"/>
+          </p:cNvSpPr>
           <p:nvPr>
-            <p:ph idx="1" type="subTitle"/>
+            <p:ph type="subTitle" idx="1"/>
           </p:nvPr>
         </p:nvSpPr>
         <p:spPr>
@@ -1645,7 +1707,7 @@
           </a:prstGeom>
         </p:spPr>
         <p:txBody>
-          <a:bodyPr anchorCtr="0" anchor="t" bIns="91425" lIns="91425" spcFirstLastPara="1" rIns="91425" wrap="square" tIns="91425">
+          <a:bodyPr spcFirstLastPara="1" wrap="square" lIns="91425" tIns="91425" rIns="91425" bIns="91425" anchor="t" anchorCtr="0">
             <a:normAutofit/>
           </a:bodyPr>
           <a:lstStyle>
@@ -1776,15 +1838,19 @@
               <a:defRPr sz="2800"/>
             </a:lvl9pPr>
           </a:lstStyle>
-          <a:p/>
+          <a:p>
+            <a:endParaRPr/>
+          </a:p>
         </p:txBody>
       </p:sp>
       <p:sp>
         <p:nvSpPr>
           <p:cNvPr id="12" name="Google Shape;12;p2"/>
-          <p:cNvSpPr txBox="1"/>
+          <p:cNvSpPr txBox="1">
+            <a:spLocks noGrp="1"/>
+          </p:cNvSpPr>
           <p:nvPr>
-            <p:ph idx="12" type="sldNum"/>
+            <p:ph type="sldNum" idx="12"/>
           </p:nvPr>
         </p:nvSpPr>
         <p:spPr>
@@ -1797,7 +1863,7 @@
           </a:prstGeom>
         </p:spPr>
         <p:txBody>
-          <a:bodyPr anchorCtr="0" anchor="ctr" bIns="91425" lIns="91425" spcFirstLastPara="1" rIns="91425" wrap="square" tIns="91425">
+          <a:bodyPr spcFirstLastPara="1" wrap="square" lIns="91425" tIns="91425" rIns="91425" bIns="91425" anchor="ctr" anchorCtr="0">
             <a:normAutofit/>
           </a:bodyPr>
           <a:lstStyle>
@@ -1839,7 +1905,7 @@
             </a:lvl9pPr>
           </a:lstStyle>
           <a:p>
-            <a:pPr indent="0" lvl="0" marL="0" rtl="0" algn="r">
+            <a:pPr marL="0" lvl="0" indent="0" algn="r" rtl="0">
               <a:spcBef>
                 <a:spcPts val="0"/>
               </a:spcBef>
@@ -1865,11 +1931,11 @@
 </file>
 
 <file path=ppt/slideLayouts/slideLayout10.xml><?xml version="1.0" encoding="utf-8"?>
-<p:sldLayout xmlns:a="http://schemas.openxmlformats.org/drawingml/2006/main" xmlns:r="http://schemas.openxmlformats.org/officeDocument/2006/relationships" xmlns:mc="http://schemas.openxmlformats.org/markup-compatibility/2006" xmlns:mv="urn:schemas-microsoft-com:mac:vml" xmlns:p="http://schemas.openxmlformats.org/presentationml/2006/main" xmlns:c="http://schemas.openxmlformats.org/drawingml/2006/chart" xmlns:dgm="http://schemas.openxmlformats.org/drawingml/2006/diagram" xmlns:o="urn:schemas-microsoft-com:office:office" xmlns:v="urn:schemas-microsoft-com:vml" xmlns:pvml="urn:schemas-microsoft-com:office:powerpoint" xmlns:com="http://schemas.openxmlformats.org/drawingml/2006/compatibility" xmlns:p14="http://schemas.microsoft.com/office/powerpoint/2010/main" xmlns:p15="http://schemas.microsoft.com/office/powerpoint/2012/main" xmlns:ahyp="http://schemas.microsoft.com/office/drawing/2018/hyperlinkcolor" matchingName="Big number">
+<p:sldLayout xmlns:a="http://schemas.openxmlformats.org/drawingml/2006/main" xmlns:r="http://schemas.openxmlformats.org/officeDocument/2006/relationships" xmlns:p="http://schemas.openxmlformats.org/presentationml/2006/main" matchingName="Big number">
   <p:cSld name="BIG_NUMBER">
     <p:spTree>
       <p:nvGrpSpPr>
-        <p:cNvPr id="44" name="Shape 44"/>
+        <p:cNvPr id="1" name="Shape 44"/>
         <p:cNvGrpSpPr/>
         <p:nvPr/>
       </p:nvGrpSpPr>
@@ -1884,9 +1950,11 @@
       <p:sp>
         <p:nvSpPr>
           <p:cNvPr id="45" name="Google Shape;45;p11"/>
-          <p:cNvSpPr txBox="1"/>
+          <p:cNvSpPr txBox="1">
+            <a:spLocks noGrp="1"/>
+          </p:cNvSpPr>
           <p:nvPr>
-            <p:ph hasCustomPrompt="1" type="title"/>
+            <p:ph type="title" hasCustomPrompt="1"/>
           </p:nvPr>
         </p:nvSpPr>
         <p:spPr>
@@ -1899,7 +1967,7 @@
           </a:prstGeom>
         </p:spPr>
         <p:txBody>
-          <a:bodyPr anchorCtr="0" anchor="b" bIns="91425" lIns="91425" spcFirstLastPara="1" rIns="91425" wrap="square" tIns="91425">
+          <a:bodyPr spcFirstLastPara="1" wrap="square" lIns="91425" tIns="91425" rIns="91425" bIns="91425" anchor="b" anchorCtr="0">
             <a:normAutofit/>
           </a:bodyPr>
           <a:lstStyle>
@@ -2013,9 +2081,11 @@
       <p:sp>
         <p:nvSpPr>
           <p:cNvPr id="46" name="Google Shape;46;p11"/>
-          <p:cNvSpPr txBox="1"/>
+          <p:cNvSpPr txBox="1">
+            <a:spLocks noGrp="1"/>
+          </p:cNvSpPr>
           <p:nvPr>
-            <p:ph idx="1" type="body"/>
+            <p:ph type="body" idx="1"/>
           </p:nvPr>
         </p:nvSpPr>
         <p:spPr>
@@ -2028,11 +2098,11 @@
           </a:prstGeom>
         </p:spPr>
         <p:txBody>
-          <a:bodyPr anchorCtr="0" anchor="t" bIns="91425" lIns="91425" spcFirstLastPara="1" rIns="91425" wrap="square" tIns="91425">
+          <a:bodyPr spcFirstLastPara="1" wrap="square" lIns="91425" tIns="91425" rIns="91425" bIns="91425" anchor="t" anchorCtr="0">
             <a:normAutofit/>
           </a:bodyPr>
           <a:lstStyle>
-            <a:lvl1pPr indent="-342900" lvl="0" marL="457200" algn="ctr">
+            <a:lvl1pPr marL="457200" lvl="0" indent="-342900" algn="ctr">
               <a:spcBef>
                 <a:spcPts val="0"/>
               </a:spcBef>
@@ -2043,7 +2113,7 @@
               <a:buChar char="●"/>
               <a:defRPr/>
             </a:lvl1pPr>
-            <a:lvl2pPr indent="-317500" lvl="1" marL="914400" algn="ctr">
+            <a:lvl2pPr marL="914400" lvl="1" indent="-317500" algn="ctr">
               <a:spcBef>
                 <a:spcPts val="0"/>
               </a:spcBef>
@@ -2054,7 +2124,7 @@
               <a:buChar char="○"/>
               <a:defRPr/>
             </a:lvl2pPr>
-            <a:lvl3pPr indent="-317500" lvl="2" marL="1371600" algn="ctr">
+            <a:lvl3pPr marL="1371600" lvl="2" indent="-317500" algn="ctr">
               <a:spcBef>
                 <a:spcPts val="0"/>
               </a:spcBef>
@@ -2065,7 +2135,7 @@
               <a:buChar char="■"/>
               <a:defRPr/>
             </a:lvl3pPr>
-            <a:lvl4pPr indent="-317500" lvl="3" marL="1828800" algn="ctr">
+            <a:lvl4pPr marL="1828800" lvl="3" indent="-317500" algn="ctr">
               <a:spcBef>
                 <a:spcPts val="0"/>
               </a:spcBef>
@@ -2076,7 +2146,7 @@
               <a:buChar char="●"/>
               <a:defRPr/>
             </a:lvl4pPr>
-            <a:lvl5pPr indent="-317500" lvl="4" marL="2286000" algn="ctr">
+            <a:lvl5pPr marL="2286000" lvl="4" indent="-317500" algn="ctr">
               <a:spcBef>
                 <a:spcPts val="0"/>
               </a:spcBef>
@@ -2087,7 +2157,7 @@
               <a:buChar char="○"/>
               <a:defRPr/>
             </a:lvl5pPr>
-            <a:lvl6pPr indent="-317500" lvl="5" marL="2743200" algn="ctr">
+            <a:lvl6pPr marL="2743200" lvl="5" indent="-317500" algn="ctr">
               <a:spcBef>
                 <a:spcPts val="0"/>
               </a:spcBef>
@@ -2098,7 +2168,7 @@
               <a:buChar char="■"/>
               <a:defRPr/>
             </a:lvl6pPr>
-            <a:lvl7pPr indent="-317500" lvl="6" marL="3200400" algn="ctr">
+            <a:lvl7pPr marL="3200400" lvl="6" indent="-317500" algn="ctr">
               <a:spcBef>
                 <a:spcPts val="0"/>
               </a:spcBef>
@@ -2109,7 +2179,7 @@
               <a:buChar char="●"/>
               <a:defRPr/>
             </a:lvl7pPr>
-            <a:lvl8pPr indent="-317500" lvl="7" marL="3657600" algn="ctr">
+            <a:lvl8pPr marL="3657600" lvl="7" indent="-317500" algn="ctr">
               <a:spcBef>
                 <a:spcPts val="0"/>
               </a:spcBef>
@@ -2120,7 +2190,7 @@
               <a:buChar char="○"/>
               <a:defRPr/>
             </a:lvl8pPr>
-            <a:lvl9pPr indent="-317500" lvl="8" marL="4114800" algn="ctr">
+            <a:lvl9pPr marL="4114800" lvl="8" indent="-317500" algn="ctr">
               <a:spcBef>
                 <a:spcPts val="0"/>
               </a:spcBef>
@@ -2132,15 +2202,19 @@
               <a:defRPr/>
             </a:lvl9pPr>
           </a:lstStyle>
-          <a:p/>
+          <a:p>
+            <a:endParaRPr/>
+          </a:p>
         </p:txBody>
       </p:sp>
       <p:sp>
         <p:nvSpPr>
           <p:cNvPr id="47" name="Google Shape;47;p11"/>
-          <p:cNvSpPr txBox="1"/>
+          <p:cNvSpPr txBox="1">
+            <a:spLocks noGrp="1"/>
+          </p:cNvSpPr>
           <p:nvPr>
-            <p:ph idx="12" type="sldNum"/>
+            <p:ph type="sldNum" idx="12"/>
           </p:nvPr>
         </p:nvSpPr>
         <p:spPr>
@@ -2153,7 +2227,7 @@
           </a:prstGeom>
         </p:spPr>
         <p:txBody>
-          <a:bodyPr anchorCtr="0" anchor="ctr" bIns="91425" lIns="91425" spcFirstLastPara="1" rIns="91425" wrap="square" tIns="91425">
+          <a:bodyPr spcFirstLastPara="1" wrap="square" lIns="91425" tIns="91425" rIns="91425" bIns="91425" anchor="ctr" anchorCtr="0">
             <a:normAutofit/>
           </a:bodyPr>
           <a:lstStyle>
@@ -2195,7 +2269,7 @@
             </a:lvl9pPr>
           </a:lstStyle>
           <a:p>
-            <a:pPr indent="0" lvl="0" marL="0" rtl="0" algn="r">
+            <a:pPr marL="0" lvl="0" indent="0" algn="r" rtl="0">
               <a:spcBef>
                 <a:spcPts val="0"/>
               </a:spcBef>
@@ -2221,11 +2295,11 @@
 </file>
 
 <file path=ppt/slideLayouts/slideLayout11.xml><?xml version="1.0" encoding="utf-8"?>
-<p:sldLayout xmlns:a="http://schemas.openxmlformats.org/drawingml/2006/main" xmlns:r="http://schemas.openxmlformats.org/officeDocument/2006/relationships" xmlns:mc="http://schemas.openxmlformats.org/markup-compatibility/2006" xmlns:mv="urn:schemas-microsoft-com:mac:vml" xmlns:p="http://schemas.openxmlformats.org/presentationml/2006/main" xmlns:c="http://schemas.openxmlformats.org/drawingml/2006/chart" xmlns:dgm="http://schemas.openxmlformats.org/drawingml/2006/diagram" xmlns:o="urn:schemas-microsoft-com:office:office" xmlns:v="urn:schemas-microsoft-com:vml" xmlns:pvml="urn:schemas-microsoft-com:office:powerpoint" xmlns:com="http://schemas.openxmlformats.org/drawingml/2006/compatibility" xmlns:p14="http://schemas.microsoft.com/office/powerpoint/2010/main" xmlns:p15="http://schemas.microsoft.com/office/powerpoint/2012/main" xmlns:ahyp="http://schemas.microsoft.com/office/drawing/2018/hyperlinkcolor" matchingName="Blank" type="blank">
+<p:sldLayout xmlns:a="http://schemas.openxmlformats.org/drawingml/2006/main" xmlns:r="http://schemas.openxmlformats.org/officeDocument/2006/relationships" xmlns:p="http://schemas.openxmlformats.org/presentationml/2006/main" matchingName="Blank" type="blank">
   <p:cSld name="BLANK">
     <p:spTree>
       <p:nvGrpSpPr>
-        <p:cNvPr id="48" name="Shape 48"/>
+        <p:cNvPr id="1" name="Shape 48"/>
         <p:cNvGrpSpPr/>
         <p:nvPr/>
       </p:nvGrpSpPr>
@@ -2240,9 +2314,11 @@
       <p:sp>
         <p:nvSpPr>
           <p:cNvPr id="49" name="Google Shape;49;p12"/>
-          <p:cNvSpPr txBox="1"/>
+          <p:cNvSpPr txBox="1">
+            <a:spLocks noGrp="1"/>
+          </p:cNvSpPr>
           <p:nvPr>
-            <p:ph idx="12" type="sldNum"/>
+            <p:ph type="sldNum" idx="12"/>
           </p:nvPr>
         </p:nvSpPr>
         <p:spPr>
@@ -2255,7 +2331,7 @@
           </a:prstGeom>
         </p:spPr>
         <p:txBody>
-          <a:bodyPr anchorCtr="0" anchor="ctr" bIns="91425" lIns="91425" spcFirstLastPara="1" rIns="91425" wrap="square" tIns="91425">
+          <a:bodyPr spcFirstLastPara="1" wrap="square" lIns="91425" tIns="91425" rIns="91425" bIns="91425" anchor="ctr" anchorCtr="0">
             <a:normAutofit/>
           </a:bodyPr>
           <a:lstStyle>
@@ -2297,7 +2373,7 @@
             </a:lvl9pPr>
           </a:lstStyle>
           <a:p>
-            <a:pPr indent="0" lvl="0" marL="0" rtl="0" algn="r">
+            <a:pPr marL="0" lvl="0" indent="0" algn="r" rtl="0">
               <a:spcBef>
                 <a:spcPts val="0"/>
               </a:spcBef>
@@ -2323,11 +2399,11 @@
 </file>
 
 <file path=ppt/slideLayouts/slideLayout2.xml><?xml version="1.0" encoding="utf-8"?>
-<p:sldLayout xmlns:a="http://schemas.openxmlformats.org/drawingml/2006/main" xmlns:r="http://schemas.openxmlformats.org/officeDocument/2006/relationships" xmlns:mc="http://schemas.openxmlformats.org/markup-compatibility/2006" xmlns:mv="urn:schemas-microsoft-com:mac:vml" xmlns:p="http://schemas.openxmlformats.org/presentationml/2006/main" xmlns:c="http://schemas.openxmlformats.org/drawingml/2006/chart" xmlns:dgm="http://schemas.openxmlformats.org/drawingml/2006/diagram" xmlns:o="urn:schemas-microsoft-com:office:office" xmlns:v="urn:schemas-microsoft-com:vml" xmlns:pvml="urn:schemas-microsoft-com:office:powerpoint" xmlns:com="http://schemas.openxmlformats.org/drawingml/2006/compatibility" xmlns:p14="http://schemas.microsoft.com/office/powerpoint/2010/main" xmlns:p15="http://schemas.microsoft.com/office/powerpoint/2012/main" xmlns:ahyp="http://schemas.microsoft.com/office/drawing/2018/hyperlinkcolor" matchingName="Section header" type="secHead">
+<p:sldLayout xmlns:a="http://schemas.openxmlformats.org/drawingml/2006/main" xmlns:r="http://schemas.openxmlformats.org/officeDocument/2006/relationships" xmlns:p="http://schemas.openxmlformats.org/presentationml/2006/main" matchingName="Section header" type="secHead">
   <p:cSld name="SECTION_HEADER">
     <p:spTree>
       <p:nvGrpSpPr>
-        <p:cNvPr id="13" name="Shape 13"/>
+        <p:cNvPr id="1" name="Shape 13"/>
         <p:cNvGrpSpPr/>
         <p:nvPr/>
       </p:nvGrpSpPr>
@@ -2342,7 +2418,9 @@
       <p:sp>
         <p:nvSpPr>
           <p:cNvPr id="14" name="Google Shape;14;p3"/>
-          <p:cNvSpPr txBox="1"/>
+          <p:cNvSpPr txBox="1">
+            <a:spLocks noGrp="1"/>
+          </p:cNvSpPr>
           <p:nvPr>
             <p:ph type="title"/>
           </p:nvPr>
@@ -2357,7 +2435,7 @@
           </a:prstGeom>
         </p:spPr>
         <p:txBody>
-          <a:bodyPr anchorCtr="0" anchor="ctr" bIns="91425" lIns="91425" spcFirstLastPara="1" rIns="91425" wrap="square" tIns="91425">
+          <a:bodyPr spcFirstLastPara="1" wrap="square" lIns="91425" tIns="91425" rIns="91425" bIns="91425" anchor="ctr" anchorCtr="0">
             <a:normAutofit/>
           </a:bodyPr>
           <a:lstStyle>
@@ -2461,15 +2539,19 @@
               <a:defRPr sz="3600"/>
             </a:lvl9pPr>
           </a:lstStyle>
-          <a:p/>
+          <a:p>
+            <a:endParaRPr/>
+          </a:p>
         </p:txBody>
       </p:sp>
       <p:sp>
         <p:nvSpPr>
           <p:cNvPr id="15" name="Google Shape;15;p3"/>
-          <p:cNvSpPr txBox="1"/>
+          <p:cNvSpPr txBox="1">
+            <a:spLocks noGrp="1"/>
+          </p:cNvSpPr>
           <p:nvPr>
-            <p:ph idx="12" type="sldNum"/>
+            <p:ph type="sldNum" idx="12"/>
           </p:nvPr>
         </p:nvSpPr>
         <p:spPr>
@@ -2482,7 +2564,7 @@
           </a:prstGeom>
         </p:spPr>
         <p:txBody>
-          <a:bodyPr anchorCtr="0" anchor="ctr" bIns="91425" lIns="91425" spcFirstLastPara="1" rIns="91425" wrap="square" tIns="91425">
+          <a:bodyPr spcFirstLastPara="1" wrap="square" lIns="91425" tIns="91425" rIns="91425" bIns="91425" anchor="ctr" anchorCtr="0">
             <a:normAutofit/>
           </a:bodyPr>
           <a:lstStyle>
@@ -2524,7 +2606,7 @@
             </a:lvl9pPr>
           </a:lstStyle>
           <a:p>
-            <a:pPr indent="0" lvl="0" marL="0" rtl="0" algn="r">
+            <a:pPr marL="0" lvl="0" indent="0" algn="r" rtl="0">
               <a:spcBef>
                 <a:spcPts val="0"/>
               </a:spcBef>
@@ -2550,11 +2632,11 @@
 </file>
 
 <file path=ppt/slideLayouts/slideLayout3.xml><?xml version="1.0" encoding="utf-8"?>
-<p:sldLayout xmlns:a="http://schemas.openxmlformats.org/drawingml/2006/main" xmlns:r="http://schemas.openxmlformats.org/officeDocument/2006/relationships" xmlns:mc="http://schemas.openxmlformats.org/markup-compatibility/2006" xmlns:mv="urn:schemas-microsoft-com:mac:vml" xmlns:p="http://schemas.openxmlformats.org/presentationml/2006/main" xmlns:c="http://schemas.openxmlformats.org/drawingml/2006/chart" xmlns:dgm="http://schemas.openxmlformats.org/drawingml/2006/diagram" xmlns:o="urn:schemas-microsoft-com:office:office" xmlns:v="urn:schemas-microsoft-com:vml" xmlns:pvml="urn:schemas-microsoft-com:office:powerpoint" xmlns:com="http://schemas.openxmlformats.org/drawingml/2006/compatibility" xmlns:p14="http://schemas.microsoft.com/office/powerpoint/2010/main" xmlns:p15="http://schemas.microsoft.com/office/powerpoint/2012/main" xmlns:ahyp="http://schemas.microsoft.com/office/drawing/2018/hyperlinkcolor" matchingName="Title and body" type="tx">
+<p:sldLayout xmlns:a="http://schemas.openxmlformats.org/drawingml/2006/main" xmlns:r="http://schemas.openxmlformats.org/officeDocument/2006/relationships" xmlns:p="http://schemas.openxmlformats.org/presentationml/2006/main" matchingName="Title and body" type="tx">
   <p:cSld name="TITLE_AND_BODY">
     <p:spTree>
       <p:nvGrpSpPr>
-        <p:cNvPr id="16" name="Shape 16"/>
+        <p:cNvPr id="1" name="Shape 16"/>
         <p:cNvGrpSpPr/>
         <p:nvPr/>
       </p:nvGrpSpPr>
@@ -2569,7 +2651,9 @@
       <p:sp>
         <p:nvSpPr>
           <p:cNvPr id="17" name="Google Shape;17;p4"/>
-          <p:cNvSpPr txBox="1"/>
+          <p:cNvSpPr txBox="1">
+            <a:spLocks noGrp="1"/>
+          </p:cNvSpPr>
           <p:nvPr>
             <p:ph type="title"/>
           </p:nvPr>
@@ -2584,7 +2668,7 @@
           </a:prstGeom>
         </p:spPr>
         <p:txBody>
-          <a:bodyPr anchorCtr="0" anchor="t" bIns="91425" lIns="91425" spcFirstLastPara="1" rIns="91425" wrap="square" tIns="91425">
+          <a:bodyPr spcFirstLastPara="1" wrap="square" lIns="91425" tIns="91425" rIns="91425" bIns="91425" anchor="t" anchorCtr="0">
             <a:normAutofit/>
           </a:bodyPr>
           <a:lstStyle>
@@ -2688,15 +2772,19 @@
               <a:defRPr/>
             </a:lvl9pPr>
           </a:lstStyle>
-          <a:p/>
+          <a:p>
+            <a:endParaRPr/>
+          </a:p>
         </p:txBody>
       </p:sp>
       <p:sp>
         <p:nvSpPr>
           <p:cNvPr id="18" name="Google Shape;18;p4"/>
-          <p:cNvSpPr txBox="1"/>
+          <p:cNvSpPr txBox="1">
+            <a:spLocks noGrp="1"/>
+          </p:cNvSpPr>
           <p:nvPr>
-            <p:ph idx="1" type="body"/>
+            <p:ph type="body" idx="1"/>
           </p:nvPr>
         </p:nvSpPr>
         <p:spPr>
@@ -2709,11 +2797,11 @@
           </a:prstGeom>
         </p:spPr>
         <p:txBody>
-          <a:bodyPr anchorCtr="0" anchor="t" bIns="91425" lIns="91425" spcFirstLastPara="1" rIns="91425" wrap="square" tIns="91425">
+          <a:bodyPr spcFirstLastPara="1" wrap="square" lIns="91425" tIns="91425" rIns="91425" bIns="91425" anchor="t" anchorCtr="0">
             <a:normAutofit/>
           </a:bodyPr>
           <a:lstStyle>
-            <a:lvl1pPr indent="-342900" lvl="0" marL="457200">
+            <a:lvl1pPr marL="457200" lvl="0" indent="-342900">
               <a:spcBef>
                 <a:spcPts val="0"/>
               </a:spcBef>
@@ -2724,7 +2812,7 @@
               <a:buChar char="●"/>
               <a:defRPr/>
             </a:lvl1pPr>
-            <a:lvl2pPr indent="-317500" lvl="1" marL="914400">
+            <a:lvl2pPr marL="914400" lvl="1" indent="-317500">
               <a:spcBef>
                 <a:spcPts val="0"/>
               </a:spcBef>
@@ -2735,7 +2823,7 @@
               <a:buChar char="○"/>
               <a:defRPr/>
             </a:lvl2pPr>
-            <a:lvl3pPr indent="-317500" lvl="2" marL="1371600">
+            <a:lvl3pPr marL="1371600" lvl="2" indent="-317500">
               <a:spcBef>
                 <a:spcPts val="0"/>
               </a:spcBef>
@@ -2746,7 +2834,7 @@
               <a:buChar char="■"/>
               <a:defRPr/>
             </a:lvl3pPr>
-            <a:lvl4pPr indent="-317500" lvl="3" marL="1828800">
+            <a:lvl4pPr marL="1828800" lvl="3" indent="-317500">
               <a:spcBef>
                 <a:spcPts val="0"/>
               </a:spcBef>
@@ -2757,7 +2845,7 @@
               <a:buChar char="●"/>
               <a:defRPr/>
             </a:lvl4pPr>
-            <a:lvl5pPr indent="-317500" lvl="4" marL="2286000">
+            <a:lvl5pPr marL="2286000" lvl="4" indent="-317500">
               <a:spcBef>
                 <a:spcPts val="0"/>
               </a:spcBef>
@@ -2768,7 +2856,7 @@
               <a:buChar char="○"/>
               <a:defRPr/>
             </a:lvl5pPr>
-            <a:lvl6pPr indent="-317500" lvl="5" marL="2743200">
+            <a:lvl6pPr marL="2743200" lvl="5" indent="-317500">
               <a:spcBef>
                 <a:spcPts val="0"/>
               </a:spcBef>
@@ -2779,7 +2867,7 @@
               <a:buChar char="■"/>
               <a:defRPr/>
             </a:lvl6pPr>
-            <a:lvl7pPr indent="-317500" lvl="6" marL="3200400">
+            <a:lvl7pPr marL="3200400" lvl="6" indent="-317500">
               <a:spcBef>
                 <a:spcPts val="0"/>
               </a:spcBef>
@@ -2790,7 +2878,7 @@
               <a:buChar char="●"/>
               <a:defRPr/>
             </a:lvl7pPr>
-            <a:lvl8pPr indent="-317500" lvl="7" marL="3657600">
+            <a:lvl8pPr marL="3657600" lvl="7" indent="-317500">
               <a:spcBef>
                 <a:spcPts val="0"/>
               </a:spcBef>
@@ -2801,7 +2889,7 @@
               <a:buChar char="○"/>
               <a:defRPr/>
             </a:lvl8pPr>
-            <a:lvl9pPr indent="-317500" lvl="8" marL="4114800">
+            <a:lvl9pPr marL="4114800" lvl="8" indent="-317500">
               <a:spcBef>
                 <a:spcPts val="0"/>
               </a:spcBef>
@@ -2813,15 +2901,19 @@
               <a:defRPr/>
             </a:lvl9pPr>
           </a:lstStyle>
-          <a:p/>
+          <a:p>
+            <a:endParaRPr/>
+          </a:p>
         </p:txBody>
       </p:sp>
       <p:sp>
         <p:nvSpPr>
           <p:cNvPr id="19" name="Google Shape;19;p4"/>
-          <p:cNvSpPr txBox="1"/>
+          <p:cNvSpPr txBox="1">
+            <a:spLocks noGrp="1"/>
+          </p:cNvSpPr>
           <p:nvPr>
-            <p:ph idx="12" type="sldNum"/>
+            <p:ph type="sldNum" idx="12"/>
           </p:nvPr>
         </p:nvSpPr>
         <p:spPr>
@@ -2834,7 +2926,7 @@
           </a:prstGeom>
         </p:spPr>
         <p:txBody>
-          <a:bodyPr anchorCtr="0" anchor="ctr" bIns="91425" lIns="91425" spcFirstLastPara="1" rIns="91425" wrap="square" tIns="91425">
+          <a:bodyPr spcFirstLastPara="1" wrap="square" lIns="91425" tIns="91425" rIns="91425" bIns="91425" anchor="ctr" anchorCtr="0">
             <a:normAutofit/>
           </a:bodyPr>
           <a:lstStyle>
@@ -2876,7 +2968,7 @@
             </a:lvl9pPr>
           </a:lstStyle>
           <a:p>
-            <a:pPr indent="0" lvl="0" marL="0" rtl="0" algn="r">
+            <a:pPr marL="0" lvl="0" indent="0" algn="r" rtl="0">
               <a:spcBef>
                 <a:spcPts val="0"/>
               </a:spcBef>
@@ -2902,11 +2994,11 @@
 </file>
 
 <file path=ppt/slideLayouts/slideLayout4.xml><?xml version="1.0" encoding="utf-8"?>
-<p:sldLayout xmlns:a="http://schemas.openxmlformats.org/drawingml/2006/main" xmlns:r="http://schemas.openxmlformats.org/officeDocument/2006/relationships" xmlns:mc="http://schemas.openxmlformats.org/markup-compatibility/2006" xmlns:mv="urn:schemas-microsoft-com:mac:vml" xmlns:p="http://schemas.openxmlformats.org/presentationml/2006/main" xmlns:c="http://schemas.openxmlformats.org/drawingml/2006/chart" xmlns:dgm="http://schemas.openxmlformats.org/drawingml/2006/diagram" xmlns:o="urn:schemas-microsoft-com:office:office" xmlns:v="urn:schemas-microsoft-com:vml" xmlns:pvml="urn:schemas-microsoft-com:office:powerpoint" xmlns:com="http://schemas.openxmlformats.org/drawingml/2006/compatibility" xmlns:p14="http://schemas.microsoft.com/office/powerpoint/2010/main" xmlns:p15="http://schemas.microsoft.com/office/powerpoint/2012/main" xmlns:ahyp="http://schemas.microsoft.com/office/drawing/2018/hyperlinkcolor" matchingName="Title and two columns" type="twoColTx">
+<p:sldLayout xmlns:a="http://schemas.openxmlformats.org/drawingml/2006/main" xmlns:r="http://schemas.openxmlformats.org/officeDocument/2006/relationships" xmlns:p="http://schemas.openxmlformats.org/presentationml/2006/main" matchingName="Title and two columns" type="twoColTx">
   <p:cSld name="TITLE_AND_TWO_COLUMNS">
     <p:spTree>
       <p:nvGrpSpPr>
-        <p:cNvPr id="20" name="Shape 20"/>
+        <p:cNvPr id="1" name="Shape 20"/>
         <p:cNvGrpSpPr/>
         <p:nvPr/>
       </p:nvGrpSpPr>
@@ -2921,7 +3013,9 @@
       <p:sp>
         <p:nvSpPr>
           <p:cNvPr id="21" name="Google Shape;21;p5"/>
-          <p:cNvSpPr txBox="1"/>
+          <p:cNvSpPr txBox="1">
+            <a:spLocks noGrp="1"/>
+          </p:cNvSpPr>
           <p:nvPr>
             <p:ph type="title"/>
           </p:nvPr>
@@ -2936,7 +3030,7 @@
           </a:prstGeom>
         </p:spPr>
         <p:txBody>
-          <a:bodyPr anchorCtr="0" anchor="t" bIns="91425" lIns="91425" spcFirstLastPara="1" rIns="91425" wrap="square" tIns="91425">
+          <a:bodyPr spcFirstLastPara="1" wrap="square" lIns="91425" tIns="91425" rIns="91425" bIns="91425" anchor="t" anchorCtr="0">
             <a:normAutofit/>
           </a:bodyPr>
           <a:lstStyle>
@@ -3040,15 +3134,19 @@
               <a:defRPr/>
             </a:lvl9pPr>
           </a:lstStyle>
-          <a:p/>
+          <a:p>
+            <a:endParaRPr/>
+          </a:p>
         </p:txBody>
       </p:sp>
       <p:sp>
         <p:nvSpPr>
           <p:cNvPr id="22" name="Google Shape;22;p5"/>
-          <p:cNvSpPr txBox="1"/>
+          <p:cNvSpPr txBox="1">
+            <a:spLocks noGrp="1"/>
+          </p:cNvSpPr>
           <p:nvPr>
-            <p:ph idx="1" type="body"/>
+            <p:ph type="body" idx="1"/>
           </p:nvPr>
         </p:nvSpPr>
         <p:spPr>
@@ -3061,11 +3159,11 @@
           </a:prstGeom>
         </p:spPr>
         <p:txBody>
-          <a:bodyPr anchorCtr="0" anchor="t" bIns="91425" lIns="91425" spcFirstLastPara="1" rIns="91425" wrap="square" tIns="91425">
+          <a:bodyPr spcFirstLastPara="1" wrap="square" lIns="91425" tIns="91425" rIns="91425" bIns="91425" anchor="t" anchorCtr="0">
             <a:normAutofit/>
           </a:bodyPr>
           <a:lstStyle>
-            <a:lvl1pPr indent="-317500" lvl="0" marL="457200">
+            <a:lvl1pPr marL="457200" lvl="0" indent="-317500">
               <a:spcBef>
                 <a:spcPts val="0"/>
               </a:spcBef>
@@ -3076,7 +3174,7 @@
               <a:buChar char="●"/>
               <a:defRPr sz="1400"/>
             </a:lvl1pPr>
-            <a:lvl2pPr indent="-304800" lvl="1" marL="914400">
+            <a:lvl2pPr marL="914400" lvl="1" indent="-304800">
               <a:spcBef>
                 <a:spcPts val="0"/>
               </a:spcBef>
@@ -3087,7 +3185,7 @@
               <a:buChar char="○"/>
               <a:defRPr sz="1200"/>
             </a:lvl2pPr>
-            <a:lvl3pPr indent="-304800" lvl="2" marL="1371600">
+            <a:lvl3pPr marL="1371600" lvl="2" indent="-304800">
               <a:spcBef>
                 <a:spcPts val="0"/>
               </a:spcBef>
@@ -3098,7 +3196,7 @@
               <a:buChar char="■"/>
               <a:defRPr sz="1200"/>
             </a:lvl3pPr>
-            <a:lvl4pPr indent="-304800" lvl="3" marL="1828800">
+            <a:lvl4pPr marL="1828800" lvl="3" indent="-304800">
               <a:spcBef>
                 <a:spcPts val="0"/>
               </a:spcBef>
@@ -3109,7 +3207,7 @@
               <a:buChar char="●"/>
               <a:defRPr sz="1200"/>
             </a:lvl4pPr>
-            <a:lvl5pPr indent="-304800" lvl="4" marL="2286000">
+            <a:lvl5pPr marL="2286000" lvl="4" indent="-304800">
               <a:spcBef>
                 <a:spcPts val="0"/>
               </a:spcBef>
@@ -3120,7 +3218,7 @@
               <a:buChar char="○"/>
               <a:defRPr sz="1200"/>
             </a:lvl5pPr>
-            <a:lvl6pPr indent="-304800" lvl="5" marL="2743200">
+            <a:lvl6pPr marL="2743200" lvl="5" indent="-304800">
               <a:spcBef>
                 <a:spcPts val="0"/>
               </a:spcBef>
@@ -3131,7 +3229,7 @@
               <a:buChar char="■"/>
               <a:defRPr sz="1200"/>
             </a:lvl6pPr>
-            <a:lvl7pPr indent="-304800" lvl="6" marL="3200400">
+            <a:lvl7pPr marL="3200400" lvl="6" indent="-304800">
               <a:spcBef>
                 <a:spcPts val="0"/>
               </a:spcBef>
@@ -3142,7 +3240,7 @@
               <a:buChar char="●"/>
               <a:defRPr sz="1200"/>
             </a:lvl7pPr>
-            <a:lvl8pPr indent="-304800" lvl="7" marL="3657600">
+            <a:lvl8pPr marL="3657600" lvl="7" indent="-304800">
               <a:spcBef>
                 <a:spcPts val="0"/>
               </a:spcBef>
@@ -3153,7 +3251,7 @@
               <a:buChar char="○"/>
               <a:defRPr sz="1200"/>
             </a:lvl8pPr>
-            <a:lvl9pPr indent="-304800" lvl="8" marL="4114800">
+            <a:lvl9pPr marL="4114800" lvl="8" indent="-304800">
               <a:spcBef>
                 <a:spcPts val="0"/>
               </a:spcBef>
@@ -3165,15 +3263,19 @@
               <a:defRPr sz="1200"/>
             </a:lvl9pPr>
           </a:lstStyle>
-          <a:p/>
+          <a:p>
+            <a:endParaRPr/>
+          </a:p>
         </p:txBody>
       </p:sp>
       <p:sp>
         <p:nvSpPr>
           <p:cNvPr id="23" name="Google Shape;23;p5"/>
-          <p:cNvSpPr txBox="1"/>
+          <p:cNvSpPr txBox="1">
+            <a:spLocks noGrp="1"/>
+          </p:cNvSpPr>
           <p:nvPr>
-            <p:ph idx="2" type="body"/>
+            <p:ph type="body" idx="2"/>
           </p:nvPr>
         </p:nvSpPr>
         <p:spPr>
@@ -3186,11 +3288,11 @@
           </a:prstGeom>
         </p:spPr>
         <p:txBody>
-          <a:bodyPr anchorCtr="0" anchor="t" bIns="91425" lIns="91425" spcFirstLastPara="1" rIns="91425" wrap="square" tIns="91425">
+          <a:bodyPr spcFirstLastPara="1" wrap="square" lIns="91425" tIns="91425" rIns="91425" bIns="91425" anchor="t" anchorCtr="0">
             <a:normAutofit/>
           </a:bodyPr>
           <a:lstStyle>
-            <a:lvl1pPr indent="-317500" lvl="0" marL="457200">
+            <a:lvl1pPr marL="457200" lvl="0" indent="-317500">
               <a:spcBef>
                 <a:spcPts val="0"/>
               </a:spcBef>
@@ -3201,7 +3303,7 @@
               <a:buChar char="●"/>
               <a:defRPr sz="1400"/>
             </a:lvl1pPr>
-            <a:lvl2pPr indent="-304800" lvl="1" marL="914400">
+            <a:lvl2pPr marL="914400" lvl="1" indent="-304800">
               <a:spcBef>
                 <a:spcPts val="0"/>
               </a:spcBef>
@@ -3212,7 +3314,7 @@
               <a:buChar char="○"/>
               <a:defRPr sz="1200"/>
             </a:lvl2pPr>
-            <a:lvl3pPr indent="-304800" lvl="2" marL="1371600">
+            <a:lvl3pPr marL="1371600" lvl="2" indent="-304800">
               <a:spcBef>
                 <a:spcPts val="0"/>
               </a:spcBef>
@@ -3223,7 +3325,7 @@
               <a:buChar char="■"/>
               <a:defRPr sz="1200"/>
             </a:lvl3pPr>
-            <a:lvl4pPr indent="-304800" lvl="3" marL="1828800">
+            <a:lvl4pPr marL="1828800" lvl="3" indent="-304800">
               <a:spcBef>
                 <a:spcPts val="0"/>
               </a:spcBef>
@@ -3234,7 +3336,7 @@
               <a:buChar char="●"/>
               <a:defRPr sz="1200"/>
             </a:lvl4pPr>
-            <a:lvl5pPr indent="-304800" lvl="4" marL="2286000">
+            <a:lvl5pPr marL="2286000" lvl="4" indent="-304800">
               <a:spcBef>
                 <a:spcPts val="0"/>
               </a:spcBef>
@@ -3245,7 +3347,7 @@
               <a:buChar char="○"/>
               <a:defRPr sz="1200"/>
             </a:lvl5pPr>
-            <a:lvl6pPr indent="-304800" lvl="5" marL="2743200">
+            <a:lvl6pPr marL="2743200" lvl="5" indent="-304800">
               <a:spcBef>
                 <a:spcPts val="0"/>
               </a:spcBef>
@@ -3256,7 +3358,7 @@
               <a:buChar char="■"/>
               <a:defRPr sz="1200"/>
             </a:lvl6pPr>
-            <a:lvl7pPr indent="-304800" lvl="6" marL="3200400">
+            <a:lvl7pPr marL="3200400" lvl="6" indent="-304800">
               <a:spcBef>
                 <a:spcPts val="0"/>
               </a:spcBef>
@@ -3267,7 +3369,7 @@
               <a:buChar char="●"/>
               <a:defRPr sz="1200"/>
             </a:lvl7pPr>
-            <a:lvl8pPr indent="-304800" lvl="7" marL="3657600">
+            <a:lvl8pPr marL="3657600" lvl="7" indent="-304800">
               <a:spcBef>
                 <a:spcPts val="0"/>
               </a:spcBef>
@@ -3278,7 +3380,7 @@
               <a:buChar char="○"/>
               <a:defRPr sz="1200"/>
             </a:lvl8pPr>
-            <a:lvl9pPr indent="-304800" lvl="8" marL="4114800">
+            <a:lvl9pPr marL="4114800" lvl="8" indent="-304800">
               <a:spcBef>
                 <a:spcPts val="0"/>
               </a:spcBef>
@@ -3290,15 +3392,19 @@
               <a:defRPr sz="1200"/>
             </a:lvl9pPr>
           </a:lstStyle>
-          <a:p/>
+          <a:p>
+            <a:endParaRPr/>
+          </a:p>
         </p:txBody>
       </p:sp>
       <p:sp>
         <p:nvSpPr>
           <p:cNvPr id="24" name="Google Shape;24;p5"/>
-          <p:cNvSpPr txBox="1"/>
+          <p:cNvSpPr txBox="1">
+            <a:spLocks noGrp="1"/>
+          </p:cNvSpPr>
           <p:nvPr>
-            <p:ph idx="12" type="sldNum"/>
+            <p:ph type="sldNum" idx="12"/>
           </p:nvPr>
         </p:nvSpPr>
         <p:spPr>
@@ -3311,7 +3417,7 @@
           </a:prstGeom>
         </p:spPr>
         <p:txBody>
-          <a:bodyPr anchorCtr="0" anchor="ctr" bIns="91425" lIns="91425" spcFirstLastPara="1" rIns="91425" wrap="square" tIns="91425">
+          <a:bodyPr spcFirstLastPara="1" wrap="square" lIns="91425" tIns="91425" rIns="91425" bIns="91425" anchor="ctr" anchorCtr="0">
             <a:normAutofit/>
           </a:bodyPr>
           <a:lstStyle>
@@ -3353,7 +3459,7 @@
             </a:lvl9pPr>
           </a:lstStyle>
           <a:p>
-            <a:pPr indent="0" lvl="0" marL="0" rtl="0" algn="r">
+            <a:pPr marL="0" lvl="0" indent="0" algn="r" rtl="0">
               <a:spcBef>
                 <a:spcPts val="0"/>
               </a:spcBef>
@@ -3379,11 +3485,11 @@
 </file>
 
 <file path=ppt/slideLayouts/slideLayout5.xml><?xml version="1.0" encoding="utf-8"?>
-<p:sldLayout xmlns:a="http://schemas.openxmlformats.org/drawingml/2006/main" xmlns:r="http://schemas.openxmlformats.org/officeDocument/2006/relationships" xmlns:mc="http://schemas.openxmlformats.org/markup-compatibility/2006" xmlns:mv="urn:schemas-microsoft-com:mac:vml" xmlns:p="http://schemas.openxmlformats.org/presentationml/2006/main" xmlns:c="http://schemas.openxmlformats.org/drawingml/2006/chart" xmlns:dgm="http://schemas.openxmlformats.org/drawingml/2006/diagram" xmlns:o="urn:schemas-microsoft-com:office:office" xmlns:v="urn:schemas-microsoft-com:vml" xmlns:pvml="urn:schemas-microsoft-com:office:powerpoint" xmlns:com="http://schemas.openxmlformats.org/drawingml/2006/compatibility" xmlns:p14="http://schemas.microsoft.com/office/powerpoint/2010/main" xmlns:p15="http://schemas.microsoft.com/office/powerpoint/2012/main" xmlns:ahyp="http://schemas.microsoft.com/office/drawing/2018/hyperlinkcolor" matchingName="Title only" type="titleOnly">
+<p:sldLayout xmlns:a="http://schemas.openxmlformats.org/drawingml/2006/main" xmlns:r="http://schemas.openxmlformats.org/officeDocument/2006/relationships" xmlns:p="http://schemas.openxmlformats.org/presentationml/2006/main" matchingName="Title only" type="titleOnly">
   <p:cSld name="TITLE_ONLY">
     <p:spTree>
       <p:nvGrpSpPr>
-        <p:cNvPr id="25" name="Shape 25"/>
+        <p:cNvPr id="1" name="Shape 25"/>
         <p:cNvGrpSpPr/>
         <p:nvPr/>
       </p:nvGrpSpPr>
@@ -3398,7 +3504,9 @@
       <p:sp>
         <p:nvSpPr>
           <p:cNvPr id="26" name="Google Shape;26;p6"/>
-          <p:cNvSpPr txBox="1"/>
+          <p:cNvSpPr txBox="1">
+            <a:spLocks noGrp="1"/>
+          </p:cNvSpPr>
           <p:nvPr>
             <p:ph type="title"/>
           </p:nvPr>
@@ -3413,7 +3521,7 @@
           </a:prstGeom>
         </p:spPr>
         <p:txBody>
-          <a:bodyPr anchorCtr="0" anchor="t" bIns="91425" lIns="91425" spcFirstLastPara="1" rIns="91425" wrap="square" tIns="91425">
+          <a:bodyPr spcFirstLastPara="1" wrap="square" lIns="91425" tIns="91425" rIns="91425" bIns="91425" anchor="t" anchorCtr="0">
             <a:normAutofit/>
           </a:bodyPr>
           <a:lstStyle>
@@ -3517,15 +3625,19 @@
               <a:defRPr/>
             </a:lvl9pPr>
           </a:lstStyle>
-          <a:p/>
+          <a:p>
+            <a:endParaRPr/>
+          </a:p>
         </p:txBody>
       </p:sp>
       <p:sp>
         <p:nvSpPr>
           <p:cNvPr id="27" name="Google Shape;27;p6"/>
-          <p:cNvSpPr txBox="1"/>
+          <p:cNvSpPr txBox="1">
+            <a:spLocks noGrp="1"/>
+          </p:cNvSpPr>
           <p:nvPr>
-            <p:ph idx="12" type="sldNum"/>
+            <p:ph type="sldNum" idx="12"/>
           </p:nvPr>
         </p:nvSpPr>
         <p:spPr>
@@ -3538,7 +3650,7 @@
           </a:prstGeom>
         </p:spPr>
         <p:txBody>
-          <a:bodyPr anchorCtr="0" anchor="ctr" bIns="91425" lIns="91425" spcFirstLastPara="1" rIns="91425" wrap="square" tIns="91425">
+          <a:bodyPr spcFirstLastPara="1" wrap="square" lIns="91425" tIns="91425" rIns="91425" bIns="91425" anchor="ctr" anchorCtr="0">
             <a:normAutofit/>
           </a:bodyPr>
           <a:lstStyle>
@@ -3580,7 +3692,7 @@
             </a:lvl9pPr>
           </a:lstStyle>
           <a:p>
-            <a:pPr indent="0" lvl="0" marL="0" rtl="0" algn="r">
+            <a:pPr marL="0" lvl="0" indent="0" algn="r" rtl="0">
               <a:spcBef>
                 <a:spcPts val="0"/>
               </a:spcBef>
@@ -3606,11 +3718,11 @@
 </file>
 
 <file path=ppt/slideLayouts/slideLayout6.xml><?xml version="1.0" encoding="utf-8"?>
-<p:sldLayout xmlns:a="http://schemas.openxmlformats.org/drawingml/2006/main" xmlns:r="http://schemas.openxmlformats.org/officeDocument/2006/relationships" xmlns:mc="http://schemas.openxmlformats.org/markup-compatibility/2006" xmlns:mv="urn:schemas-microsoft-com:mac:vml" xmlns:p="http://schemas.openxmlformats.org/presentationml/2006/main" xmlns:c="http://schemas.openxmlformats.org/drawingml/2006/chart" xmlns:dgm="http://schemas.openxmlformats.org/drawingml/2006/diagram" xmlns:o="urn:schemas-microsoft-com:office:office" xmlns:v="urn:schemas-microsoft-com:vml" xmlns:pvml="urn:schemas-microsoft-com:office:powerpoint" xmlns:com="http://schemas.openxmlformats.org/drawingml/2006/compatibility" xmlns:p14="http://schemas.microsoft.com/office/powerpoint/2010/main" xmlns:p15="http://schemas.microsoft.com/office/powerpoint/2012/main" xmlns:ahyp="http://schemas.microsoft.com/office/drawing/2018/hyperlinkcolor" matchingName="One column text">
+<p:sldLayout xmlns:a="http://schemas.openxmlformats.org/drawingml/2006/main" xmlns:r="http://schemas.openxmlformats.org/officeDocument/2006/relationships" xmlns:p="http://schemas.openxmlformats.org/presentationml/2006/main" matchingName="One column text">
   <p:cSld name="ONE_COLUMN_TEXT">
     <p:spTree>
       <p:nvGrpSpPr>
-        <p:cNvPr id="28" name="Shape 28"/>
+        <p:cNvPr id="1" name="Shape 28"/>
         <p:cNvGrpSpPr/>
         <p:nvPr/>
       </p:nvGrpSpPr>
@@ -3625,7 +3737,9 @@
       <p:sp>
         <p:nvSpPr>
           <p:cNvPr id="29" name="Google Shape;29;p7"/>
-          <p:cNvSpPr txBox="1"/>
+          <p:cNvSpPr txBox="1">
+            <a:spLocks noGrp="1"/>
+          </p:cNvSpPr>
           <p:nvPr>
             <p:ph type="title"/>
           </p:nvPr>
@@ -3640,7 +3754,7 @@
           </a:prstGeom>
         </p:spPr>
         <p:txBody>
-          <a:bodyPr anchorCtr="0" anchor="b" bIns="91425" lIns="91425" spcFirstLastPara="1" rIns="91425" wrap="square" tIns="91425">
+          <a:bodyPr spcFirstLastPara="1" wrap="square" lIns="91425" tIns="91425" rIns="91425" bIns="91425" anchor="b" anchorCtr="0">
             <a:normAutofit/>
           </a:bodyPr>
           <a:lstStyle>
@@ -3744,15 +3858,19 @@
               <a:defRPr sz="2400"/>
             </a:lvl9pPr>
           </a:lstStyle>
-          <a:p/>
+          <a:p>
+            <a:endParaRPr/>
+          </a:p>
         </p:txBody>
       </p:sp>
       <p:sp>
         <p:nvSpPr>
           <p:cNvPr id="30" name="Google Shape;30;p7"/>
-          <p:cNvSpPr txBox="1"/>
+          <p:cNvSpPr txBox="1">
+            <a:spLocks noGrp="1"/>
+          </p:cNvSpPr>
           <p:nvPr>
-            <p:ph idx="1" type="body"/>
+            <p:ph type="body" idx="1"/>
           </p:nvPr>
         </p:nvSpPr>
         <p:spPr>
@@ -3765,11 +3883,11 @@
           </a:prstGeom>
         </p:spPr>
         <p:txBody>
-          <a:bodyPr anchorCtr="0" anchor="t" bIns="91425" lIns="91425" spcFirstLastPara="1" rIns="91425" wrap="square" tIns="91425">
+          <a:bodyPr spcFirstLastPara="1" wrap="square" lIns="91425" tIns="91425" rIns="91425" bIns="91425" anchor="t" anchorCtr="0">
             <a:normAutofit/>
           </a:bodyPr>
           <a:lstStyle>
-            <a:lvl1pPr indent="-304800" lvl="0" marL="457200">
+            <a:lvl1pPr marL="457200" lvl="0" indent="-304800">
               <a:spcBef>
                 <a:spcPts val="0"/>
               </a:spcBef>
@@ -3780,7 +3898,7 @@
               <a:buChar char="●"/>
               <a:defRPr sz="1200"/>
             </a:lvl1pPr>
-            <a:lvl2pPr indent="-304800" lvl="1" marL="914400">
+            <a:lvl2pPr marL="914400" lvl="1" indent="-304800">
               <a:spcBef>
                 <a:spcPts val="0"/>
               </a:spcBef>
@@ -3791,7 +3909,7 @@
               <a:buChar char="○"/>
               <a:defRPr sz="1200"/>
             </a:lvl2pPr>
-            <a:lvl3pPr indent="-304800" lvl="2" marL="1371600">
+            <a:lvl3pPr marL="1371600" lvl="2" indent="-304800">
               <a:spcBef>
                 <a:spcPts val="0"/>
               </a:spcBef>
@@ -3802,7 +3920,7 @@
               <a:buChar char="■"/>
               <a:defRPr sz="1200"/>
             </a:lvl3pPr>
-            <a:lvl4pPr indent="-304800" lvl="3" marL="1828800">
+            <a:lvl4pPr marL="1828800" lvl="3" indent="-304800">
               <a:spcBef>
                 <a:spcPts val="0"/>
               </a:spcBef>
@@ -3813,7 +3931,7 @@
               <a:buChar char="●"/>
               <a:defRPr sz="1200"/>
             </a:lvl4pPr>
-            <a:lvl5pPr indent="-304800" lvl="4" marL="2286000">
+            <a:lvl5pPr marL="2286000" lvl="4" indent="-304800">
               <a:spcBef>
                 <a:spcPts val="0"/>
               </a:spcBef>
@@ -3824,7 +3942,7 @@
               <a:buChar char="○"/>
               <a:defRPr sz="1200"/>
             </a:lvl5pPr>
-            <a:lvl6pPr indent="-304800" lvl="5" marL="2743200">
+            <a:lvl6pPr marL="2743200" lvl="5" indent="-304800">
               <a:spcBef>
                 <a:spcPts val="0"/>
               </a:spcBef>
@@ -3835,7 +3953,7 @@
               <a:buChar char="■"/>
               <a:defRPr sz="1200"/>
             </a:lvl6pPr>
-            <a:lvl7pPr indent="-304800" lvl="6" marL="3200400">
+            <a:lvl7pPr marL="3200400" lvl="6" indent="-304800">
               <a:spcBef>
                 <a:spcPts val="0"/>
               </a:spcBef>
@@ -3846,7 +3964,7 @@
               <a:buChar char="●"/>
               <a:defRPr sz="1200"/>
             </a:lvl7pPr>
-            <a:lvl8pPr indent="-304800" lvl="7" marL="3657600">
+            <a:lvl8pPr marL="3657600" lvl="7" indent="-304800">
               <a:spcBef>
                 <a:spcPts val="0"/>
               </a:spcBef>
@@ -3857,7 +3975,7 @@
               <a:buChar char="○"/>
               <a:defRPr sz="1200"/>
             </a:lvl8pPr>
-            <a:lvl9pPr indent="-304800" lvl="8" marL="4114800">
+            <a:lvl9pPr marL="4114800" lvl="8" indent="-304800">
               <a:spcBef>
                 <a:spcPts val="0"/>
               </a:spcBef>
@@ -3869,15 +3987,19 @@
               <a:defRPr sz="1200"/>
             </a:lvl9pPr>
           </a:lstStyle>
-          <a:p/>
+          <a:p>
+            <a:endParaRPr/>
+          </a:p>
         </p:txBody>
       </p:sp>
       <p:sp>
         <p:nvSpPr>
           <p:cNvPr id="31" name="Google Shape;31;p7"/>
-          <p:cNvSpPr txBox="1"/>
+          <p:cNvSpPr txBox="1">
+            <a:spLocks noGrp="1"/>
+          </p:cNvSpPr>
           <p:nvPr>
-            <p:ph idx="12" type="sldNum"/>
+            <p:ph type="sldNum" idx="12"/>
           </p:nvPr>
         </p:nvSpPr>
         <p:spPr>
@@ -3890,7 +4012,7 @@
           </a:prstGeom>
         </p:spPr>
         <p:txBody>
-          <a:bodyPr anchorCtr="0" anchor="ctr" bIns="91425" lIns="91425" spcFirstLastPara="1" rIns="91425" wrap="square" tIns="91425">
+          <a:bodyPr spcFirstLastPara="1" wrap="square" lIns="91425" tIns="91425" rIns="91425" bIns="91425" anchor="ctr" anchorCtr="0">
             <a:normAutofit/>
           </a:bodyPr>
           <a:lstStyle>
@@ -3932,7 +4054,7 @@
             </a:lvl9pPr>
           </a:lstStyle>
           <a:p>
-            <a:pPr indent="0" lvl="0" marL="0" rtl="0" algn="r">
+            <a:pPr marL="0" lvl="0" indent="0" algn="r" rtl="0">
               <a:spcBef>
                 <a:spcPts val="0"/>
               </a:spcBef>
@@ -3958,11 +4080,11 @@
 </file>
 
 <file path=ppt/slideLayouts/slideLayout7.xml><?xml version="1.0" encoding="utf-8"?>
-<p:sldLayout xmlns:a="http://schemas.openxmlformats.org/drawingml/2006/main" xmlns:r="http://schemas.openxmlformats.org/officeDocument/2006/relationships" xmlns:mc="http://schemas.openxmlformats.org/markup-compatibility/2006" xmlns:mv="urn:schemas-microsoft-com:mac:vml" xmlns:p="http://schemas.openxmlformats.org/presentationml/2006/main" xmlns:c="http://schemas.openxmlformats.org/drawingml/2006/chart" xmlns:dgm="http://schemas.openxmlformats.org/drawingml/2006/diagram" xmlns:o="urn:schemas-microsoft-com:office:office" xmlns:v="urn:schemas-microsoft-com:vml" xmlns:pvml="urn:schemas-microsoft-com:office:powerpoint" xmlns:com="http://schemas.openxmlformats.org/drawingml/2006/compatibility" xmlns:p14="http://schemas.microsoft.com/office/powerpoint/2010/main" xmlns:p15="http://schemas.microsoft.com/office/powerpoint/2012/main" xmlns:ahyp="http://schemas.microsoft.com/office/drawing/2018/hyperlinkcolor" matchingName="Main point">
+<p:sldLayout xmlns:a="http://schemas.openxmlformats.org/drawingml/2006/main" xmlns:r="http://schemas.openxmlformats.org/officeDocument/2006/relationships" xmlns:p="http://schemas.openxmlformats.org/presentationml/2006/main" matchingName="Main point">
   <p:cSld name="MAIN_POINT">
     <p:spTree>
       <p:nvGrpSpPr>
-        <p:cNvPr id="32" name="Shape 32"/>
+        <p:cNvPr id="1" name="Shape 32"/>
         <p:cNvGrpSpPr/>
         <p:nvPr/>
       </p:nvGrpSpPr>
@@ -3977,7 +4099,9 @@
       <p:sp>
         <p:nvSpPr>
           <p:cNvPr id="33" name="Google Shape;33;p8"/>
-          <p:cNvSpPr txBox="1"/>
+          <p:cNvSpPr txBox="1">
+            <a:spLocks noGrp="1"/>
+          </p:cNvSpPr>
           <p:nvPr>
             <p:ph type="title"/>
           </p:nvPr>
@@ -3992,7 +4116,7 @@
           </a:prstGeom>
         </p:spPr>
         <p:txBody>
-          <a:bodyPr anchorCtr="0" anchor="ctr" bIns="91425" lIns="91425" spcFirstLastPara="1" rIns="91425" wrap="square" tIns="91425">
+          <a:bodyPr spcFirstLastPara="1" wrap="square" lIns="91425" tIns="91425" rIns="91425" bIns="91425" anchor="ctr" anchorCtr="0">
             <a:normAutofit/>
           </a:bodyPr>
           <a:lstStyle>
@@ -4096,15 +4220,19 @@
               <a:defRPr sz="4800"/>
             </a:lvl9pPr>
           </a:lstStyle>
-          <a:p/>
+          <a:p>
+            <a:endParaRPr/>
+          </a:p>
         </p:txBody>
       </p:sp>
       <p:sp>
         <p:nvSpPr>
           <p:cNvPr id="34" name="Google Shape;34;p8"/>
-          <p:cNvSpPr txBox="1"/>
+          <p:cNvSpPr txBox="1">
+            <a:spLocks noGrp="1"/>
+          </p:cNvSpPr>
           <p:nvPr>
-            <p:ph idx="12" type="sldNum"/>
+            <p:ph type="sldNum" idx="12"/>
           </p:nvPr>
         </p:nvSpPr>
         <p:spPr>
@@ -4117,7 +4245,7 @@
           </a:prstGeom>
         </p:spPr>
         <p:txBody>
-          <a:bodyPr anchorCtr="0" anchor="ctr" bIns="91425" lIns="91425" spcFirstLastPara="1" rIns="91425" wrap="square" tIns="91425">
+          <a:bodyPr spcFirstLastPara="1" wrap="square" lIns="91425" tIns="91425" rIns="91425" bIns="91425" anchor="ctr" anchorCtr="0">
             <a:normAutofit/>
           </a:bodyPr>
           <a:lstStyle>
@@ -4159,7 +4287,7 @@
             </a:lvl9pPr>
           </a:lstStyle>
           <a:p>
-            <a:pPr indent="0" lvl="0" marL="0" rtl="0" algn="r">
+            <a:pPr marL="0" lvl="0" indent="0" algn="r" rtl="0">
               <a:spcBef>
                 <a:spcPts val="0"/>
               </a:spcBef>
@@ -4185,11 +4313,11 @@
 </file>
 
 <file path=ppt/slideLayouts/slideLayout8.xml><?xml version="1.0" encoding="utf-8"?>
-<p:sldLayout xmlns:a="http://schemas.openxmlformats.org/drawingml/2006/main" xmlns:r="http://schemas.openxmlformats.org/officeDocument/2006/relationships" xmlns:mc="http://schemas.openxmlformats.org/markup-compatibility/2006" xmlns:mv="urn:schemas-microsoft-com:mac:vml" xmlns:p="http://schemas.openxmlformats.org/presentationml/2006/main" xmlns:c="http://schemas.openxmlformats.org/drawingml/2006/chart" xmlns:dgm="http://schemas.openxmlformats.org/drawingml/2006/diagram" xmlns:o="urn:schemas-microsoft-com:office:office" xmlns:v="urn:schemas-microsoft-com:vml" xmlns:pvml="urn:schemas-microsoft-com:office:powerpoint" xmlns:com="http://schemas.openxmlformats.org/drawingml/2006/compatibility" xmlns:p14="http://schemas.microsoft.com/office/powerpoint/2010/main" xmlns:p15="http://schemas.microsoft.com/office/powerpoint/2012/main" xmlns:ahyp="http://schemas.microsoft.com/office/drawing/2018/hyperlinkcolor" matchingName="Section title and description">
+<p:sldLayout xmlns:a="http://schemas.openxmlformats.org/drawingml/2006/main" xmlns:r="http://schemas.openxmlformats.org/officeDocument/2006/relationships" xmlns:p="http://schemas.openxmlformats.org/presentationml/2006/main" matchingName="Section title and description">
   <p:cSld name="SECTION_TITLE_AND_DESCRIPTION">
     <p:spTree>
       <p:nvGrpSpPr>
-        <p:cNvPr id="35" name="Shape 35"/>
+        <p:cNvPr id="1" name="Shape 35"/>
         <p:cNvGrpSpPr/>
         <p:nvPr/>
       </p:nvGrpSpPr>
@@ -4223,12 +4351,12 @@
           </a:ln>
         </p:spPr>
         <p:txBody>
-          <a:bodyPr anchorCtr="0" anchor="ctr" bIns="91425" lIns="91425" spcFirstLastPara="1" rIns="91425" wrap="square" tIns="91425">
+          <a:bodyPr spcFirstLastPara="1" wrap="square" lIns="91425" tIns="91425" rIns="91425" bIns="91425" anchor="ctr" anchorCtr="0">
             <a:noAutofit/>
           </a:bodyPr>
           <a:lstStyle/>
           <a:p>
-            <a:pPr indent="0" lvl="0" marL="0" rtl="0" algn="l">
+            <a:pPr marL="0" lvl="0" indent="0" algn="l" rtl="0">
               <a:spcBef>
                 <a:spcPts val="0"/>
               </a:spcBef>
@@ -4237,9 +4365,6 @@
               </a:spcAft>
               <a:buNone/>
             </a:pPr>
-            <a:r>
-              <a:t/>
-            </a:r>
             <a:endParaRPr/>
           </a:p>
         </p:txBody>
@@ -4247,7 +4372,9 @@
       <p:sp>
         <p:nvSpPr>
           <p:cNvPr id="37" name="Google Shape;37;p9"/>
-          <p:cNvSpPr txBox="1"/>
+          <p:cNvSpPr txBox="1">
+            <a:spLocks noGrp="1"/>
+          </p:cNvSpPr>
           <p:nvPr>
             <p:ph type="title"/>
           </p:nvPr>
@@ -4262,7 +4389,7 @@
           </a:prstGeom>
         </p:spPr>
         <p:txBody>
-          <a:bodyPr anchorCtr="0" anchor="b" bIns="91425" lIns="91425" spcFirstLastPara="1" rIns="91425" wrap="square" tIns="91425">
+          <a:bodyPr spcFirstLastPara="1" wrap="square" lIns="91425" tIns="91425" rIns="91425" bIns="91425" anchor="b" anchorCtr="0">
             <a:normAutofit/>
           </a:bodyPr>
           <a:lstStyle>
@@ -4366,15 +4493,19 @@
               <a:defRPr sz="4200"/>
             </a:lvl9pPr>
           </a:lstStyle>
-          <a:p/>
+          <a:p>
+            <a:endParaRPr/>
+          </a:p>
         </p:txBody>
       </p:sp>
       <p:sp>
         <p:nvSpPr>
           <p:cNvPr id="38" name="Google Shape;38;p9"/>
-          <p:cNvSpPr txBox="1"/>
+          <p:cNvSpPr txBox="1">
+            <a:spLocks noGrp="1"/>
+          </p:cNvSpPr>
           <p:nvPr>
-            <p:ph idx="1" type="subTitle"/>
+            <p:ph type="subTitle" idx="1"/>
           </p:nvPr>
         </p:nvSpPr>
         <p:spPr>
@@ -4387,7 +4518,7 @@
           </a:prstGeom>
         </p:spPr>
         <p:txBody>
-          <a:bodyPr anchorCtr="0" anchor="t" bIns="91425" lIns="91425" spcFirstLastPara="1" rIns="91425" wrap="square" tIns="91425">
+          <a:bodyPr spcFirstLastPara="1" wrap="square" lIns="91425" tIns="91425" rIns="91425" bIns="91425" anchor="t" anchorCtr="0">
             <a:normAutofit/>
           </a:bodyPr>
           <a:lstStyle>
@@ -4518,15 +4649,19 @@
               <a:defRPr sz="2100"/>
             </a:lvl9pPr>
           </a:lstStyle>
-          <a:p/>
+          <a:p>
+            <a:endParaRPr/>
+          </a:p>
         </p:txBody>
       </p:sp>
       <p:sp>
         <p:nvSpPr>
           <p:cNvPr id="39" name="Google Shape;39;p9"/>
-          <p:cNvSpPr txBox="1"/>
+          <p:cNvSpPr txBox="1">
+            <a:spLocks noGrp="1"/>
+          </p:cNvSpPr>
           <p:nvPr>
-            <p:ph idx="2" type="body"/>
+            <p:ph type="body" idx="2"/>
           </p:nvPr>
         </p:nvSpPr>
         <p:spPr>
@@ -4539,11 +4674,11 @@
           </a:prstGeom>
         </p:spPr>
         <p:txBody>
-          <a:bodyPr anchorCtr="0" anchor="ctr" bIns="91425" lIns="91425" spcFirstLastPara="1" rIns="91425" wrap="square" tIns="91425">
+          <a:bodyPr spcFirstLastPara="1" wrap="square" lIns="91425" tIns="91425" rIns="91425" bIns="91425" anchor="ctr" anchorCtr="0">
             <a:normAutofit/>
           </a:bodyPr>
           <a:lstStyle>
-            <a:lvl1pPr indent="-342900" lvl="0" marL="457200">
+            <a:lvl1pPr marL="457200" lvl="0" indent="-342900">
               <a:spcBef>
                 <a:spcPts val="0"/>
               </a:spcBef>
@@ -4554,7 +4689,7 @@
               <a:buChar char="●"/>
               <a:defRPr/>
             </a:lvl1pPr>
-            <a:lvl2pPr indent="-317500" lvl="1" marL="914400">
+            <a:lvl2pPr marL="914400" lvl="1" indent="-317500">
               <a:spcBef>
                 <a:spcPts val="0"/>
               </a:spcBef>
@@ -4565,7 +4700,7 @@
               <a:buChar char="○"/>
               <a:defRPr/>
             </a:lvl2pPr>
-            <a:lvl3pPr indent="-317500" lvl="2" marL="1371600">
+            <a:lvl3pPr marL="1371600" lvl="2" indent="-317500">
               <a:spcBef>
                 <a:spcPts val="0"/>
               </a:spcBef>
@@ -4576,7 +4711,7 @@
               <a:buChar char="■"/>
               <a:defRPr/>
             </a:lvl3pPr>
-            <a:lvl4pPr indent="-317500" lvl="3" marL="1828800">
+            <a:lvl4pPr marL="1828800" lvl="3" indent="-317500">
               <a:spcBef>
                 <a:spcPts val="0"/>
               </a:spcBef>
@@ -4587,7 +4722,7 @@
               <a:buChar char="●"/>
               <a:defRPr/>
             </a:lvl4pPr>
-            <a:lvl5pPr indent="-317500" lvl="4" marL="2286000">
+            <a:lvl5pPr marL="2286000" lvl="4" indent="-317500">
               <a:spcBef>
                 <a:spcPts val="0"/>
               </a:spcBef>
@@ -4598,7 +4733,7 @@
               <a:buChar char="○"/>
               <a:defRPr/>
             </a:lvl5pPr>
-            <a:lvl6pPr indent="-317500" lvl="5" marL="2743200">
+            <a:lvl6pPr marL="2743200" lvl="5" indent="-317500">
               <a:spcBef>
                 <a:spcPts val="0"/>
               </a:spcBef>
@@ -4609,7 +4744,7 @@
               <a:buChar char="■"/>
               <a:defRPr/>
             </a:lvl6pPr>
-            <a:lvl7pPr indent="-317500" lvl="6" marL="3200400">
+            <a:lvl7pPr marL="3200400" lvl="6" indent="-317500">
               <a:spcBef>
                 <a:spcPts val="0"/>
               </a:spcBef>
@@ -4620,7 +4755,7 @@
               <a:buChar char="●"/>
               <a:defRPr/>
             </a:lvl7pPr>
-            <a:lvl8pPr indent="-317500" lvl="7" marL="3657600">
+            <a:lvl8pPr marL="3657600" lvl="7" indent="-317500">
               <a:spcBef>
                 <a:spcPts val="0"/>
               </a:spcBef>
@@ -4631,7 +4766,7 @@
               <a:buChar char="○"/>
               <a:defRPr/>
             </a:lvl8pPr>
-            <a:lvl9pPr indent="-317500" lvl="8" marL="4114800">
+            <a:lvl9pPr marL="4114800" lvl="8" indent="-317500">
               <a:spcBef>
                 <a:spcPts val="0"/>
               </a:spcBef>
@@ -4643,15 +4778,19 @@
               <a:defRPr/>
             </a:lvl9pPr>
           </a:lstStyle>
-          <a:p/>
+          <a:p>
+            <a:endParaRPr/>
+          </a:p>
         </p:txBody>
       </p:sp>
       <p:sp>
         <p:nvSpPr>
           <p:cNvPr id="40" name="Google Shape;40;p9"/>
-          <p:cNvSpPr txBox="1"/>
+          <p:cNvSpPr txBox="1">
+            <a:spLocks noGrp="1"/>
+          </p:cNvSpPr>
           <p:nvPr>
-            <p:ph idx="12" type="sldNum"/>
+            <p:ph type="sldNum" idx="12"/>
           </p:nvPr>
         </p:nvSpPr>
         <p:spPr>
@@ -4664,7 +4803,7 @@
           </a:prstGeom>
         </p:spPr>
         <p:txBody>
-          <a:bodyPr anchorCtr="0" anchor="ctr" bIns="91425" lIns="91425" spcFirstLastPara="1" rIns="91425" wrap="square" tIns="91425">
+          <a:bodyPr spcFirstLastPara="1" wrap="square" lIns="91425" tIns="91425" rIns="91425" bIns="91425" anchor="ctr" anchorCtr="0">
             <a:normAutofit/>
           </a:bodyPr>
           <a:lstStyle>
@@ -4706,7 +4845,7 @@
             </a:lvl9pPr>
           </a:lstStyle>
           <a:p>
-            <a:pPr indent="0" lvl="0" marL="0" rtl="0" algn="r">
+            <a:pPr marL="0" lvl="0" indent="0" algn="r" rtl="0">
               <a:spcBef>
                 <a:spcPts val="0"/>
               </a:spcBef>
@@ -4732,11 +4871,11 @@
 </file>
 
 <file path=ppt/slideLayouts/slideLayout9.xml><?xml version="1.0" encoding="utf-8"?>
-<p:sldLayout xmlns:a="http://schemas.openxmlformats.org/drawingml/2006/main" xmlns:r="http://schemas.openxmlformats.org/officeDocument/2006/relationships" xmlns:mc="http://schemas.openxmlformats.org/markup-compatibility/2006" xmlns:mv="urn:schemas-microsoft-com:mac:vml" xmlns:p="http://schemas.openxmlformats.org/presentationml/2006/main" xmlns:c="http://schemas.openxmlformats.org/drawingml/2006/chart" xmlns:dgm="http://schemas.openxmlformats.org/drawingml/2006/diagram" xmlns:o="urn:schemas-microsoft-com:office:office" xmlns:v="urn:schemas-microsoft-com:vml" xmlns:pvml="urn:schemas-microsoft-com:office:powerpoint" xmlns:com="http://schemas.openxmlformats.org/drawingml/2006/compatibility" xmlns:p14="http://schemas.microsoft.com/office/powerpoint/2010/main" xmlns:p15="http://schemas.microsoft.com/office/powerpoint/2012/main" xmlns:ahyp="http://schemas.microsoft.com/office/drawing/2018/hyperlinkcolor" matchingName="Caption">
+<p:sldLayout xmlns:a="http://schemas.openxmlformats.org/drawingml/2006/main" xmlns:r="http://schemas.openxmlformats.org/officeDocument/2006/relationships" xmlns:p="http://schemas.openxmlformats.org/presentationml/2006/main" matchingName="Caption">
   <p:cSld name="CAPTION_ONLY">
     <p:spTree>
       <p:nvGrpSpPr>
-        <p:cNvPr id="41" name="Shape 41"/>
+        <p:cNvPr id="1" name="Shape 41"/>
         <p:cNvGrpSpPr/>
         <p:nvPr/>
       </p:nvGrpSpPr>
@@ -4751,9 +4890,11 @@
       <p:sp>
         <p:nvSpPr>
           <p:cNvPr id="42" name="Google Shape;42;p10"/>
-          <p:cNvSpPr txBox="1"/>
+          <p:cNvSpPr txBox="1">
+            <a:spLocks noGrp="1"/>
+          </p:cNvSpPr>
           <p:nvPr>
-            <p:ph idx="1" type="body"/>
+            <p:ph type="body" idx="1"/>
           </p:nvPr>
         </p:nvSpPr>
         <p:spPr>
@@ -4766,11 +4907,11 @@
           </a:prstGeom>
         </p:spPr>
         <p:txBody>
-          <a:bodyPr anchorCtr="0" anchor="ctr" bIns="91425" lIns="91425" spcFirstLastPara="1" rIns="91425" wrap="square" tIns="91425">
+          <a:bodyPr spcFirstLastPara="1" wrap="square" lIns="91425" tIns="91425" rIns="91425" bIns="91425" anchor="ctr" anchorCtr="0">
             <a:normAutofit/>
           </a:bodyPr>
           <a:lstStyle>
-            <a:lvl1pPr indent="-228600" lvl="0" marL="457200">
+            <a:lvl1pPr marL="457200" lvl="0" indent="-228600">
               <a:lnSpc>
                 <a:spcPct val="100000"/>
               </a:lnSpc>
@@ -4785,15 +4926,19 @@
               <a:defRPr/>
             </a:lvl1pPr>
           </a:lstStyle>
-          <a:p/>
+          <a:p>
+            <a:endParaRPr/>
+          </a:p>
         </p:txBody>
       </p:sp>
       <p:sp>
         <p:nvSpPr>
           <p:cNvPr id="43" name="Google Shape;43;p10"/>
-          <p:cNvSpPr txBox="1"/>
+          <p:cNvSpPr txBox="1">
+            <a:spLocks noGrp="1"/>
+          </p:cNvSpPr>
           <p:nvPr>
-            <p:ph idx="12" type="sldNum"/>
+            <p:ph type="sldNum" idx="12"/>
           </p:nvPr>
         </p:nvSpPr>
         <p:spPr>
@@ -4806,7 +4951,7 @@
           </a:prstGeom>
         </p:spPr>
         <p:txBody>
-          <a:bodyPr anchorCtr="0" anchor="ctr" bIns="91425" lIns="91425" spcFirstLastPara="1" rIns="91425" wrap="square" tIns="91425">
+          <a:bodyPr spcFirstLastPara="1" wrap="square" lIns="91425" tIns="91425" rIns="91425" bIns="91425" anchor="ctr" anchorCtr="0">
             <a:normAutofit/>
           </a:bodyPr>
           <a:lstStyle>
@@ -4848,7 +4993,7 @@
             </a:lvl9pPr>
           </a:lstStyle>
           <a:p>
-            <a:pPr indent="0" lvl="0" marL="0" rtl="0" algn="r">
+            <a:pPr marL="0" lvl="0" indent="0" algn="r" rtl="0">
               <a:spcBef>
                 <a:spcPts val="0"/>
               </a:spcBef>
@@ -4874,18 +5019,19 @@
 </file>
 
 <file path=ppt/slideMasters/slideMaster1.xml><?xml version="1.0" encoding="utf-8"?>
-<p:sldMaster xmlns:a="http://schemas.openxmlformats.org/drawingml/2006/main" xmlns:r="http://schemas.openxmlformats.org/officeDocument/2006/relationships" xmlns:mc="http://schemas.openxmlformats.org/markup-compatibility/2006" xmlns:mv="urn:schemas-microsoft-com:mac:vml" xmlns:p="http://schemas.openxmlformats.org/presentationml/2006/main" xmlns:c="http://schemas.openxmlformats.org/drawingml/2006/chart" xmlns:dgm="http://schemas.openxmlformats.org/drawingml/2006/diagram" xmlns:o="urn:schemas-microsoft-com:office:office" xmlns:v="urn:schemas-microsoft-com:vml" xmlns:pvml="urn:schemas-microsoft-com:office:powerpoint" xmlns:com="http://schemas.openxmlformats.org/drawingml/2006/compatibility" xmlns:p14="http://schemas.microsoft.com/office/powerpoint/2010/main" xmlns:p15="http://schemas.microsoft.com/office/powerpoint/2012/main" xmlns:ahyp="http://schemas.microsoft.com/office/drawing/2018/hyperlinkcolor">
+<p:sldMaster xmlns:a="http://schemas.openxmlformats.org/drawingml/2006/main" xmlns:r="http://schemas.openxmlformats.org/officeDocument/2006/relationships" xmlns:p="http://schemas.openxmlformats.org/presentationml/2006/main">
   <p:cSld name="simple-light-2">
     <p:bg>
       <p:bgPr>
         <a:solidFill>
           <a:schemeClr val="lt1"/>
         </a:solidFill>
+        <a:effectLst/>
       </p:bgPr>
     </p:bg>
     <p:spTree>
       <p:nvGrpSpPr>
-        <p:cNvPr id="5" name="Shape 5"/>
+        <p:cNvPr id="1" name="Shape 5"/>
         <p:cNvGrpSpPr/>
         <p:nvPr/>
       </p:nvGrpSpPr>
@@ -4900,7 +5046,9 @@
       <p:sp>
         <p:nvSpPr>
           <p:cNvPr id="6" name="Google Shape;6;p1"/>
-          <p:cNvSpPr txBox="1"/>
+          <p:cNvSpPr txBox="1">
+            <a:spLocks noGrp="1"/>
+          </p:cNvSpPr>
           <p:nvPr>
             <p:ph type="title"/>
           </p:nvPr>
@@ -4919,7 +5067,7 @@
           </a:ln>
         </p:spPr>
         <p:txBody>
-          <a:bodyPr anchorCtr="0" anchor="t" bIns="91425" lIns="91425" spcFirstLastPara="1" rIns="91425" wrap="square" tIns="91425">
+          <a:bodyPr spcFirstLastPara="1" wrap="square" lIns="91425" tIns="91425" rIns="91425" bIns="91425" anchor="t" anchorCtr="0">
             <a:normAutofit/>
           </a:bodyPr>
           <a:lstStyle>
@@ -5086,15 +5234,19 @@
               </a:defRPr>
             </a:lvl9pPr>
           </a:lstStyle>
-          <a:p/>
+          <a:p>
+            <a:endParaRPr/>
+          </a:p>
         </p:txBody>
       </p:sp>
       <p:sp>
         <p:nvSpPr>
           <p:cNvPr id="7" name="Google Shape;7;p1"/>
-          <p:cNvSpPr txBox="1"/>
+          <p:cNvSpPr txBox="1">
+            <a:spLocks noGrp="1"/>
+          </p:cNvSpPr>
           <p:nvPr>
-            <p:ph idx="1" type="body"/>
+            <p:ph type="body" idx="1"/>
           </p:nvPr>
         </p:nvSpPr>
         <p:spPr>
@@ -5111,11 +5263,11 @@
           </a:ln>
         </p:spPr>
         <p:txBody>
-          <a:bodyPr anchorCtr="0" anchor="t" bIns="91425" lIns="91425" spcFirstLastPara="1" rIns="91425" wrap="square" tIns="91425">
+          <a:bodyPr spcFirstLastPara="1" wrap="square" lIns="91425" tIns="91425" rIns="91425" bIns="91425" anchor="t" anchorCtr="0">
             <a:normAutofit/>
           </a:bodyPr>
           <a:lstStyle>
-            <a:lvl1pPr indent="-342900" lvl="0" marL="457200">
+            <a:lvl1pPr marL="457200" lvl="0" indent="-342900">
               <a:lnSpc>
                 <a:spcPct val="115000"/>
               </a:lnSpc>
@@ -5136,7 +5288,7 @@
                 </a:solidFill>
               </a:defRPr>
             </a:lvl1pPr>
-            <a:lvl2pPr indent="-317500" lvl="1" marL="914400">
+            <a:lvl2pPr marL="914400" lvl="1" indent="-317500">
               <a:lnSpc>
                 <a:spcPct val="115000"/>
               </a:lnSpc>
@@ -5157,7 +5309,7 @@
                 </a:solidFill>
               </a:defRPr>
             </a:lvl2pPr>
-            <a:lvl3pPr indent="-317500" lvl="2" marL="1371600">
+            <a:lvl3pPr marL="1371600" lvl="2" indent="-317500">
               <a:lnSpc>
                 <a:spcPct val="115000"/>
               </a:lnSpc>
@@ -5178,7 +5330,7 @@
                 </a:solidFill>
               </a:defRPr>
             </a:lvl3pPr>
-            <a:lvl4pPr indent="-317500" lvl="3" marL="1828800">
+            <a:lvl4pPr marL="1828800" lvl="3" indent="-317500">
               <a:lnSpc>
                 <a:spcPct val="115000"/>
               </a:lnSpc>
@@ -5199,7 +5351,7 @@
                 </a:solidFill>
               </a:defRPr>
             </a:lvl4pPr>
-            <a:lvl5pPr indent="-317500" lvl="4" marL="2286000">
+            <a:lvl5pPr marL="2286000" lvl="4" indent="-317500">
               <a:lnSpc>
                 <a:spcPct val="115000"/>
               </a:lnSpc>
@@ -5220,7 +5372,7 @@
                 </a:solidFill>
               </a:defRPr>
             </a:lvl5pPr>
-            <a:lvl6pPr indent="-317500" lvl="5" marL="2743200">
+            <a:lvl6pPr marL="2743200" lvl="5" indent="-317500">
               <a:lnSpc>
                 <a:spcPct val="115000"/>
               </a:lnSpc>
@@ -5241,7 +5393,7 @@
                 </a:solidFill>
               </a:defRPr>
             </a:lvl6pPr>
-            <a:lvl7pPr indent="-317500" lvl="6" marL="3200400">
+            <a:lvl7pPr marL="3200400" lvl="6" indent="-317500">
               <a:lnSpc>
                 <a:spcPct val="115000"/>
               </a:lnSpc>
@@ -5262,7 +5414,7 @@
                 </a:solidFill>
               </a:defRPr>
             </a:lvl7pPr>
-            <a:lvl8pPr indent="-317500" lvl="7" marL="3657600">
+            <a:lvl8pPr marL="3657600" lvl="7" indent="-317500">
               <a:lnSpc>
                 <a:spcPct val="115000"/>
               </a:lnSpc>
@@ -5283,7 +5435,7 @@
                 </a:solidFill>
               </a:defRPr>
             </a:lvl8pPr>
-            <a:lvl9pPr indent="-317500" lvl="8" marL="4114800">
+            <a:lvl9pPr marL="4114800" lvl="8" indent="-317500">
               <a:lnSpc>
                 <a:spcPct val="115000"/>
               </a:lnSpc>
@@ -5305,15 +5457,19 @@
               </a:defRPr>
             </a:lvl9pPr>
           </a:lstStyle>
-          <a:p/>
+          <a:p>
+            <a:endParaRPr/>
+          </a:p>
         </p:txBody>
       </p:sp>
       <p:sp>
         <p:nvSpPr>
           <p:cNvPr id="8" name="Google Shape;8;p1"/>
-          <p:cNvSpPr txBox="1"/>
+          <p:cNvSpPr txBox="1">
+            <a:spLocks noGrp="1"/>
+          </p:cNvSpPr>
           <p:nvPr>
-            <p:ph idx="12" type="sldNum"/>
+            <p:ph type="sldNum" idx="12"/>
           </p:nvPr>
         </p:nvSpPr>
         <p:spPr>
@@ -5330,7 +5486,7 @@
           </a:ln>
         </p:spPr>
         <p:txBody>
-          <a:bodyPr anchorCtr="0" anchor="ctr" bIns="91425" lIns="91425" spcFirstLastPara="1" rIns="91425" wrap="square" tIns="91425">
+          <a:bodyPr spcFirstLastPara="1" wrap="square" lIns="91425" tIns="91425" rIns="91425" bIns="91425" anchor="ctr" anchorCtr="0">
             <a:normAutofit/>
           </a:bodyPr>
           <a:lstStyle>
@@ -5408,7 +5564,7 @@
             </a:lvl9pPr>
           </a:lstStyle>
           <a:p>
-            <a:pPr indent="0" lvl="0" marL="0" rtl="0" algn="r">
+            <a:pPr marL="0" lvl="0" indent="0" algn="r" rtl="0">
               <a:spcBef>
                 <a:spcPts val="0"/>
               </a:spcBef>
@@ -5427,7 +5583,7 @@
       </p:sp>
     </p:spTree>
   </p:cSld>
-  <p:clrMap accent1="accent1" accent2="accent2" accent3="accent3" accent4="accent4" accent5="accent5" accent6="accent6" bg1="lt1" bg2="dk2" tx1="dk1" tx2="lt2" folHlink="folHlink" hlink="hlink"/>
+  <p:clrMap bg1="lt1" tx1="dk1" bg2="dk2" tx2="lt2" accent1="accent1" accent2="accent2" accent3="accent3" accent4="accent4" accent5="accent5" accent6="accent6" hlink="hlink" folHlink="folHlink"/>
   <p:sldLayoutIdLst>
     <p:sldLayoutId id="2147483648" r:id="rId1"/>
     <p:sldLayoutId id="2147483649" r:id="rId2"/>
@@ -5441,10 +5597,10 @@
     <p:sldLayoutId id="2147483657" r:id="rId10"/>
     <p:sldLayoutId id="2147483658" r:id="rId11"/>
   </p:sldLayoutIdLst>
-  <p:hf dt="0" ftr="0" hdr="0" sldNum="0"/>
+  <p:hf sldNum="0" hdr="0" ftr="0" dt="0"/>
   <p:txStyles>
     <p:titleStyle>
-      <a:defPPr lvl="0" marR="0" rtl="0" algn="l">
+      <a:defPPr marR="0" lvl="0" algn="l" rtl="0">
         <a:lnSpc>
           <a:spcPct val="100000"/>
         </a:lnSpc>
@@ -5455,7 +5611,7 @@
           <a:spcPts val="0"/>
         </a:spcAft>
       </a:defPPr>
-      <a:lvl1pPr lvl="0" marR="0" rtl="0" algn="l">
+      <a:lvl1pPr marR="0" lvl="0" algn="l" rtl="0">
         <a:lnSpc>
           <a:spcPct val="100000"/>
         </a:lnSpc>
@@ -5469,7 +5625,7 @@
           <a:srgbClr val="000000"/>
         </a:buClr>
         <a:buFont typeface="Arial"/>
-        <a:defRPr b="0" i="0" sz="1400" u="none" cap="none" strike="noStrike">
+        <a:defRPr sz="1400" b="0" i="0" u="none" strike="noStrike" cap="none">
           <a:solidFill>
             <a:srgbClr val="000000"/>
           </a:solidFill>
@@ -5479,7 +5635,7 @@
           <a:sym typeface="Arial"/>
         </a:defRPr>
       </a:lvl1pPr>
-      <a:lvl2pPr lvl="1" marR="0" rtl="0" algn="l">
+      <a:lvl2pPr marR="0" lvl="1" algn="l" rtl="0">
         <a:lnSpc>
           <a:spcPct val="100000"/>
         </a:lnSpc>
@@ -5493,7 +5649,7 @@
           <a:srgbClr val="000000"/>
         </a:buClr>
         <a:buFont typeface="Arial"/>
-        <a:defRPr b="0" i="0" sz="1400" u="none" cap="none" strike="noStrike">
+        <a:defRPr sz="1400" b="0" i="0" u="none" strike="noStrike" cap="none">
           <a:solidFill>
             <a:srgbClr val="000000"/>
           </a:solidFill>
@@ -5503,7 +5659,7 @@
           <a:sym typeface="Arial"/>
         </a:defRPr>
       </a:lvl2pPr>
-      <a:lvl3pPr lvl="2" marR="0" rtl="0" algn="l">
+      <a:lvl3pPr marR="0" lvl="2" algn="l" rtl="0">
         <a:lnSpc>
           <a:spcPct val="100000"/>
         </a:lnSpc>
@@ -5517,7 +5673,7 @@
           <a:srgbClr val="000000"/>
         </a:buClr>
         <a:buFont typeface="Arial"/>
-        <a:defRPr b="0" i="0" sz="1400" u="none" cap="none" strike="noStrike">
+        <a:defRPr sz="1400" b="0" i="0" u="none" strike="noStrike" cap="none">
           <a:solidFill>
             <a:srgbClr val="000000"/>
           </a:solidFill>
@@ -5527,7 +5683,7 @@
           <a:sym typeface="Arial"/>
         </a:defRPr>
       </a:lvl3pPr>
-      <a:lvl4pPr lvl="3" marR="0" rtl="0" algn="l">
+      <a:lvl4pPr marR="0" lvl="3" algn="l" rtl="0">
         <a:lnSpc>
           <a:spcPct val="100000"/>
         </a:lnSpc>
@@ -5541,7 +5697,7 @@
           <a:srgbClr val="000000"/>
         </a:buClr>
         <a:buFont typeface="Arial"/>
-        <a:defRPr b="0" i="0" sz="1400" u="none" cap="none" strike="noStrike">
+        <a:defRPr sz="1400" b="0" i="0" u="none" strike="noStrike" cap="none">
           <a:solidFill>
             <a:srgbClr val="000000"/>
           </a:solidFill>
@@ -5551,7 +5707,7 @@
           <a:sym typeface="Arial"/>
         </a:defRPr>
       </a:lvl4pPr>
-      <a:lvl5pPr lvl="4" marR="0" rtl="0" algn="l">
+      <a:lvl5pPr marR="0" lvl="4" algn="l" rtl="0">
         <a:lnSpc>
           <a:spcPct val="100000"/>
         </a:lnSpc>
@@ -5565,7 +5721,7 @@
           <a:srgbClr val="000000"/>
         </a:buClr>
         <a:buFont typeface="Arial"/>
-        <a:defRPr b="0" i="0" sz="1400" u="none" cap="none" strike="noStrike">
+        <a:defRPr sz="1400" b="0" i="0" u="none" strike="noStrike" cap="none">
           <a:solidFill>
             <a:srgbClr val="000000"/>
           </a:solidFill>
@@ -5575,7 +5731,7 @@
           <a:sym typeface="Arial"/>
         </a:defRPr>
       </a:lvl5pPr>
-      <a:lvl6pPr lvl="5" marR="0" rtl="0" algn="l">
+      <a:lvl6pPr marR="0" lvl="5" algn="l" rtl="0">
         <a:lnSpc>
           <a:spcPct val="100000"/>
         </a:lnSpc>
@@ -5589,7 +5745,7 @@
           <a:srgbClr val="000000"/>
         </a:buClr>
         <a:buFont typeface="Arial"/>
-        <a:defRPr b="0" i="0" sz="1400" u="none" cap="none" strike="noStrike">
+        <a:defRPr sz="1400" b="0" i="0" u="none" strike="noStrike" cap="none">
           <a:solidFill>
             <a:srgbClr val="000000"/>
           </a:solidFill>
@@ -5599,7 +5755,7 @@
           <a:sym typeface="Arial"/>
         </a:defRPr>
       </a:lvl6pPr>
-      <a:lvl7pPr lvl="6" marR="0" rtl="0" algn="l">
+      <a:lvl7pPr marR="0" lvl="6" algn="l" rtl="0">
         <a:lnSpc>
           <a:spcPct val="100000"/>
         </a:lnSpc>
@@ -5613,7 +5769,7 @@
           <a:srgbClr val="000000"/>
         </a:buClr>
         <a:buFont typeface="Arial"/>
-        <a:defRPr b="0" i="0" sz="1400" u="none" cap="none" strike="noStrike">
+        <a:defRPr sz="1400" b="0" i="0" u="none" strike="noStrike" cap="none">
           <a:solidFill>
             <a:srgbClr val="000000"/>
           </a:solidFill>
@@ -5623,7 +5779,7 @@
           <a:sym typeface="Arial"/>
         </a:defRPr>
       </a:lvl7pPr>
-      <a:lvl8pPr lvl="7" marR="0" rtl="0" algn="l">
+      <a:lvl8pPr marR="0" lvl="7" algn="l" rtl="0">
         <a:lnSpc>
           <a:spcPct val="100000"/>
         </a:lnSpc>
@@ -5637,7 +5793,7 @@
           <a:srgbClr val="000000"/>
         </a:buClr>
         <a:buFont typeface="Arial"/>
-        <a:defRPr b="0" i="0" sz="1400" u="none" cap="none" strike="noStrike">
+        <a:defRPr sz="1400" b="0" i="0" u="none" strike="noStrike" cap="none">
           <a:solidFill>
             <a:srgbClr val="000000"/>
           </a:solidFill>
@@ -5647,7 +5803,7 @@
           <a:sym typeface="Arial"/>
         </a:defRPr>
       </a:lvl8pPr>
-      <a:lvl9pPr lvl="8" marR="0" rtl="0" algn="l">
+      <a:lvl9pPr marR="0" lvl="8" algn="l" rtl="0">
         <a:lnSpc>
           <a:spcPct val="100000"/>
         </a:lnSpc>
@@ -5661,7 +5817,7 @@
           <a:srgbClr val="000000"/>
         </a:buClr>
         <a:buFont typeface="Arial"/>
-        <a:defRPr b="0" i="0" sz="1400" u="none" cap="none" strike="noStrike">
+        <a:defRPr sz="1400" b="0" i="0" u="none" strike="noStrike" cap="none">
           <a:solidFill>
             <a:srgbClr val="000000"/>
           </a:solidFill>
@@ -5673,7 +5829,7 @@
       </a:lvl9pPr>
     </p:titleStyle>
     <p:bodyStyle>
-      <a:defPPr lvl="0" marR="0" rtl="0" algn="l">
+      <a:defPPr marR="0" lvl="0" algn="l" rtl="0">
         <a:lnSpc>
           <a:spcPct val="100000"/>
         </a:lnSpc>
@@ -5684,7 +5840,7 @@
           <a:spcPts val="0"/>
         </a:spcAft>
       </a:defPPr>
-      <a:lvl1pPr lvl="0" marR="0" rtl="0" algn="l">
+      <a:lvl1pPr marR="0" lvl="0" algn="l" rtl="0">
         <a:lnSpc>
           <a:spcPct val="100000"/>
         </a:lnSpc>
@@ -5698,7 +5854,7 @@
           <a:srgbClr val="000000"/>
         </a:buClr>
         <a:buFont typeface="Arial"/>
-        <a:defRPr b="0" i="0" sz="1400" u="none" cap="none" strike="noStrike">
+        <a:defRPr sz="1400" b="0" i="0" u="none" strike="noStrike" cap="none">
           <a:solidFill>
             <a:srgbClr val="000000"/>
           </a:solidFill>
@@ -5708,7 +5864,7 @@
           <a:sym typeface="Arial"/>
         </a:defRPr>
       </a:lvl1pPr>
-      <a:lvl2pPr lvl="1" marR="0" rtl="0" algn="l">
+      <a:lvl2pPr marR="0" lvl="1" algn="l" rtl="0">
         <a:lnSpc>
           <a:spcPct val="100000"/>
         </a:lnSpc>
@@ -5722,7 +5878,7 @@
           <a:srgbClr val="000000"/>
         </a:buClr>
         <a:buFont typeface="Arial"/>
-        <a:defRPr b="0" i="0" sz="1400" u="none" cap="none" strike="noStrike">
+        <a:defRPr sz="1400" b="0" i="0" u="none" strike="noStrike" cap="none">
           <a:solidFill>
             <a:srgbClr val="000000"/>
           </a:solidFill>
@@ -5732,7 +5888,7 @@
           <a:sym typeface="Arial"/>
         </a:defRPr>
       </a:lvl2pPr>
-      <a:lvl3pPr lvl="2" marR="0" rtl="0" algn="l">
+      <a:lvl3pPr marR="0" lvl="2" algn="l" rtl="0">
         <a:lnSpc>
           <a:spcPct val="100000"/>
         </a:lnSpc>
@@ -5746,7 +5902,7 @@
           <a:srgbClr val="000000"/>
         </a:buClr>
         <a:buFont typeface="Arial"/>
-        <a:defRPr b="0" i="0" sz="1400" u="none" cap="none" strike="noStrike">
+        <a:defRPr sz="1400" b="0" i="0" u="none" strike="noStrike" cap="none">
           <a:solidFill>
             <a:srgbClr val="000000"/>
           </a:solidFill>
@@ -5756,7 +5912,7 @@
           <a:sym typeface="Arial"/>
         </a:defRPr>
       </a:lvl3pPr>
-      <a:lvl4pPr lvl="3" marR="0" rtl="0" algn="l">
+      <a:lvl4pPr marR="0" lvl="3" algn="l" rtl="0">
         <a:lnSpc>
           <a:spcPct val="100000"/>
         </a:lnSpc>
@@ -5770,7 +5926,7 @@
           <a:srgbClr val="000000"/>
         </a:buClr>
         <a:buFont typeface="Arial"/>
-        <a:defRPr b="0" i="0" sz="1400" u="none" cap="none" strike="noStrike">
+        <a:defRPr sz="1400" b="0" i="0" u="none" strike="noStrike" cap="none">
           <a:solidFill>
             <a:srgbClr val="000000"/>
           </a:solidFill>
@@ -5780,7 +5936,7 @@
           <a:sym typeface="Arial"/>
         </a:defRPr>
       </a:lvl4pPr>
-      <a:lvl5pPr lvl="4" marR="0" rtl="0" algn="l">
+      <a:lvl5pPr marR="0" lvl="4" algn="l" rtl="0">
         <a:lnSpc>
           <a:spcPct val="100000"/>
         </a:lnSpc>
@@ -5794,7 +5950,7 @@
           <a:srgbClr val="000000"/>
         </a:buClr>
         <a:buFont typeface="Arial"/>
-        <a:defRPr b="0" i="0" sz="1400" u="none" cap="none" strike="noStrike">
+        <a:defRPr sz="1400" b="0" i="0" u="none" strike="noStrike" cap="none">
           <a:solidFill>
             <a:srgbClr val="000000"/>
           </a:solidFill>
@@ -5804,7 +5960,7 @@
           <a:sym typeface="Arial"/>
         </a:defRPr>
       </a:lvl5pPr>
-      <a:lvl6pPr lvl="5" marR="0" rtl="0" algn="l">
+      <a:lvl6pPr marR="0" lvl="5" algn="l" rtl="0">
         <a:lnSpc>
           <a:spcPct val="100000"/>
         </a:lnSpc>
@@ -5818,7 +5974,7 @@
           <a:srgbClr val="000000"/>
         </a:buClr>
         <a:buFont typeface="Arial"/>
-        <a:defRPr b="0" i="0" sz="1400" u="none" cap="none" strike="noStrike">
+        <a:defRPr sz="1400" b="0" i="0" u="none" strike="noStrike" cap="none">
           <a:solidFill>
             <a:srgbClr val="000000"/>
           </a:solidFill>
@@ -5828,7 +5984,7 @@
           <a:sym typeface="Arial"/>
         </a:defRPr>
       </a:lvl6pPr>
-      <a:lvl7pPr lvl="6" marR="0" rtl="0" algn="l">
+      <a:lvl7pPr marR="0" lvl="6" algn="l" rtl="0">
         <a:lnSpc>
           <a:spcPct val="100000"/>
         </a:lnSpc>
@@ -5842,7 +5998,7 @@
           <a:srgbClr val="000000"/>
         </a:buClr>
         <a:buFont typeface="Arial"/>
-        <a:defRPr b="0" i="0" sz="1400" u="none" cap="none" strike="noStrike">
+        <a:defRPr sz="1400" b="0" i="0" u="none" strike="noStrike" cap="none">
           <a:solidFill>
             <a:srgbClr val="000000"/>
           </a:solidFill>
@@ -5852,7 +6008,7 @@
           <a:sym typeface="Arial"/>
         </a:defRPr>
       </a:lvl7pPr>
-      <a:lvl8pPr lvl="7" marR="0" rtl="0" algn="l">
+      <a:lvl8pPr marR="0" lvl="7" algn="l" rtl="0">
         <a:lnSpc>
           <a:spcPct val="100000"/>
         </a:lnSpc>
@@ -5866,7 +6022,7 @@
           <a:srgbClr val="000000"/>
         </a:buClr>
         <a:buFont typeface="Arial"/>
-        <a:defRPr b="0" i="0" sz="1400" u="none" cap="none" strike="noStrike">
+        <a:defRPr sz="1400" b="0" i="0" u="none" strike="noStrike" cap="none">
           <a:solidFill>
             <a:srgbClr val="000000"/>
           </a:solidFill>
@@ -5876,7 +6032,7 @@
           <a:sym typeface="Arial"/>
         </a:defRPr>
       </a:lvl8pPr>
-      <a:lvl9pPr lvl="8" marR="0" rtl="0" algn="l">
+      <a:lvl9pPr marR="0" lvl="8" algn="l" rtl="0">
         <a:lnSpc>
           <a:spcPct val="100000"/>
         </a:lnSpc>
@@ -5890,7 +6046,7 @@
           <a:srgbClr val="000000"/>
         </a:buClr>
         <a:buFont typeface="Arial"/>
-        <a:defRPr b="0" i="0" sz="1400" u="none" cap="none" strike="noStrike">
+        <a:defRPr sz="1400" b="0" i="0" u="none" strike="noStrike" cap="none">
           <a:solidFill>
             <a:srgbClr val="000000"/>
           </a:solidFill>
@@ -5902,7 +6058,7 @@
       </a:lvl9pPr>
     </p:bodyStyle>
     <p:otherStyle>
-      <a:defPPr lvl="0" marR="0" rtl="0" algn="l">
+      <a:defPPr marR="0" lvl="0" algn="l" rtl="0">
         <a:lnSpc>
           <a:spcPct val="100000"/>
         </a:lnSpc>
@@ -5913,7 +6069,7 @@
           <a:spcPts val="0"/>
         </a:spcAft>
       </a:defPPr>
-      <a:lvl1pPr lvl="0" marR="0" rtl="0" algn="l">
+      <a:lvl1pPr marR="0" lvl="0" algn="l" rtl="0">
         <a:lnSpc>
           <a:spcPct val="100000"/>
         </a:lnSpc>
@@ -5927,7 +6083,7 @@
           <a:srgbClr val="000000"/>
         </a:buClr>
         <a:buFont typeface="Arial"/>
-        <a:defRPr b="0" i="0" sz="1400" u="none" cap="none" strike="noStrike">
+        <a:defRPr sz="1400" b="0" i="0" u="none" strike="noStrike" cap="none">
           <a:solidFill>
             <a:srgbClr val="000000"/>
           </a:solidFill>
@@ -5937,7 +6093,7 @@
           <a:sym typeface="Arial"/>
         </a:defRPr>
       </a:lvl1pPr>
-      <a:lvl2pPr lvl="1" marR="0" rtl="0" algn="l">
+      <a:lvl2pPr marR="0" lvl="1" algn="l" rtl="0">
         <a:lnSpc>
           <a:spcPct val="100000"/>
         </a:lnSpc>
@@ -5951,7 +6107,7 @@
           <a:srgbClr val="000000"/>
         </a:buClr>
         <a:buFont typeface="Arial"/>
-        <a:defRPr b="0" i="0" sz="1400" u="none" cap="none" strike="noStrike">
+        <a:defRPr sz="1400" b="0" i="0" u="none" strike="noStrike" cap="none">
           <a:solidFill>
             <a:srgbClr val="000000"/>
           </a:solidFill>
@@ -5961,7 +6117,7 @@
           <a:sym typeface="Arial"/>
         </a:defRPr>
       </a:lvl2pPr>
-      <a:lvl3pPr lvl="2" marR="0" rtl="0" algn="l">
+      <a:lvl3pPr marR="0" lvl="2" algn="l" rtl="0">
         <a:lnSpc>
           <a:spcPct val="100000"/>
         </a:lnSpc>
@@ -5975,7 +6131,7 @@
           <a:srgbClr val="000000"/>
         </a:buClr>
         <a:buFont typeface="Arial"/>
-        <a:defRPr b="0" i="0" sz="1400" u="none" cap="none" strike="noStrike">
+        <a:defRPr sz="1400" b="0" i="0" u="none" strike="noStrike" cap="none">
           <a:solidFill>
             <a:srgbClr val="000000"/>
           </a:solidFill>
@@ -5985,7 +6141,7 @@
           <a:sym typeface="Arial"/>
         </a:defRPr>
       </a:lvl3pPr>
-      <a:lvl4pPr lvl="3" marR="0" rtl="0" algn="l">
+      <a:lvl4pPr marR="0" lvl="3" algn="l" rtl="0">
         <a:lnSpc>
           <a:spcPct val="100000"/>
         </a:lnSpc>
@@ -5999,7 +6155,7 @@
           <a:srgbClr val="000000"/>
         </a:buClr>
         <a:buFont typeface="Arial"/>
-        <a:defRPr b="0" i="0" sz="1400" u="none" cap="none" strike="noStrike">
+        <a:defRPr sz="1400" b="0" i="0" u="none" strike="noStrike" cap="none">
           <a:solidFill>
             <a:srgbClr val="000000"/>
           </a:solidFill>
@@ -6009,7 +6165,7 @@
           <a:sym typeface="Arial"/>
         </a:defRPr>
       </a:lvl4pPr>
-      <a:lvl5pPr lvl="4" marR="0" rtl="0" algn="l">
+      <a:lvl5pPr marR="0" lvl="4" algn="l" rtl="0">
         <a:lnSpc>
           <a:spcPct val="100000"/>
         </a:lnSpc>
@@ -6023,7 +6179,7 @@
           <a:srgbClr val="000000"/>
         </a:buClr>
         <a:buFont typeface="Arial"/>
-        <a:defRPr b="0" i="0" sz="1400" u="none" cap="none" strike="noStrike">
+        <a:defRPr sz="1400" b="0" i="0" u="none" strike="noStrike" cap="none">
           <a:solidFill>
             <a:srgbClr val="000000"/>
           </a:solidFill>
@@ -6033,7 +6189,7 @@
           <a:sym typeface="Arial"/>
         </a:defRPr>
       </a:lvl5pPr>
-      <a:lvl6pPr lvl="5" marR="0" rtl="0" algn="l">
+      <a:lvl6pPr marR="0" lvl="5" algn="l" rtl="0">
         <a:lnSpc>
           <a:spcPct val="100000"/>
         </a:lnSpc>
@@ -6047,7 +6203,7 @@
           <a:srgbClr val="000000"/>
         </a:buClr>
         <a:buFont typeface="Arial"/>
-        <a:defRPr b="0" i="0" sz="1400" u="none" cap="none" strike="noStrike">
+        <a:defRPr sz="1400" b="0" i="0" u="none" strike="noStrike" cap="none">
           <a:solidFill>
             <a:srgbClr val="000000"/>
           </a:solidFill>
@@ -6057,7 +6213,7 @@
           <a:sym typeface="Arial"/>
         </a:defRPr>
       </a:lvl6pPr>
-      <a:lvl7pPr lvl="6" marR="0" rtl="0" algn="l">
+      <a:lvl7pPr marR="0" lvl="6" algn="l" rtl="0">
         <a:lnSpc>
           <a:spcPct val="100000"/>
         </a:lnSpc>
@@ -6071,7 +6227,7 @@
           <a:srgbClr val="000000"/>
         </a:buClr>
         <a:buFont typeface="Arial"/>
-        <a:defRPr b="0" i="0" sz="1400" u="none" cap="none" strike="noStrike">
+        <a:defRPr sz="1400" b="0" i="0" u="none" strike="noStrike" cap="none">
           <a:solidFill>
             <a:srgbClr val="000000"/>
           </a:solidFill>
@@ -6081,7 +6237,7 @@
           <a:sym typeface="Arial"/>
         </a:defRPr>
       </a:lvl7pPr>
-      <a:lvl8pPr lvl="7" marR="0" rtl="0" algn="l">
+      <a:lvl8pPr marR="0" lvl="7" algn="l" rtl="0">
         <a:lnSpc>
           <a:spcPct val="100000"/>
         </a:lnSpc>
@@ -6095,7 +6251,7 @@
           <a:srgbClr val="000000"/>
         </a:buClr>
         <a:buFont typeface="Arial"/>
-        <a:defRPr b="0" i="0" sz="1400" u="none" cap="none" strike="noStrike">
+        <a:defRPr sz="1400" b="0" i="0" u="none" strike="noStrike" cap="none">
           <a:solidFill>
             <a:srgbClr val="000000"/>
           </a:solidFill>
@@ -6105,7 +6261,7 @@
           <a:sym typeface="Arial"/>
         </a:defRPr>
       </a:lvl8pPr>
-      <a:lvl9pPr lvl="8" marR="0" rtl="0" algn="l">
+      <a:lvl9pPr marR="0" lvl="8" algn="l" rtl="0">
         <a:lnSpc>
           <a:spcPct val="100000"/>
         </a:lnSpc>
@@ -6119,7 +6275,7 @@
           <a:srgbClr val="000000"/>
         </a:buClr>
         <a:buFont typeface="Arial"/>
-        <a:defRPr b="0" i="0" sz="1400" u="none" cap="none" strike="noStrike">
+        <a:defRPr sz="1400" b="0" i="0" u="none" strike="noStrike" cap="none">
           <a:solidFill>
             <a:srgbClr val="000000"/>
           </a:solidFill>
@@ -6135,11 +6291,11 @@
 </file>
 
 <file path=ppt/slides/slide1.xml><?xml version="1.0" encoding="utf-8"?>
-<p:sld xmlns:a="http://schemas.openxmlformats.org/drawingml/2006/main" xmlns:r="http://schemas.openxmlformats.org/officeDocument/2006/relationships" xmlns:mc="http://schemas.openxmlformats.org/markup-compatibility/2006" xmlns:mv="urn:schemas-microsoft-com:mac:vml" xmlns:p="http://schemas.openxmlformats.org/presentationml/2006/main" xmlns:c="http://schemas.openxmlformats.org/drawingml/2006/chart" xmlns:dgm="http://schemas.openxmlformats.org/drawingml/2006/diagram" xmlns:o="urn:schemas-microsoft-com:office:office" xmlns:v="urn:schemas-microsoft-com:vml" xmlns:pvml="urn:schemas-microsoft-com:office:powerpoint" xmlns:com="http://schemas.openxmlformats.org/drawingml/2006/compatibility" xmlns:p14="http://schemas.microsoft.com/office/powerpoint/2010/main" xmlns:p15="http://schemas.microsoft.com/office/powerpoint/2012/main" xmlns:ahyp="http://schemas.microsoft.com/office/drawing/2018/hyperlinkcolor">
+<p:sld xmlns:a="http://schemas.openxmlformats.org/drawingml/2006/main" xmlns:r="http://schemas.openxmlformats.org/officeDocument/2006/relationships" xmlns:p="http://schemas.openxmlformats.org/presentationml/2006/main">
   <p:cSld>
     <p:spTree>
       <p:nvGrpSpPr>
-        <p:cNvPr id="53" name="Shape 53"/>
+        <p:cNvPr id="1" name="Shape 53"/>
         <p:cNvGrpSpPr/>
         <p:nvPr/>
       </p:nvGrpSpPr>
@@ -6154,7 +6310,9 @@
       <p:sp>
         <p:nvSpPr>
           <p:cNvPr id="54" name="Google Shape;54;p13"/>
-          <p:cNvSpPr txBox="1"/>
+          <p:cNvSpPr txBox="1">
+            <a:spLocks noGrp="1"/>
+          </p:cNvSpPr>
           <p:nvPr>
             <p:ph type="ctrTitle"/>
           </p:nvPr>
@@ -6169,12 +6327,12 @@
           </a:prstGeom>
         </p:spPr>
         <p:txBody>
-          <a:bodyPr anchorCtr="0" anchor="b" bIns="91425" lIns="91425" spcFirstLastPara="1" rIns="91425" wrap="square" tIns="91425">
+          <a:bodyPr spcFirstLastPara="1" wrap="square" lIns="91425" tIns="91425" rIns="91425" bIns="91425" anchor="b" anchorCtr="0">
             <a:normAutofit/>
           </a:bodyPr>
           <a:lstStyle/>
           <a:p>
-            <a:pPr indent="0" lvl="0" marL="0" rtl="0" algn="ctr">
+            <a:pPr marL="0" lvl="0" indent="0" algn="ctr" rtl="0">
               <a:spcBef>
                 <a:spcPts val="0"/>
               </a:spcBef>
@@ -6229,13 +6387,13 @@
   <p:timing>
     <p:tnLst>
       <p:par>
-        <p:cTn dur="indefinite" nodeType="tmRoot" restart="never">
+        <p:cTn id="1" dur="indefinite" restart="never" nodeType="tmRoot">
           <p:childTnLst>
             <p:seq concurrent="1" nextAc="seek">
-              <p:cTn dur="indefinite" id="2" nodeType="mainSeq">
+              <p:cTn id="2" dur="indefinite" nodeType="mainSeq">
                 <p:childTnLst>
                   <p:par>
-                    <p:cTn fill="hold">
+                    <p:cTn id="3" fill="hold">
                       <p:stCondLst>
                         <p:cond delay="indefinite"/>
                         <p:cond evt="onBegin" delay="0">
@@ -6244,20 +6402,20 @@
                       </p:stCondLst>
                       <p:childTnLst>
                         <p:par>
-                          <p:cTn fill="hold">
+                          <p:cTn id="4" fill="hold">
                             <p:stCondLst>
                               <p:cond delay="0"/>
                             </p:stCondLst>
                             <p:childTnLst>
                               <p:par>
-                                <p:cTn fill="hold" nodeType="withEffect" presetClass="entr" presetID="10" presetSubtype="0">
+                                <p:cTn id="5" presetID="10" presetClass="entr" presetSubtype="0" fill="hold" nodeType="withEffect">
                                   <p:stCondLst>
                                     <p:cond delay="0"/>
                                   </p:stCondLst>
                                   <p:childTnLst>
                                     <p:set>
                                       <p:cBhvr>
-                                        <p:cTn dur="1" fill="hold">
+                                        <p:cTn id="6" dur="1" fill="hold">
                                           <p:stCondLst>
                                             <p:cond delay="0"/>
                                           </p:stCondLst>
@@ -6273,9 +6431,9 @@
                                         <p:strVal val="visible"/>
                                       </p:to>
                                     </p:set>
-                                    <p:animEffect filter="fade" transition="in">
+                                    <p:animEffect transition="in" filter="fade">
                                       <p:cBhvr>
-                                        <p:cTn dur="1000"/>
+                                        <p:cTn id="7" dur="1000"/>
                                         <p:tgtEl>
                                           <p:spTgt spid="55"/>
                                         </p:tgtEl>
@@ -6293,14 +6451,14 @@
                 </p:childTnLst>
               </p:cTn>
               <p:prevCondLst>
-                <p:cond evt="onPrev">
+                <p:cond evt="onPrev" delay="0">
                   <p:tgtEl>
                     <p:sldTgt/>
                   </p:tgtEl>
                 </p:cond>
               </p:prevCondLst>
               <p:nextCondLst>
-                <p:cond evt="onNext">
+                <p:cond evt="onNext" delay="0">
                   <p:tgtEl>
                     <p:sldTgt/>
                   </p:tgtEl>
@@ -6316,11 +6474,11 @@
 </file>
 
 <file path=ppt/slides/slide2.xml><?xml version="1.0" encoding="utf-8"?>
-<p:sld xmlns:a="http://schemas.openxmlformats.org/drawingml/2006/main" xmlns:r="http://schemas.openxmlformats.org/officeDocument/2006/relationships" xmlns:mc="http://schemas.openxmlformats.org/markup-compatibility/2006" xmlns:mv="urn:schemas-microsoft-com:mac:vml" xmlns:p="http://schemas.openxmlformats.org/presentationml/2006/main" xmlns:c="http://schemas.openxmlformats.org/drawingml/2006/chart" xmlns:dgm="http://schemas.openxmlformats.org/drawingml/2006/diagram" xmlns:o="urn:schemas-microsoft-com:office:office" xmlns:v="urn:schemas-microsoft-com:vml" xmlns:pvml="urn:schemas-microsoft-com:office:powerpoint" xmlns:com="http://schemas.openxmlformats.org/drawingml/2006/compatibility" xmlns:p14="http://schemas.microsoft.com/office/powerpoint/2010/main" xmlns:p15="http://schemas.microsoft.com/office/powerpoint/2012/main" xmlns:ahyp="http://schemas.microsoft.com/office/drawing/2018/hyperlinkcolor">
+<p:sld xmlns:a="http://schemas.openxmlformats.org/drawingml/2006/main" xmlns:r="http://schemas.openxmlformats.org/officeDocument/2006/relationships" xmlns:p="http://schemas.openxmlformats.org/presentationml/2006/main">
   <p:cSld>
     <p:spTree>
       <p:nvGrpSpPr>
-        <p:cNvPr id="59" name="Shape 59"/>
+        <p:cNvPr id="1" name="Shape 59"/>
         <p:cNvGrpSpPr/>
         <p:nvPr/>
       </p:nvGrpSpPr>
@@ -6335,7 +6493,9 @@
       <p:sp>
         <p:nvSpPr>
           <p:cNvPr id="60" name="Google Shape;60;p14"/>
-          <p:cNvSpPr txBox="1"/>
+          <p:cNvSpPr txBox="1">
+            <a:spLocks noGrp="1"/>
+          </p:cNvSpPr>
           <p:nvPr>
             <p:ph type="title"/>
           </p:nvPr>
@@ -6350,12 +6510,12 @@
           </a:prstGeom>
         </p:spPr>
         <p:txBody>
-          <a:bodyPr anchorCtr="0" anchor="t" bIns="91425" lIns="91425" spcFirstLastPara="1" rIns="91425" wrap="square" tIns="91425">
+          <a:bodyPr spcFirstLastPara="1" wrap="square" lIns="91425" tIns="91425" rIns="91425" bIns="91425" anchor="t" anchorCtr="0">
             <a:normAutofit fontScale="90000"/>
           </a:bodyPr>
           <a:lstStyle/>
           <a:p>
-            <a:pPr indent="0" lvl="0" marL="0" rtl="0" algn="l">
+            <a:pPr marL="0" lvl="0" indent="0" algn="l" rtl="0">
               <a:spcBef>
                 <a:spcPts val="0"/>
               </a:spcBef>
@@ -6375,9 +6535,11 @@
       <p:sp>
         <p:nvSpPr>
           <p:cNvPr id="61" name="Google Shape;61;p14"/>
-          <p:cNvSpPr txBox="1"/>
+          <p:cNvSpPr txBox="1">
+            <a:spLocks noGrp="1"/>
+          </p:cNvSpPr>
           <p:nvPr>
-            <p:ph idx="1" type="body"/>
+            <p:ph type="body" idx="1"/>
           </p:nvPr>
         </p:nvSpPr>
         <p:spPr>
@@ -6390,12 +6552,12 @@
           </a:prstGeom>
         </p:spPr>
         <p:txBody>
-          <a:bodyPr anchorCtr="0" anchor="t" bIns="91425" lIns="91425" spcFirstLastPara="1" rIns="91425" wrap="square" tIns="91425">
+          <a:bodyPr spcFirstLastPara="1" wrap="square" lIns="91425" tIns="91425" rIns="91425" bIns="91425" anchor="t" anchorCtr="0">
             <a:normAutofit fontScale="85000" lnSpcReduction="10000"/>
           </a:bodyPr>
           <a:lstStyle/>
           <a:p>
-            <a:pPr indent="-348735" lvl="0" marL="457200" rtl="0" algn="l">
+            <a:pPr marL="457200" lvl="0" indent="-348735" algn="l" rtl="0">
               <a:spcBef>
                 <a:spcPts val="0"/>
               </a:spcBef>
@@ -6412,7 +6574,7 @@
             <a:endParaRPr sz="2225"/>
           </a:p>
           <a:p>
-            <a:pPr indent="-348735" lvl="0" marL="457200" rtl="0" algn="l">
+            <a:pPr marL="457200" lvl="0" indent="-348735" algn="l" rtl="0">
               <a:spcBef>
                 <a:spcPts val="0"/>
               </a:spcBef>
@@ -6429,7 +6591,7 @@
             <a:endParaRPr sz="2225"/>
           </a:p>
           <a:p>
-            <a:pPr indent="-348735" lvl="0" marL="457200" rtl="0" algn="l">
+            <a:pPr marL="457200" lvl="0" indent="-348735" algn="l" rtl="0">
               <a:spcBef>
                 <a:spcPts val="0"/>
               </a:spcBef>
@@ -6446,7 +6608,7 @@
             <a:endParaRPr sz="2225"/>
           </a:p>
           <a:p>
-            <a:pPr indent="-327145" lvl="1" marL="914400" rtl="0" algn="l">
+            <a:pPr marL="914400" lvl="1" indent="-327145" algn="l" rtl="0">
               <a:spcBef>
                 <a:spcPts val="0"/>
               </a:spcBef>
@@ -6463,7 +6625,7 @@
             <a:endParaRPr sz="1825"/>
           </a:p>
           <a:p>
-            <a:pPr indent="-327145" lvl="1" marL="914400" rtl="0" algn="l">
+            <a:pPr marL="914400" lvl="1" indent="-327145" algn="l" rtl="0">
               <a:spcBef>
                 <a:spcPts val="0"/>
               </a:spcBef>
@@ -6475,20 +6637,12 @@
             </a:pPr>
             <a:r>
               <a:rPr lang="en" sz="1825"/>
-              <a:t>Learn best practices in project management especially when </a:t>
-            </a:r>
-            <a:r>
-              <a:rPr lang="en" sz="1825"/>
-              <a:t>collaborating</a:t>
-            </a:r>
-            <a:r>
-              <a:rPr lang="en" sz="1825"/>
-              <a:t> with other</a:t>
+              <a:t>Learn best practices in project management especially when collaborating with other</a:t>
             </a:r>
             <a:endParaRPr sz="1825"/>
           </a:p>
           <a:p>
-            <a:pPr indent="-327145" lvl="1" marL="914400" rtl="0" algn="l">
+            <a:pPr marL="914400" lvl="1" indent="-327145" algn="l" rtl="0">
               <a:spcBef>
                 <a:spcPts val="0"/>
               </a:spcBef>
@@ -6543,11 +6697,11 @@
 </file>
 
 <file path=ppt/slides/slide3.xml><?xml version="1.0" encoding="utf-8"?>
-<p:sld xmlns:a="http://schemas.openxmlformats.org/drawingml/2006/main" xmlns:r="http://schemas.openxmlformats.org/officeDocument/2006/relationships" xmlns:mc="http://schemas.openxmlformats.org/markup-compatibility/2006" xmlns:mv="urn:schemas-microsoft-com:mac:vml" xmlns:p="http://schemas.openxmlformats.org/presentationml/2006/main" xmlns:c="http://schemas.openxmlformats.org/drawingml/2006/chart" xmlns:dgm="http://schemas.openxmlformats.org/drawingml/2006/diagram" xmlns:o="urn:schemas-microsoft-com:office:office" xmlns:v="urn:schemas-microsoft-com:vml" xmlns:pvml="urn:schemas-microsoft-com:office:powerpoint" xmlns:com="http://schemas.openxmlformats.org/drawingml/2006/compatibility" xmlns:p14="http://schemas.microsoft.com/office/powerpoint/2010/main" xmlns:p15="http://schemas.microsoft.com/office/powerpoint/2012/main" xmlns:ahyp="http://schemas.microsoft.com/office/drawing/2018/hyperlinkcolor">
+<p:sld xmlns:a="http://schemas.openxmlformats.org/drawingml/2006/main" xmlns:r="http://schemas.openxmlformats.org/officeDocument/2006/relationships" xmlns:p="http://schemas.openxmlformats.org/presentationml/2006/main">
   <p:cSld>
     <p:spTree>
       <p:nvGrpSpPr>
-        <p:cNvPr id="66" name="Shape 66"/>
+        <p:cNvPr id="1" name="Shape 66"/>
         <p:cNvGrpSpPr/>
         <p:nvPr/>
       </p:nvGrpSpPr>
@@ -6562,7 +6716,9 @@
       <p:sp>
         <p:nvSpPr>
           <p:cNvPr id="67" name="Google Shape;67;p15"/>
-          <p:cNvSpPr txBox="1"/>
+          <p:cNvSpPr txBox="1">
+            <a:spLocks noGrp="1"/>
+          </p:cNvSpPr>
           <p:nvPr>
             <p:ph type="title"/>
           </p:nvPr>
@@ -6577,12 +6733,12 @@
           </a:prstGeom>
         </p:spPr>
         <p:txBody>
-          <a:bodyPr anchorCtr="0" anchor="t" bIns="91425" lIns="91425" spcFirstLastPara="1" rIns="91425" wrap="square" tIns="91425">
+          <a:bodyPr spcFirstLastPara="1" wrap="square" lIns="91425" tIns="91425" rIns="91425" bIns="91425" anchor="t" anchorCtr="0">
             <a:normAutofit fontScale="90000"/>
           </a:bodyPr>
           <a:lstStyle/>
           <a:p>
-            <a:pPr indent="0" lvl="0" marL="0" rtl="0" algn="l">
+            <a:pPr marL="0" lvl="0" indent="0" algn="l" rtl="0">
               <a:spcBef>
                 <a:spcPts val="0"/>
               </a:spcBef>
@@ -6602,9 +6758,11 @@
       <p:sp>
         <p:nvSpPr>
           <p:cNvPr id="68" name="Google Shape;68;p15"/>
-          <p:cNvSpPr txBox="1"/>
+          <p:cNvSpPr txBox="1">
+            <a:spLocks noGrp="1"/>
+          </p:cNvSpPr>
           <p:nvPr>
-            <p:ph idx="1" type="body"/>
+            <p:ph type="body" idx="1"/>
           </p:nvPr>
         </p:nvSpPr>
         <p:spPr>
@@ -6617,12 +6775,12 @@
           </a:prstGeom>
         </p:spPr>
         <p:txBody>
-          <a:bodyPr anchorCtr="0" anchor="t" bIns="91425" lIns="91425" spcFirstLastPara="1" rIns="91425" wrap="square" tIns="91425">
+          <a:bodyPr spcFirstLastPara="1" wrap="square" lIns="91425" tIns="91425" rIns="91425" bIns="91425" anchor="t" anchorCtr="0">
             <a:normAutofit/>
           </a:bodyPr>
           <a:lstStyle/>
           <a:p>
-            <a:pPr indent="457200" lvl="0" marL="0" rtl="0" algn="l">
+            <a:pPr marL="0" lvl="0" indent="457200" algn="l" rtl="0">
               <a:spcBef>
                 <a:spcPts val="0"/>
               </a:spcBef>
@@ -6638,7 +6796,7 @@
             <a:endParaRPr/>
           </a:p>
           <a:p>
-            <a:pPr indent="0" lvl="0" marL="0" rtl="0" algn="l">
+            <a:pPr marL="0" lvl="0" indent="0" algn="l" rtl="0">
               <a:spcBef>
                 <a:spcPts val="1200"/>
               </a:spcBef>
@@ -6647,9 +6805,6 @@
               </a:spcAft>
               <a:buNone/>
             </a:pPr>
-            <a:r>
-              <a:t/>
-            </a:r>
             <a:endParaRPr/>
           </a:p>
         </p:txBody>
@@ -6831,11 +6986,11 @@
 </file>
 
 <file path=ppt/slides/slide4.xml><?xml version="1.0" encoding="utf-8"?>
-<p:sld xmlns:a="http://schemas.openxmlformats.org/drawingml/2006/main" xmlns:r="http://schemas.openxmlformats.org/officeDocument/2006/relationships" xmlns:mc="http://schemas.openxmlformats.org/markup-compatibility/2006" xmlns:mv="urn:schemas-microsoft-com:mac:vml" xmlns:p="http://schemas.openxmlformats.org/presentationml/2006/main" xmlns:c="http://schemas.openxmlformats.org/drawingml/2006/chart" xmlns:dgm="http://schemas.openxmlformats.org/drawingml/2006/diagram" xmlns:o="urn:schemas-microsoft-com:office:office" xmlns:v="urn:schemas-microsoft-com:vml" xmlns:pvml="urn:schemas-microsoft-com:office:powerpoint" xmlns:com="http://schemas.openxmlformats.org/drawingml/2006/compatibility" xmlns:p14="http://schemas.microsoft.com/office/powerpoint/2010/main" xmlns:p15="http://schemas.microsoft.com/office/powerpoint/2012/main" xmlns:ahyp="http://schemas.microsoft.com/office/drawing/2018/hyperlinkcolor">
+<p:sld xmlns:a="http://schemas.openxmlformats.org/drawingml/2006/main" xmlns:r="http://schemas.openxmlformats.org/officeDocument/2006/relationships" xmlns:p="http://schemas.openxmlformats.org/presentationml/2006/main">
   <p:cSld>
     <p:spTree>
       <p:nvGrpSpPr>
-        <p:cNvPr id="78" name="Shape 78"/>
+        <p:cNvPr id="1" name="Shape 78"/>
         <p:cNvGrpSpPr/>
         <p:nvPr/>
       </p:nvGrpSpPr>
@@ -6850,7 +7005,9 @@
       <p:sp>
         <p:nvSpPr>
           <p:cNvPr id="79" name="Google Shape;79;p16"/>
-          <p:cNvSpPr txBox="1"/>
+          <p:cNvSpPr txBox="1">
+            <a:spLocks noGrp="1"/>
+          </p:cNvSpPr>
           <p:nvPr>
             <p:ph type="title"/>
           </p:nvPr>
@@ -6865,12 +7022,12 @@
           </a:prstGeom>
         </p:spPr>
         <p:txBody>
-          <a:bodyPr anchorCtr="0" anchor="t" bIns="91425" lIns="91425" spcFirstLastPara="1" rIns="91425" wrap="square" tIns="91425">
+          <a:bodyPr spcFirstLastPara="1" wrap="square" lIns="91425" tIns="91425" rIns="91425" bIns="91425" anchor="t" anchorCtr="0">
             <a:normAutofit fontScale="90000"/>
           </a:bodyPr>
           <a:lstStyle/>
           <a:p>
-            <a:pPr indent="0" lvl="0" marL="0" rtl="0" algn="l">
+            <a:pPr marL="0" lvl="0" indent="0" algn="l" rtl="0">
               <a:spcBef>
                 <a:spcPts val="0"/>
               </a:spcBef>
@@ -6890,9 +7047,11 @@
       <p:sp>
         <p:nvSpPr>
           <p:cNvPr id="80" name="Google Shape;80;p16"/>
-          <p:cNvSpPr txBox="1"/>
+          <p:cNvSpPr txBox="1">
+            <a:spLocks noGrp="1"/>
+          </p:cNvSpPr>
           <p:nvPr>
-            <p:ph idx="1" type="body"/>
+            <p:ph type="body" idx="1"/>
           </p:nvPr>
         </p:nvSpPr>
         <p:spPr>
@@ -6905,12 +7064,12 @@
           </a:prstGeom>
         </p:spPr>
         <p:txBody>
-          <a:bodyPr anchorCtr="0" anchor="t" bIns="91425" lIns="91425" spcFirstLastPara="1" rIns="91425" wrap="square" tIns="91425">
+          <a:bodyPr spcFirstLastPara="1" wrap="square" lIns="91425" tIns="91425" rIns="91425" bIns="91425" anchor="t" anchorCtr="0">
             <a:normAutofit/>
           </a:bodyPr>
           <a:lstStyle/>
           <a:p>
-            <a:pPr indent="457200" lvl="0" marL="0" rtl="0" algn="l">
+            <a:pPr marL="0" lvl="0" indent="457200" algn="l" rtl="0">
               <a:spcBef>
                 <a:spcPts val="0"/>
               </a:spcBef>
@@ -6926,7 +7085,7 @@
             <a:endParaRPr/>
           </a:p>
           <a:p>
-            <a:pPr indent="0" lvl="0" marL="0" rtl="0" algn="l">
+            <a:pPr marL="0" lvl="0" indent="0" algn="l" rtl="0">
               <a:spcBef>
                 <a:spcPts val="1200"/>
               </a:spcBef>
@@ -6935,9 +7094,6 @@
               </a:spcAft>
               <a:buNone/>
             </a:pPr>
-            <a:r>
-              <a:t/>
-            </a:r>
             <a:endParaRPr/>
           </a:p>
         </p:txBody>
@@ -7091,11 +7247,11 @@
 </file>
 
 <file path=ppt/slides/slide5.xml><?xml version="1.0" encoding="utf-8"?>
-<p:sld xmlns:a="http://schemas.openxmlformats.org/drawingml/2006/main" xmlns:r="http://schemas.openxmlformats.org/officeDocument/2006/relationships" xmlns:mc="http://schemas.openxmlformats.org/markup-compatibility/2006" xmlns:mv="urn:schemas-microsoft-com:mac:vml" xmlns:p="http://schemas.openxmlformats.org/presentationml/2006/main" xmlns:c="http://schemas.openxmlformats.org/drawingml/2006/chart" xmlns:dgm="http://schemas.openxmlformats.org/drawingml/2006/diagram" xmlns:o="urn:schemas-microsoft-com:office:office" xmlns:v="urn:schemas-microsoft-com:vml" xmlns:pvml="urn:schemas-microsoft-com:office:powerpoint" xmlns:com="http://schemas.openxmlformats.org/drawingml/2006/compatibility" xmlns:p14="http://schemas.microsoft.com/office/powerpoint/2010/main" xmlns:p15="http://schemas.microsoft.com/office/powerpoint/2012/main" xmlns:ahyp="http://schemas.microsoft.com/office/drawing/2018/hyperlinkcolor">
+<p:sld xmlns:a="http://schemas.openxmlformats.org/drawingml/2006/main" xmlns:r="http://schemas.openxmlformats.org/officeDocument/2006/relationships" xmlns:p="http://schemas.openxmlformats.org/presentationml/2006/main">
   <p:cSld>
     <p:spTree>
       <p:nvGrpSpPr>
-        <p:cNvPr id="89" name="Shape 89"/>
+        <p:cNvPr id="1" name="Shape 89"/>
         <p:cNvGrpSpPr/>
         <p:nvPr/>
       </p:nvGrpSpPr>
@@ -7110,7 +7266,9 @@
       <p:sp>
         <p:nvSpPr>
           <p:cNvPr id="90" name="Google Shape;90;p17"/>
-          <p:cNvSpPr txBox="1"/>
+          <p:cNvSpPr txBox="1">
+            <a:spLocks noGrp="1"/>
+          </p:cNvSpPr>
           <p:nvPr>
             <p:ph type="title"/>
           </p:nvPr>
@@ -7125,12 +7283,12 @@
           </a:prstGeom>
         </p:spPr>
         <p:txBody>
-          <a:bodyPr anchorCtr="0" anchor="t" bIns="91425" lIns="91425" spcFirstLastPara="1" rIns="91425" wrap="square" tIns="91425">
+          <a:bodyPr spcFirstLastPara="1" wrap="square" lIns="91425" tIns="91425" rIns="91425" bIns="91425" anchor="t" anchorCtr="0">
             <a:normAutofit fontScale="90000"/>
           </a:bodyPr>
           <a:lstStyle/>
           <a:p>
-            <a:pPr indent="0" lvl="0" marL="0" rtl="0" algn="l">
+            <a:pPr marL="0" lvl="0" indent="0" algn="l" rtl="0">
               <a:spcBef>
                 <a:spcPts val="0"/>
               </a:spcBef>
@@ -7150,9 +7308,11 @@
       <p:sp>
         <p:nvSpPr>
           <p:cNvPr id="91" name="Google Shape;91;p17"/>
-          <p:cNvSpPr txBox="1"/>
+          <p:cNvSpPr txBox="1">
+            <a:spLocks noGrp="1"/>
+          </p:cNvSpPr>
           <p:nvPr>
-            <p:ph idx="1" type="body"/>
+            <p:ph type="body" idx="1"/>
           </p:nvPr>
         </p:nvSpPr>
         <p:spPr>
@@ -7165,12 +7325,12 @@
           </a:prstGeom>
         </p:spPr>
         <p:txBody>
-          <a:bodyPr anchorCtr="0" anchor="t" bIns="91425" lIns="91425" spcFirstLastPara="1" rIns="91425" wrap="square" tIns="91425">
+          <a:bodyPr spcFirstLastPara="1" wrap="square" lIns="91425" tIns="91425" rIns="91425" bIns="91425" anchor="t" anchorCtr="0">
             <a:normAutofit/>
           </a:bodyPr>
           <a:lstStyle/>
           <a:p>
-            <a:pPr indent="457200" lvl="0" marL="0" rtl="0" algn="l">
+            <a:pPr marL="0" lvl="0" indent="457200" algn="l" rtl="0">
               <a:spcBef>
                 <a:spcPts val="0"/>
               </a:spcBef>
@@ -7186,7 +7346,7 @@
             <a:endParaRPr/>
           </a:p>
           <a:p>
-            <a:pPr indent="0" lvl="0" marL="0" rtl="0" algn="l">
+            <a:pPr marL="0" lvl="0" indent="0" algn="l" rtl="0">
               <a:spcBef>
                 <a:spcPts val="1200"/>
               </a:spcBef>
@@ -7195,9 +7355,6 @@
               </a:spcAft>
               <a:buNone/>
             </a:pPr>
-            <a:r>
-              <a:t/>
-            </a:r>
             <a:endParaRPr/>
           </a:p>
         </p:txBody>
@@ -7267,11 +7424,11 @@
 </file>
 
 <file path=ppt/slides/slide6.xml><?xml version="1.0" encoding="utf-8"?>
-<p:sld xmlns:a="http://schemas.openxmlformats.org/drawingml/2006/main" xmlns:r="http://schemas.openxmlformats.org/officeDocument/2006/relationships" xmlns:mc="http://schemas.openxmlformats.org/markup-compatibility/2006" xmlns:mv="urn:schemas-microsoft-com:mac:vml" xmlns:p="http://schemas.openxmlformats.org/presentationml/2006/main" xmlns:c="http://schemas.openxmlformats.org/drawingml/2006/chart" xmlns:dgm="http://schemas.openxmlformats.org/drawingml/2006/diagram" xmlns:o="urn:schemas-microsoft-com:office:office" xmlns:v="urn:schemas-microsoft-com:vml" xmlns:pvml="urn:schemas-microsoft-com:office:powerpoint" xmlns:com="http://schemas.openxmlformats.org/drawingml/2006/compatibility" xmlns:p14="http://schemas.microsoft.com/office/powerpoint/2010/main" xmlns:p15="http://schemas.microsoft.com/office/powerpoint/2012/main" xmlns:ahyp="http://schemas.microsoft.com/office/drawing/2018/hyperlinkcolor">
+<p:sld xmlns:a="http://schemas.openxmlformats.org/drawingml/2006/main" xmlns:r="http://schemas.openxmlformats.org/officeDocument/2006/relationships" xmlns:p="http://schemas.openxmlformats.org/presentationml/2006/main">
   <p:cSld>
     <p:spTree>
       <p:nvGrpSpPr>
-        <p:cNvPr id="97" name="Shape 97"/>
+        <p:cNvPr id="1" name="Shape 97"/>
         <p:cNvGrpSpPr/>
         <p:nvPr/>
       </p:nvGrpSpPr>
@@ -7286,7 +7443,9 @@
       <p:sp>
         <p:nvSpPr>
           <p:cNvPr id="98" name="Google Shape;98;p18"/>
-          <p:cNvSpPr txBox="1"/>
+          <p:cNvSpPr txBox="1">
+            <a:spLocks noGrp="1"/>
+          </p:cNvSpPr>
           <p:nvPr>
             <p:ph type="title"/>
           </p:nvPr>
@@ -7301,12 +7460,12 @@
           </a:prstGeom>
         </p:spPr>
         <p:txBody>
-          <a:bodyPr anchorCtr="0" anchor="t" bIns="91425" lIns="91425" spcFirstLastPara="1" rIns="91425" wrap="square" tIns="91425">
+          <a:bodyPr spcFirstLastPara="1" wrap="square" lIns="91425" tIns="91425" rIns="91425" bIns="91425" anchor="t" anchorCtr="0">
             <a:normAutofit fontScale="90000"/>
           </a:bodyPr>
           <a:lstStyle/>
           <a:p>
-            <a:pPr indent="0" lvl="0" marL="0" rtl="0" algn="l">
+            <a:pPr marL="0" lvl="0" indent="0" algn="l" rtl="0">
               <a:spcBef>
                 <a:spcPts val="0"/>
               </a:spcBef>
@@ -7326,9 +7485,11 @@
       <p:sp>
         <p:nvSpPr>
           <p:cNvPr id="99" name="Google Shape;99;p18"/>
-          <p:cNvSpPr txBox="1"/>
+          <p:cNvSpPr txBox="1">
+            <a:spLocks noGrp="1"/>
+          </p:cNvSpPr>
           <p:nvPr>
-            <p:ph idx="1" type="body"/>
+            <p:ph type="body" idx="1"/>
           </p:nvPr>
         </p:nvSpPr>
         <p:spPr>
@@ -7341,12 +7502,12 @@
           </a:prstGeom>
         </p:spPr>
         <p:txBody>
-          <a:bodyPr anchorCtr="0" anchor="t" bIns="91425" lIns="91425" spcFirstLastPara="1" rIns="91425" wrap="square" tIns="91425">
+          <a:bodyPr spcFirstLastPara="1" wrap="square" lIns="91425" tIns="91425" rIns="91425" bIns="91425" anchor="t" anchorCtr="0">
             <a:normAutofit/>
           </a:bodyPr>
           <a:lstStyle/>
           <a:p>
-            <a:pPr indent="457200" lvl="0" marL="0" rtl="0" algn="l">
+            <a:pPr marL="0" lvl="0" indent="457200" algn="l" rtl="0">
               <a:spcBef>
                 <a:spcPts val="0"/>
               </a:spcBef>
@@ -7362,7 +7523,7 @@
             <a:endParaRPr/>
           </a:p>
           <a:p>
-            <a:pPr indent="0" lvl="0" marL="0" rtl="0" algn="l">
+            <a:pPr marL="0" lvl="0" indent="0" algn="l" rtl="0">
               <a:spcBef>
                 <a:spcPts val="1200"/>
               </a:spcBef>
@@ -7371,9 +7532,6 @@
               </a:spcAft>
               <a:buNone/>
             </a:pPr>
-            <a:r>
-              <a:t/>
-            </a:r>
             <a:endParaRPr/>
           </a:p>
         </p:txBody>
@@ -7415,11 +7573,11 @@
 </file>
 
 <file path=ppt/slides/slide7.xml><?xml version="1.0" encoding="utf-8"?>
-<p:sld xmlns:a="http://schemas.openxmlformats.org/drawingml/2006/main" xmlns:r="http://schemas.openxmlformats.org/officeDocument/2006/relationships" xmlns:mc="http://schemas.openxmlformats.org/markup-compatibility/2006" xmlns:mv="urn:schemas-microsoft-com:mac:vml" xmlns:p="http://schemas.openxmlformats.org/presentationml/2006/main" xmlns:c="http://schemas.openxmlformats.org/drawingml/2006/chart" xmlns:dgm="http://schemas.openxmlformats.org/drawingml/2006/diagram" xmlns:o="urn:schemas-microsoft-com:office:office" xmlns:v="urn:schemas-microsoft-com:vml" xmlns:pvml="urn:schemas-microsoft-com:office:powerpoint" xmlns:com="http://schemas.openxmlformats.org/drawingml/2006/compatibility" xmlns:p14="http://schemas.microsoft.com/office/powerpoint/2010/main" xmlns:p15="http://schemas.microsoft.com/office/powerpoint/2012/main" xmlns:ahyp="http://schemas.microsoft.com/office/drawing/2018/hyperlinkcolor">
+<p:sld xmlns:a="http://schemas.openxmlformats.org/drawingml/2006/main" xmlns:r="http://schemas.openxmlformats.org/officeDocument/2006/relationships" xmlns:p="http://schemas.openxmlformats.org/presentationml/2006/main">
   <p:cSld>
     <p:spTree>
       <p:nvGrpSpPr>
-        <p:cNvPr id="104" name="Shape 104"/>
+        <p:cNvPr id="1" name="Shape 104"/>
         <p:cNvGrpSpPr/>
         <p:nvPr/>
       </p:nvGrpSpPr>
@@ -7434,7 +7592,9 @@
       <p:sp>
         <p:nvSpPr>
           <p:cNvPr id="105" name="Google Shape;105;p19"/>
-          <p:cNvSpPr txBox="1"/>
+          <p:cNvSpPr txBox="1">
+            <a:spLocks noGrp="1"/>
+          </p:cNvSpPr>
           <p:nvPr>
             <p:ph type="title"/>
           </p:nvPr>
@@ -7449,12 +7609,12 @@
           </a:prstGeom>
         </p:spPr>
         <p:txBody>
-          <a:bodyPr anchorCtr="0" anchor="t" bIns="91425" lIns="91425" spcFirstLastPara="1" rIns="91425" wrap="square" tIns="91425">
+          <a:bodyPr spcFirstLastPara="1" wrap="square" lIns="91425" tIns="91425" rIns="91425" bIns="91425" anchor="t" anchorCtr="0">
             <a:normAutofit fontScale="90000"/>
           </a:bodyPr>
           <a:lstStyle/>
           <a:p>
-            <a:pPr indent="0" lvl="0" marL="0" rtl="0" algn="l">
+            <a:pPr marL="0" lvl="0" indent="0" algn="l" rtl="0">
               <a:spcBef>
                 <a:spcPts val="0"/>
               </a:spcBef>
@@ -7483,9 +7643,11 @@
       <p:sp>
         <p:nvSpPr>
           <p:cNvPr id="106" name="Google Shape;106;p19"/>
-          <p:cNvSpPr txBox="1"/>
+          <p:cNvSpPr txBox="1">
+            <a:spLocks noGrp="1"/>
+          </p:cNvSpPr>
           <p:nvPr>
-            <p:ph idx="1" type="body"/>
+            <p:ph type="body" idx="1"/>
           </p:nvPr>
         </p:nvSpPr>
         <p:spPr>
@@ -7498,12 +7660,12 @@
           </a:prstGeom>
         </p:spPr>
         <p:txBody>
-          <a:bodyPr anchorCtr="0" anchor="t" bIns="91425" lIns="91425" spcFirstLastPara="1" rIns="91425" wrap="square" tIns="91425">
+          <a:bodyPr spcFirstLastPara="1" wrap="square" lIns="91425" tIns="91425" rIns="91425" bIns="91425" anchor="t" anchorCtr="0">
             <a:normAutofit fontScale="92500" lnSpcReduction="20000"/>
           </a:bodyPr>
           <a:lstStyle/>
           <a:p>
-            <a:pPr indent="0" lvl="0" marL="0" rtl="0" algn="l">
+            <a:pPr marL="0" lvl="0" indent="0" algn="l" rtl="0">
               <a:spcBef>
                 <a:spcPts val="0"/>
               </a:spcBef>
@@ -7519,7 +7681,7 @@
             <a:endParaRPr sz="2300"/>
           </a:p>
           <a:p>
-            <a:pPr indent="0" lvl="0" marL="0" rtl="0" algn="l">
+            <a:pPr marL="0" lvl="0" indent="0" algn="l" rtl="0">
               <a:spcBef>
                 <a:spcPts val="1200"/>
               </a:spcBef>
@@ -7535,7 +7697,7 @@
             <a:endParaRPr sz="2300"/>
           </a:p>
           <a:p>
-            <a:pPr indent="0" lvl="0" marL="0" rtl="0" algn="l">
+            <a:pPr marL="0" lvl="0" indent="0" algn="l" rtl="0">
               <a:spcBef>
                 <a:spcPts val="1200"/>
               </a:spcBef>
@@ -7551,7 +7713,7 @@
             <a:endParaRPr sz="2300"/>
           </a:p>
           <a:p>
-            <a:pPr indent="0" lvl="0" marL="0" rtl="0" algn="l">
+            <a:pPr marL="0" lvl="0" indent="0" algn="l" rtl="0">
               <a:spcBef>
                 <a:spcPts val="1200"/>
               </a:spcBef>
@@ -7567,7 +7729,7 @@
             <a:endParaRPr sz="2300"/>
           </a:p>
           <a:p>
-            <a:pPr indent="0" lvl="0" marL="0" rtl="0" algn="l">
+            <a:pPr marL="0" lvl="0" indent="0" algn="l" rtl="0">
               <a:spcBef>
                 <a:spcPts val="1200"/>
               </a:spcBef>
@@ -7583,7 +7745,7 @@
             <a:endParaRPr sz="2300"/>
           </a:p>
           <a:p>
-            <a:pPr indent="0" lvl="0" marL="457200" rtl="0" algn="l">
+            <a:pPr marL="457200" lvl="0" indent="0" algn="l" rtl="0">
               <a:spcBef>
                 <a:spcPts val="1200"/>
               </a:spcBef>
@@ -7637,11 +7799,11 @@
 </file>
 
 <file path=ppt/slides/slide8.xml><?xml version="1.0" encoding="utf-8"?>
-<p:sld xmlns:a="http://schemas.openxmlformats.org/drawingml/2006/main" xmlns:r="http://schemas.openxmlformats.org/officeDocument/2006/relationships" xmlns:mc="http://schemas.openxmlformats.org/markup-compatibility/2006" xmlns:mv="urn:schemas-microsoft-com:mac:vml" xmlns:p="http://schemas.openxmlformats.org/presentationml/2006/main" xmlns:c="http://schemas.openxmlformats.org/drawingml/2006/chart" xmlns:dgm="http://schemas.openxmlformats.org/drawingml/2006/diagram" xmlns:o="urn:schemas-microsoft-com:office:office" xmlns:v="urn:schemas-microsoft-com:vml" xmlns:pvml="urn:schemas-microsoft-com:office:powerpoint" xmlns:com="http://schemas.openxmlformats.org/drawingml/2006/compatibility" xmlns:p14="http://schemas.microsoft.com/office/powerpoint/2010/main" xmlns:p15="http://schemas.microsoft.com/office/powerpoint/2012/main" xmlns:ahyp="http://schemas.microsoft.com/office/drawing/2018/hyperlinkcolor">
+<p:sld xmlns:a="http://schemas.openxmlformats.org/drawingml/2006/main" xmlns:r="http://schemas.openxmlformats.org/officeDocument/2006/relationships" xmlns:p="http://schemas.openxmlformats.org/presentationml/2006/main">
   <p:cSld>
     <p:spTree>
       <p:nvGrpSpPr>
-        <p:cNvPr id="111" name="Shape 111"/>
+        <p:cNvPr id="1" name="Shape 111"/>
         <p:cNvGrpSpPr/>
         <p:nvPr/>
       </p:nvGrpSpPr>
@@ -7656,9 +7818,11 @@
       <p:sp>
         <p:nvSpPr>
           <p:cNvPr id="112" name="Google Shape;112;p20"/>
-          <p:cNvSpPr txBox="1"/>
+          <p:cNvSpPr txBox="1">
+            <a:spLocks noGrp="1"/>
+          </p:cNvSpPr>
           <p:nvPr>
-            <p:ph idx="1" type="body"/>
+            <p:ph type="body" idx="1"/>
           </p:nvPr>
         </p:nvSpPr>
         <p:spPr>
@@ -7671,12 +7835,12 @@
           </a:prstGeom>
         </p:spPr>
         <p:txBody>
-          <a:bodyPr anchorCtr="0" anchor="t" bIns="91425" lIns="91425" spcFirstLastPara="1" rIns="91425" wrap="square" tIns="91425">
+          <a:bodyPr spcFirstLastPara="1" wrap="square" lIns="91425" tIns="91425" rIns="91425" bIns="91425" anchor="t" anchorCtr="0">
             <a:normAutofit/>
           </a:bodyPr>
           <a:lstStyle/>
           <a:p>
-            <a:pPr indent="-393700" lvl="0" marL="457200" rtl="0" algn="l">
+            <a:pPr marL="457200" lvl="0" indent="-393700" algn="l" rtl="0">
               <a:spcBef>
                 <a:spcPts val="0"/>
               </a:spcBef>
@@ -7693,7 +7857,7 @@
             <a:endParaRPr sz="2600"/>
           </a:p>
           <a:p>
-            <a:pPr indent="-393700" lvl="0" marL="457200" rtl="0" algn="l">
+            <a:pPr marL="457200" lvl="0" indent="-393700" algn="l" rtl="0">
               <a:spcBef>
                 <a:spcPts val="0"/>
               </a:spcBef>
@@ -7710,7 +7874,7 @@
             <a:endParaRPr sz="2600"/>
           </a:p>
           <a:p>
-            <a:pPr indent="-393700" lvl="0" marL="457200" rtl="0" algn="l">
+            <a:pPr marL="457200" lvl="0" indent="-393700" algn="l" rtl="0">
               <a:spcBef>
                 <a:spcPts val="0"/>
               </a:spcBef>
@@ -7727,7 +7891,7 @@
             <a:endParaRPr sz="2600"/>
           </a:p>
           <a:p>
-            <a:pPr indent="-393700" lvl="0" marL="457200" rtl="0" algn="l">
+            <a:pPr marL="457200" lvl="0" indent="-393700" algn="l" rtl="0">
               <a:spcBef>
                 <a:spcPts val="0"/>
               </a:spcBef>
@@ -7748,7 +7912,9 @@
       <p:sp>
         <p:nvSpPr>
           <p:cNvPr id="113" name="Google Shape;113;p20"/>
-          <p:cNvSpPr txBox="1"/>
+          <p:cNvSpPr txBox="1">
+            <a:spLocks noGrp="1"/>
+          </p:cNvSpPr>
           <p:nvPr>
             <p:ph type="title"/>
           </p:nvPr>
@@ -7763,12 +7929,12 @@
           </a:prstGeom>
         </p:spPr>
         <p:txBody>
-          <a:bodyPr anchorCtr="0" anchor="t" bIns="91425" lIns="91425" spcFirstLastPara="1" rIns="91425" wrap="square" tIns="91425">
+          <a:bodyPr spcFirstLastPara="1" wrap="square" lIns="91425" tIns="91425" rIns="91425" bIns="91425" anchor="t" anchorCtr="0">
             <a:normAutofit fontScale="90000"/>
           </a:bodyPr>
           <a:lstStyle/>
           <a:p>
-            <a:pPr indent="0" lvl="0" marL="0" rtl="0" algn="l">
+            <a:pPr marL="0" lvl="0" indent="0" algn="l" rtl="0">
               <a:spcBef>
                 <a:spcPts val="0"/>
               </a:spcBef>
@@ -7797,8 +7963,88 @@
 </p:sld>
 </file>
 
+<file path=ppt/slides/slide9.xml><?xml version="1.0" encoding="utf-8"?>
+<p:sld xmlns:a="http://schemas.openxmlformats.org/drawingml/2006/main" xmlns:r="http://schemas.openxmlformats.org/officeDocument/2006/relationships" xmlns:p="http://schemas.openxmlformats.org/presentationml/2006/main">
+  <p:cSld>
+    <p:spTree>
+      <p:nvGrpSpPr>
+        <p:cNvPr id="1" name=""/>
+        <p:cNvGrpSpPr/>
+        <p:nvPr/>
+      </p:nvGrpSpPr>
+      <p:grpSpPr>
+        <a:xfrm>
+          <a:off x="0" y="0"/>
+          <a:ext cx="0" cy="0"/>
+          <a:chOff x="0" y="0"/>
+          <a:chExt cx="0" cy="0"/>
+        </a:xfrm>
+      </p:grpSpPr>
+      <p:sp>
+        <p:nvSpPr>
+          <p:cNvPr id="2" name="Title 1">
+            <a:extLst>
+              <a:ext uri="{FF2B5EF4-FFF2-40B4-BE49-F238E27FC236}">
+                <a16:creationId xmlns:a16="http://schemas.microsoft.com/office/drawing/2014/main" id="{EFEDD688-27DF-D692-0E0D-AED3E5476ADB}"/>
+              </a:ext>
+            </a:extLst>
+          </p:cNvPr>
+          <p:cNvSpPr>
+            <a:spLocks noGrp="1"/>
+          </p:cNvSpPr>
+          <p:nvPr>
+            <p:ph type="title"/>
+          </p:nvPr>
+        </p:nvSpPr>
+        <p:spPr/>
+        <p:txBody>
+          <a:bodyPr/>
+          <a:lstStyle/>
+          <a:p>
+            <a:endParaRPr lang="en-US"/>
+          </a:p>
+        </p:txBody>
+      </p:sp>
+      <p:sp>
+        <p:nvSpPr>
+          <p:cNvPr id="3" name="Text Placeholder 2">
+            <a:extLst>
+              <a:ext uri="{FF2B5EF4-FFF2-40B4-BE49-F238E27FC236}">
+                <a16:creationId xmlns:a16="http://schemas.microsoft.com/office/drawing/2014/main" id="{203FD2DD-C994-602C-2DE5-A867307220FB}"/>
+              </a:ext>
+            </a:extLst>
+          </p:cNvPr>
+          <p:cNvSpPr>
+            <a:spLocks noGrp="1"/>
+          </p:cNvSpPr>
+          <p:nvPr>
+            <p:ph type="body" idx="1"/>
+          </p:nvPr>
+        </p:nvSpPr>
+        <p:spPr/>
+        <p:txBody>
+          <a:bodyPr/>
+          <a:lstStyle/>
+          <a:p>
+            <a:endParaRPr lang="en-US"/>
+          </a:p>
+        </p:txBody>
+      </p:sp>
+    </p:spTree>
+    <p:extLst>
+      <p:ext uri="{BB962C8B-B14F-4D97-AF65-F5344CB8AC3E}">
+        <p14:creationId xmlns:p14="http://schemas.microsoft.com/office/powerpoint/2010/main" val="648687589"/>
+      </p:ext>
+    </p:extLst>
+  </p:cSld>
+  <p:clrMapOvr>
+    <a:masterClrMapping/>
+  </p:clrMapOvr>
+</p:sld>
+</file>
+
 <file path=ppt/theme/theme1.xml><?xml version="1.0" encoding="utf-8"?>
-<a:theme xmlns:a="http://schemas.openxmlformats.org/drawingml/2006/main" xmlns:r="http://schemas.openxmlformats.org/officeDocument/2006/relationships" name="Simple Light">
+<a:theme xmlns:a="http://schemas.openxmlformats.org/drawingml/2006/main" name="Simple Light">
   <a:themeElements>
     <a:clrScheme name="Simple Light">
       <a:dk1>
@@ -8073,11 +8319,13 @@
       </a:bgFillStyleLst>
     </a:fmtScheme>
   </a:themeElements>
+  <a:objectDefaults/>
+  <a:extraClrSchemeLst/>
 </a:theme>
 </file>
 
 <file path=ppt/theme/theme2.xml><?xml version="1.0" encoding="utf-8"?>
-<a:theme xmlns:a="http://schemas.openxmlformats.org/drawingml/2006/main" xmlns:r="http://schemas.openxmlformats.org/officeDocument/2006/relationships">
+<a:theme xmlns:a="http://schemas.openxmlformats.org/drawingml/2006/main">
   <a:themeElements>
     <a:clrScheme name="Default">
       <a:dk1>
@@ -8352,5 +8600,7 @@
       </a:bgFillStyleLst>
     </a:fmtScheme>
   </a:themeElements>
+  <a:objectDefaults/>
+  <a:extraClrSchemeLst/>
 </a:theme>
 </file>
--- a/Project Proposal for Analytical Workflow, Fall 2022.pptx
+++ b/Project Proposal for Analytical Workflow, Fall 2022.pptx
@@ -5,7 +5,7 @@
     <p:sldMasterId id="2147483659" r:id="rId1"/>
   </p:sldMasterIdLst>
   <p:notesMasterIdLst>
-    <p:notesMasterId r:id="rId11"/>
+    <p:notesMasterId r:id="rId14"/>
   </p:notesMasterIdLst>
   <p:sldIdLst>
     <p:sldId id="256" r:id="rId2"/>
@@ -15,8 +15,11 @@
     <p:sldId id="260" r:id="rId6"/>
     <p:sldId id="261" r:id="rId7"/>
     <p:sldId id="262" r:id="rId8"/>
-    <p:sldId id="263" r:id="rId9"/>
-    <p:sldId id="264" r:id="rId10"/>
+    <p:sldId id="264" r:id="rId9"/>
+    <p:sldId id="263" r:id="rId10"/>
+    <p:sldId id="266" r:id="rId11"/>
+    <p:sldId id="267" r:id="rId12"/>
+    <p:sldId id="268" r:id="rId13"/>
   </p:sldIdLst>
   <p:sldSz cx="9144000" cy="5143500" type="screen16x9"/>
   <p:notesSz cx="6858000" cy="9144000"/>
@@ -842,7 +845,7 @@
         </p:nvSpPr>
         <p:spPr>
           <a:xfrm>
-            <a:off x="381300" y="685800"/>
+            <a:off x="381000" y="685800"/>
             <a:ext cx="6096000" cy="3429000"/>
           </a:xfrm>
           <a:custGeom>
@@ -1154,7 +1157,7 @@
         </p:nvSpPr>
         <p:spPr>
           <a:xfrm>
-            <a:off x="381300" y="685800"/>
+            <a:off x="381000" y="685800"/>
             <a:ext cx="6096000" cy="3429000"/>
           </a:xfrm>
           <a:custGeom>
@@ -1362,7 +1365,7 @@
         </p:nvSpPr>
         <p:spPr>
           <a:xfrm>
-            <a:off x="381300" y="685800"/>
+            <a:off x="381000" y="685800"/>
             <a:ext cx="6096000" cy="3429000"/>
           </a:xfrm>
           <a:custGeom>
@@ -1466,7 +1469,7 @@
         </p:nvSpPr>
         <p:spPr>
           <a:xfrm>
-            <a:off x="381300" y="685800"/>
+            <a:off x="381000" y="685800"/>
             <a:ext cx="6096000" cy="3429000"/>
           </a:xfrm>
           <a:custGeom>
@@ -6473,6 +6476,291 @@
 </p:sld>
 </file>
 
+<file path=ppt/slides/slide10.xml><?xml version="1.0" encoding="utf-8"?>
+<p:sld xmlns:a="http://schemas.openxmlformats.org/drawingml/2006/main" xmlns:r="http://schemas.openxmlformats.org/officeDocument/2006/relationships" xmlns:p="http://schemas.openxmlformats.org/presentationml/2006/main">
+  <p:cSld>
+    <p:spTree>
+      <p:nvGrpSpPr>
+        <p:cNvPr id="1" name=""/>
+        <p:cNvGrpSpPr/>
+        <p:nvPr/>
+      </p:nvGrpSpPr>
+      <p:grpSpPr>
+        <a:xfrm>
+          <a:off x="0" y="0"/>
+          <a:ext cx="0" cy="0"/>
+          <a:chOff x="0" y="0"/>
+          <a:chExt cx="0" cy="0"/>
+        </a:xfrm>
+      </p:grpSpPr>
+      <p:sp>
+        <p:nvSpPr>
+          <p:cNvPr id="2" name="Title 1">
+            <a:extLst>
+              <a:ext uri="{FF2B5EF4-FFF2-40B4-BE49-F238E27FC236}">
+                <a16:creationId xmlns:a16="http://schemas.microsoft.com/office/drawing/2014/main" id="{EFEDD688-27DF-D692-0E0D-AED3E5476ADB}"/>
+              </a:ext>
+            </a:extLst>
+          </p:cNvPr>
+          <p:cNvSpPr>
+            <a:spLocks noGrp="1"/>
+          </p:cNvSpPr>
+          <p:nvPr>
+            <p:ph type="title"/>
+          </p:nvPr>
+        </p:nvSpPr>
+        <p:spPr/>
+        <p:txBody>
+          <a:bodyPr>
+            <a:normAutofit fontScale="90000"/>
+          </a:bodyPr>
+          <a:lstStyle/>
+          <a:p>
+            <a:r>
+              <a:rPr lang="en-US" dirty="0"/>
+              <a:t>Success this quarter</a:t>
+            </a:r>
+          </a:p>
+        </p:txBody>
+      </p:sp>
+      <p:sp>
+        <p:nvSpPr>
+          <p:cNvPr id="3" name="Text Placeholder 2">
+            <a:extLst>
+              <a:ext uri="{FF2B5EF4-FFF2-40B4-BE49-F238E27FC236}">
+                <a16:creationId xmlns:a16="http://schemas.microsoft.com/office/drawing/2014/main" id="{203FD2DD-C994-602C-2DE5-A867307220FB}"/>
+              </a:ext>
+            </a:extLst>
+          </p:cNvPr>
+          <p:cNvSpPr>
+            <a:spLocks noGrp="1"/>
+          </p:cNvSpPr>
+          <p:nvPr>
+            <p:ph type="body" idx="1"/>
+          </p:nvPr>
+        </p:nvSpPr>
+        <p:spPr/>
+        <p:txBody>
+          <a:bodyPr/>
+          <a:lstStyle/>
+          <a:p>
+            <a:r>
+              <a:rPr lang="en-US" dirty="0"/>
+              <a:t>Recreate results and graphical outputs </a:t>
+            </a:r>
+          </a:p>
+          <a:p>
+            <a:r>
+              <a:rPr lang="en-US" dirty="0"/>
+              <a:t>Improve file organization</a:t>
+            </a:r>
+          </a:p>
+          <a:p>
+            <a:r>
+              <a:rPr lang="en-US" dirty="0"/>
+              <a:t>Streamlining data analysis</a:t>
+            </a:r>
+          </a:p>
+          <a:p>
+            <a:r>
+              <a:rPr lang="en-US" dirty="0"/>
+              <a:t>Creating reproducibility </a:t>
+            </a:r>
+          </a:p>
+          <a:p>
+            <a:r>
+              <a:rPr lang="en-US" dirty="0"/>
+              <a:t>Streamlining this process and make it reproducible</a:t>
+            </a:r>
+          </a:p>
+          <a:p>
+            <a:endParaRPr lang="en-US" dirty="0"/>
+          </a:p>
+        </p:txBody>
+      </p:sp>
+    </p:spTree>
+    <p:extLst>
+      <p:ext uri="{BB962C8B-B14F-4D97-AF65-F5344CB8AC3E}">
+        <p14:creationId xmlns:p14="http://schemas.microsoft.com/office/powerpoint/2010/main" val="3121009972"/>
+      </p:ext>
+    </p:extLst>
+  </p:cSld>
+  <p:clrMapOvr>
+    <a:masterClrMapping/>
+  </p:clrMapOvr>
+</p:sld>
+</file>
+
+<file path=ppt/slides/slide11.xml><?xml version="1.0" encoding="utf-8"?>
+<p:sld xmlns:a="http://schemas.openxmlformats.org/drawingml/2006/main" xmlns:r="http://schemas.openxmlformats.org/officeDocument/2006/relationships" xmlns:p="http://schemas.openxmlformats.org/presentationml/2006/main">
+  <p:cSld>
+    <p:spTree>
+      <p:nvGrpSpPr>
+        <p:cNvPr id="1" name=""/>
+        <p:cNvGrpSpPr/>
+        <p:nvPr/>
+      </p:nvGrpSpPr>
+      <p:grpSpPr>
+        <a:xfrm>
+          <a:off x="0" y="0"/>
+          <a:ext cx="0" cy="0"/>
+          <a:chOff x="0" y="0"/>
+          <a:chExt cx="0" cy="0"/>
+        </a:xfrm>
+      </p:grpSpPr>
+      <p:sp>
+        <p:nvSpPr>
+          <p:cNvPr id="2" name="Title 1">
+            <a:extLst>
+              <a:ext uri="{FF2B5EF4-FFF2-40B4-BE49-F238E27FC236}">
+                <a16:creationId xmlns:a16="http://schemas.microsoft.com/office/drawing/2014/main" id="{EFEDD688-27DF-D692-0E0D-AED3E5476ADB}"/>
+              </a:ext>
+            </a:extLst>
+          </p:cNvPr>
+          <p:cNvSpPr>
+            <a:spLocks noGrp="1"/>
+          </p:cNvSpPr>
+          <p:nvPr>
+            <p:ph type="title"/>
+          </p:nvPr>
+        </p:nvSpPr>
+        <p:spPr/>
+        <p:txBody>
+          <a:bodyPr>
+            <a:normAutofit fontScale="90000"/>
+          </a:bodyPr>
+          <a:lstStyle/>
+          <a:p>
+            <a:r>
+              <a:rPr lang="en-US" dirty="0"/>
+              <a:t>Scientific insights achieved</a:t>
+            </a:r>
+          </a:p>
+        </p:txBody>
+      </p:sp>
+      <p:sp>
+        <p:nvSpPr>
+          <p:cNvPr id="3" name="Text Placeholder 2">
+            <a:extLst>
+              <a:ext uri="{FF2B5EF4-FFF2-40B4-BE49-F238E27FC236}">
+                <a16:creationId xmlns:a16="http://schemas.microsoft.com/office/drawing/2014/main" id="{203FD2DD-C994-602C-2DE5-A867307220FB}"/>
+              </a:ext>
+            </a:extLst>
+          </p:cNvPr>
+          <p:cNvSpPr>
+            <a:spLocks noGrp="1"/>
+          </p:cNvSpPr>
+          <p:nvPr>
+            <p:ph type="body" idx="1"/>
+          </p:nvPr>
+        </p:nvSpPr>
+        <p:spPr/>
+        <p:txBody>
+          <a:bodyPr/>
+          <a:lstStyle/>
+          <a:p>
+            <a:endParaRPr lang="en-US"/>
+          </a:p>
+        </p:txBody>
+      </p:sp>
+    </p:spTree>
+    <p:extLst>
+      <p:ext uri="{BB962C8B-B14F-4D97-AF65-F5344CB8AC3E}">
+        <p14:creationId xmlns:p14="http://schemas.microsoft.com/office/powerpoint/2010/main" val="4052157631"/>
+      </p:ext>
+    </p:extLst>
+  </p:cSld>
+  <p:clrMapOvr>
+    <a:masterClrMapping/>
+  </p:clrMapOvr>
+</p:sld>
+</file>
+
+<file path=ppt/slides/slide12.xml><?xml version="1.0" encoding="utf-8"?>
+<p:sld xmlns:a="http://schemas.openxmlformats.org/drawingml/2006/main" xmlns:r="http://schemas.openxmlformats.org/officeDocument/2006/relationships" xmlns:p="http://schemas.openxmlformats.org/presentationml/2006/main">
+  <p:cSld>
+    <p:spTree>
+      <p:nvGrpSpPr>
+        <p:cNvPr id="1" name=""/>
+        <p:cNvGrpSpPr/>
+        <p:nvPr/>
+      </p:nvGrpSpPr>
+      <p:grpSpPr>
+        <a:xfrm>
+          <a:off x="0" y="0"/>
+          <a:ext cx="0" cy="0"/>
+          <a:chOff x="0" y="0"/>
+          <a:chExt cx="0" cy="0"/>
+        </a:xfrm>
+      </p:grpSpPr>
+      <p:sp>
+        <p:nvSpPr>
+          <p:cNvPr id="2" name="Title 1">
+            <a:extLst>
+              <a:ext uri="{FF2B5EF4-FFF2-40B4-BE49-F238E27FC236}">
+                <a16:creationId xmlns:a16="http://schemas.microsoft.com/office/drawing/2014/main" id="{EFEDD688-27DF-D692-0E0D-AED3E5476ADB}"/>
+              </a:ext>
+            </a:extLst>
+          </p:cNvPr>
+          <p:cNvSpPr>
+            <a:spLocks noGrp="1"/>
+          </p:cNvSpPr>
+          <p:nvPr>
+            <p:ph type="title"/>
+          </p:nvPr>
+        </p:nvSpPr>
+        <p:spPr/>
+        <p:txBody>
+          <a:bodyPr>
+            <a:normAutofit fontScale="90000"/>
+          </a:bodyPr>
+          <a:lstStyle/>
+          <a:p>
+            <a:r>
+              <a:rPr lang="en-US" dirty="0"/>
+              <a:t>Main sticking points and future plans</a:t>
+            </a:r>
+          </a:p>
+        </p:txBody>
+      </p:sp>
+      <p:sp>
+        <p:nvSpPr>
+          <p:cNvPr id="3" name="Text Placeholder 2">
+            <a:extLst>
+              <a:ext uri="{FF2B5EF4-FFF2-40B4-BE49-F238E27FC236}">
+                <a16:creationId xmlns:a16="http://schemas.microsoft.com/office/drawing/2014/main" id="{203FD2DD-C994-602C-2DE5-A867307220FB}"/>
+              </a:ext>
+            </a:extLst>
+          </p:cNvPr>
+          <p:cNvSpPr>
+            <a:spLocks noGrp="1"/>
+          </p:cNvSpPr>
+          <p:nvPr>
+            <p:ph type="body" idx="1"/>
+          </p:nvPr>
+        </p:nvSpPr>
+        <p:spPr/>
+        <p:txBody>
+          <a:bodyPr/>
+          <a:lstStyle/>
+          <a:p>
+            <a:endParaRPr lang="en-US"/>
+          </a:p>
+        </p:txBody>
+      </p:sp>
+    </p:spTree>
+    <p:extLst>
+      <p:ext uri="{BB962C8B-B14F-4D97-AF65-F5344CB8AC3E}">
+        <p14:creationId xmlns:p14="http://schemas.microsoft.com/office/powerpoint/2010/main" val="908885838"/>
+      </p:ext>
+    </p:extLst>
+  </p:cSld>
+  <p:clrMapOvr>
+    <a:masterClrMapping/>
+  </p:clrMapOvr>
+</p:sld>
+</file>
+
 <file path=ppt/slides/slide2.xml><?xml version="1.0" encoding="utf-8"?>
 <p:sld xmlns:a="http://schemas.openxmlformats.org/drawingml/2006/main" xmlns:r="http://schemas.openxmlformats.org/officeDocument/2006/relationships" xmlns:p="http://schemas.openxmlformats.org/presentationml/2006/main">
   <p:cSld>
@@ -6553,7 +6841,7 @@
         </p:spPr>
         <p:txBody>
           <a:bodyPr spcFirstLastPara="1" wrap="square" lIns="91425" tIns="91425" rIns="91425" bIns="91425" anchor="t" anchorCtr="0">
-            <a:normAutofit fontScale="85000" lnSpcReduction="10000"/>
+            <a:normAutofit fontScale="85000" lnSpcReduction="20000"/>
           </a:bodyPr>
           <a:lstStyle/>
           <a:p>
@@ -6568,10 +6856,10 @@
               <a:buChar char="●"/>
             </a:pPr>
             <a:r>
-              <a:rPr lang="en" sz="2225"/>
+              <a:rPr lang="en" sz="2225" dirty="0"/>
               <a:t>No experience for data organization or project management</a:t>
             </a:r>
-            <a:endParaRPr sz="2225"/>
+            <a:endParaRPr sz="2225" dirty="0"/>
           </a:p>
           <a:p>
             <a:pPr marL="457200" lvl="0" indent="-348735" algn="l" rtl="0">
@@ -6585,10 +6873,10 @@
               <a:buChar char="●"/>
             </a:pPr>
             <a:r>
-              <a:rPr lang="en" sz="2225"/>
+              <a:rPr lang="en" sz="2225" dirty="0"/>
               <a:t>Never worked with a large data set beyond some analysis on R </a:t>
             </a:r>
-            <a:endParaRPr sz="2225"/>
+            <a:endParaRPr sz="2225" dirty="0"/>
           </a:p>
           <a:p>
             <a:pPr marL="457200" lvl="0" indent="-348735" algn="l" rtl="0">
@@ -6602,10 +6890,10 @@
               <a:buChar char="●"/>
             </a:pPr>
             <a:r>
-              <a:rPr lang="en" sz="2225"/>
+              <a:rPr lang="en" sz="2225" dirty="0"/>
               <a:t>Reason for taking this course:</a:t>
             </a:r>
-            <a:endParaRPr sz="2225"/>
+            <a:endParaRPr sz="2225" dirty="0"/>
           </a:p>
           <a:p>
             <a:pPr marL="914400" lvl="1" indent="-327145" algn="l" rtl="0">
@@ -6619,10 +6907,10 @@
               <a:buChar char="○"/>
             </a:pPr>
             <a:r>
-              <a:rPr lang="en" sz="1825"/>
+              <a:rPr lang="en" sz="1825" dirty="0"/>
               <a:t>Familiarize myself with data organization</a:t>
             </a:r>
-            <a:endParaRPr sz="1825"/>
+            <a:endParaRPr sz="1825" dirty="0"/>
           </a:p>
           <a:p>
             <a:pPr marL="914400" lvl="1" indent="-327145" algn="l" rtl="0">
@@ -6636,10 +6924,10 @@
               <a:buChar char="○"/>
             </a:pPr>
             <a:r>
-              <a:rPr lang="en" sz="1825"/>
+              <a:rPr lang="en" sz="1825" dirty="0"/>
               <a:t>Learn best practices in project management especially when collaborating with other</a:t>
             </a:r>
-            <a:endParaRPr sz="1825"/>
+            <a:endParaRPr sz="1825" dirty="0"/>
           </a:p>
           <a:p>
             <a:pPr marL="914400" lvl="1" indent="-327145" algn="l" rtl="0">
@@ -6653,10 +6941,10 @@
               <a:buChar char="○"/>
             </a:pPr>
             <a:r>
-              <a:rPr lang="en" sz="1825"/>
+              <a:rPr lang="en" sz="1825" dirty="0"/>
               <a:t>Create an efficient and reproducible workflow from my data set</a:t>
             </a:r>
-            <a:endParaRPr/>
+            <a:endParaRPr dirty="0"/>
           </a:p>
         </p:txBody>
       </p:sp>
@@ -6676,7 +6964,7 @@
         </p:blipFill>
         <p:spPr>
           <a:xfrm>
-            <a:off x="4649225" y="1017475"/>
+            <a:off x="4649225" y="1017480"/>
             <a:ext cx="4267201" cy="3108539"/>
           </a:xfrm>
           <a:prstGeom prst="rect">
@@ -7661,7 +7949,7 @@
         </p:spPr>
         <p:txBody>
           <a:bodyPr spcFirstLastPara="1" wrap="square" lIns="91425" tIns="91425" rIns="91425" bIns="91425" anchor="t" anchorCtr="0">
-            <a:normAutofit fontScale="92500" lnSpcReduction="20000"/>
+            <a:normAutofit fontScale="85000" lnSpcReduction="20000"/>
           </a:bodyPr>
           <a:lstStyle/>
           <a:p>
@@ -7675,10 +7963,10 @@
               <a:buNone/>
             </a:pPr>
             <a:r>
-              <a:rPr lang="en" sz="2300"/>
+              <a:rPr lang="en" sz="2300" dirty="0"/>
               <a:t>Data visualization</a:t>
             </a:r>
-            <a:endParaRPr sz="2300"/>
+            <a:endParaRPr sz="2300" dirty="0"/>
           </a:p>
           <a:p>
             <a:pPr marL="0" lvl="0" indent="0" algn="l" rtl="0">
@@ -7691,10 +7979,10 @@
               <a:buNone/>
             </a:pPr>
             <a:r>
-              <a:rPr lang="en" sz="2300"/>
+              <a:rPr lang="en" sz="2300" dirty="0"/>
               <a:t>Linear modeling</a:t>
             </a:r>
-            <a:endParaRPr sz="2300"/>
+            <a:endParaRPr sz="2300" dirty="0"/>
           </a:p>
           <a:p>
             <a:pPr marL="0" lvl="0" indent="0" algn="l" rtl="0">
@@ -7707,10 +7995,10 @@
               <a:buNone/>
             </a:pPr>
             <a:r>
-              <a:rPr lang="en" sz="2300"/>
+              <a:rPr lang="en" sz="2300" dirty="0"/>
               <a:t>Hypothesis testing for effects of treatments</a:t>
             </a:r>
-            <a:endParaRPr sz="2300"/>
+            <a:endParaRPr sz="2300" dirty="0"/>
           </a:p>
           <a:p>
             <a:pPr marL="0" lvl="0" indent="0" algn="l" rtl="0">
@@ -7723,10 +8011,10 @@
               <a:buNone/>
             </a:pPr>
             <a:r>
-              <a:rPr lang="en" sz="2300"/>
+              <a:rPr lang="en" sz="2300" dirty="0"/>
               <a:t>Analysis of variance </a:t>
             </a:r>
-            <a:endParaRPr sz="2300"/>
+            <a:endParaRPr sz="2300" dirty="0"/>
           </a:p>
           <a:p>
             <a:pPr marL="0" lvl="0" indent="0" algn="l" rtl="0">
@@ -7739,10 +8027,10 @@
               <a:buNone/>
             </a:pPr>
             <a:r>
-              <a:rPr lang="en" sz="2300"/>
+              <a:rPr lang="en" sz="2300" dirty="0"/>
               <a:t>Mixed effect modeling</a:t>
             </a:r>
-            <a:endParaRPr sz="2300"/>
+            <a:endParaRPr sz="2300" dirty="0"/>
           </a:p>
           <a:p>
             <a:pPr marL="457200" lvl="0" indent="0" algn="l" rtl="0">
@@ -7755,10 +8043,10 @@
               <a:buNone/>
             </a:pPr>
             <a:r>
-              <a:rPr lang="en" sz="2300"/>
+              <a:rPr lang="en" sz="2300" dirty="0"/>
               <a:t>Streamlining this process and make it reproducible</a:t>
             </a:r>
-            <a:endParaRPr sz="2300"/>
+            <a:endParaRPr sz="2300" dirty="0"/>
           </a:p>
         </p:txBody>
       </p:sp>
@@ -7803,171 +8091,6 @@
   <p:cSld>
     <p:spTree>
       <p:nvGrpSpPr>
-        <p:cNvPr id="1" name="Shape 111"/>
-        <p:cNvGrpSpPr/>
-        <p:nvPr/>
-      </p:nvGrpSpPr>
-      <p:grpSpPr>
-        <a:xfrm>
-          <a:off x="0" y="0"/>
-          <a:ext cx="0" cy="0"/>
-          <a:chOff x="0" y="0"/>
-          <a:chExt cx="0" cy="0"/>
-        </a:xfrm>
-      </p:grpSpPr>
-      <p:sp>
-        <p:nvSpPr>
-          <p:cNvPr id="112" name="Google Shape;112;p20"/>
-          <p:cNvSpPr txBox="1">
-            <a:spLocks noGrp="1"/>
-          </p:cNvSpPr>
-          <p:nvPr>
-            <p:ph type="body" idx="1"/>
-          </p:nvPr>
-        </p:nvSpPr>
-        <p:spPr>
-          <a:xfrm>
-            <a:off x="311700" y="1152475"/>
-            <a:ext cx="6287700" cy="3416400"/>
-          </a:xfrm>
-          <a:prstGeom prst="rect">
-            <a:avLst/>
-          </a:prstGeom>
-        </p:spPr>
-        <p:txBody>
-          <a:bodyPr spcFirstLastPara="1" wrap="square" lIns="91425" tIns="91425" rIns="91425" bIns="91425" anchor="t" anchorCtr="0">
-            <a:normAutofit/>
-          </a:bodyPr>
-          <a:lstStyle/>
-          <a:p>
-            <a:pPr marL="457200" lvl="0" indent="-393700" algn="l" rtl="0">
-              <a:spcBef>
-                <a:spcPts val="0"/>
-              </a:spcBef>
-              <a:spcAft>
-                <a:spcPts val="0"/>
-              </a:spcAft>
-              <a:buSzPts val="2600"/>
-              <a:buChar char="-"/>
-            </a:pPr>
-            <a:r>
-              <a:rPr lang="en" sz="2600"/>
-              <a:t>Knowing where to start</a:t>
-            </a:r>
-            <a:endParaRPr sz="2600"/>
-          </a:p>
-          <a:p>
-            <a:pPr marL="457200" lvl="0" indent="-393700" algn="l" rtl="0">
-              <a:spcBef>
-                <a:spcPts val="0"/>
-              </a:spcBef>
-              <a:spcAft>
-                <a:spcPts val="0"/>
-              </a:spcAft>
-              <a:buSzPts val="2600"/>
-              <a:buChar char="-"/>
-            </a:pPr>
-            <a:r>
-              <a:rPr lang="en" sz="2600"/>
-              <a:t>How to use GitHub?</a:t>
-            </a:r>
-            <a:endParaRPr sz="2600"/>
-          </a:p>
-          <a:p>
-            <a:pPr marL="457200" lvl="0" indent="-393700" algn="l" rtl="0">
-              <a:spcBef>
-                <a:spcPts val="0"/>
-              </a:spcBef>
-              <a:spcAft>
-                <a:spcPts val="0"/>
-              </a:spcAft>
-              <a:buSzPts val="2600"/>
-              <a:buChar char="-"/>
-            </a:pPr>
-            <a:r>
-              <a:rPr lang="en" sz="2600"/>
-              <a:t>Breaking bad habits</a:t>
-            </a:r>
-            <a:endParaRPr sz="2600"/>
-          </a:p>
-          <a:p>
-            <a:pPr marL="457200" lvl="0" indent="-393700" algn="l" rtl="0">
-              <a:spcBef>
-                <a:spcPts val="0"/>
-              </a:spcBef>
-              <a:spcAft>
-                <a:spcPts val="0"/>
-              </a:spcAft>
-              <a:buSzPts val="2600"/>
-              <a:buChar char="-"/>
-            </a:pPr>
-            <a:r>
-              <a:rPr lang="en" sz="2600"/>
-              <a:t>Storage on my computer!</a:t>
-            </a:r>
-            <a:endParaRPr sz="2300"/>
-          </a:p>
-        </p:txBody>
-      </p:sp>
-      <p:sp>
-        <p:nvSpPr>
-          <p:cNvPr id="113" name="Google Shape;113;p20"/>
-          <p:cNvSpPr txBox="1">
-            <a:spLocks noGrp="1"/>
-          </p:cNvSpPr>
-          <p:nvPr>
-            <p:ph type="title"/>
-          </p:nvPr>
-        </p:nvSpPr>
-        <p:spPr>
-          <a:xfrm>
-            <a:off x="311700" y="445025"/>
-            <a:ext cx="8520600" cy="572700"/>
-          </a:xfrm>
-          <a:prstGeom prst="rect">
-            <a:avLst/>
-          </a:prstGeom>
-        </p:spPr>
-        <p:txBody>
-          <a:bodyPr spcFirstLastPara="1" wrap="square" lIns="91425" tIns="91425" rIns="91425" bIns="91425" anchor="t" anchorCtr="0">
-            <a:normAutofit fontScale="90000"/>
-          </a:bodyPr>
-          <a:lstStyle/>
-          <a:p>
-            <a:pPr marL="0" lvl="0" indent="0" algn="l" rtl="0">
-              <a:spcBef>
-                <a:spcPts val="0"/>
-              </a:spcBef>
-              <a:spcAft>
-                <a:spcPts val="0"/>
-              </a:spcAft>
-              <a:buNone/>
-            </a:pPr>
-            <a:r>
-              <a:rPr lang="en"/>
-              <a:t>Challenges</a:t>
-            </a:r>
-            <a:endParaRPr sz="1800">
-              <a:solidFill>
-                <a:schemeClr val="dk2"/>
-              </a:solidFill>
-            </a:endParaRPr>
-          </a:p>
-        </p:txBody>
-      </p:sp>
-    </p:spTree>
-  </p:cSld>
-  <p:clrMapOvr>
-    <a:masterClrMapping/>
-  </p:clrMapOvr>
-</p:sld>
-</file>
-
-<file path=ppt/slides/slide9.xml><?xml version="1.0" encoding="utf-8"?>
-<p:sld xmlns:a="http://schemas.openxmlformats.org/drawingml/2006/main" xmlns:r="http://schemas.openxmlformats.org/officeDocument/2006/relationships" xmlns:p="http://schemas.openxmlformats.org/presentationml/2006/main">
-  <p:cSld>
-    <p:spTree>
-      <p:nvGrpSpPr>
         <p:cNvPr id="1" name=""/>
         <p:cNvGrpSpPr/>
         <p:nvPr/>
@@ -7998,10 +8121,15 @@
         </p:nvSpPr>
         <p:spPr/>
         <p:txBody>
-          <a:bodyPr/>
+          <a:bodyPr>
+            <a:normAutofit fontScale="90000"/>
+          </a:bodyPr>
           <a:lstStyle/>
           <a:p>
-            <a:endParaRPr lang="en-US"/>
+            <a:r>
+              <a:rPr lang="en-US" dirty="0"/>
+              <a:t>Goals for this quarter</a:t>
+            </a:r>
           </a:p>
         </p:txBody>
       </p:sp>
@@ -8021,21 +8149,293 @@
             <p:ph type="body" idx="1"/>
           </p:nvPr>
         </p:nvSpPr>
-        <p:spPr/>
+        <p:spPr>
+          <a:xfrm>
+            <a:off x="311701" y="1152475"/>
+            <a:ext cx="5322482" cy="3416400"/>
+          </a:xfrm>
+        </p:spPr>
         <p:txBody>
-          <a:bodyPr/>
+          <a:bodyPr>
+            <a:normAutofit/>
+          </a:bodyPr>
           <a:lstStyle/>
           <a:p>
-            <a:endParaRPr lang="en-US"/>
+            <a:r>
+              <a:rPr lang="en-US" sz="2400" dirty="0"/>
+              <a:t>Learning to use GitHub</a:t>
+            </a:r>
+          </a:p>
+          <a:p>
+            <a:r>
+              <a:rPr lang="en-US" sz="2400" dirty="0"/>
+              <a:t>Improve file management and organization</a:t>
+            </a:r>
+          </a:p>
+          <a:p>
+            <a:r>
+              <a:rPr lang="en-US" sz="2400" dirty="0"/>
+              <a:t>Streamlining data analysis</a:t>
+            </a:r>
+          </a:p>
+          <a:p>
+            <a:r>
+              <a:rPr lang="en-US" sz="2400" dirty="0"/>
+              <a:t>Creating reproducible data for collaboration</a:t>
+            </a:r>
+          </a:p>
+          <a:p>
+            <a:endParaRPr lang="en-US" dirty="0"/>
           </a:p>
         </p:txBody>
       </p:sp>
+      <p:pic>
+        <p:nvPicPr>
+          <p:cNvPr id="5" name="Google Shape;93;p17">
+            <a:extLst>
+              <a:ext uri="{FF2B5EF4-FFF2-40B4-BE49-F238E27FC236}">
+                <a16:creationId xmlns:a16="http://schemas.microsoft.com/office/drawing/2014/main" id="{D7C5779C-BF01-7507-5F37-6268C3AFFCAE}"/>
+              </a:ext>
+            </a:extLst>
+          </p:cNvPr>
+          <p:cNvPicPr preferRelativeResize="0"/>
+          <p:nvPr/>
+        </p:nvPicPr>
+        <p:blipFill>
+          <a:blip r:embed="rId2">
+            <a:alphaModFix/>
+          </a:blip>
+          <a:stretch>
+            <a:fillRect/>
+          </a:stretch>
+        </p:blipFill>
+        <p:spPr>
+          <a:xfrm>
+            <a:off x="5288878" y="0"/>
+            <a:ext cx="3855122" cy="3629891"/>
+          </a:xfrm>
+          <a:prstGeom prst="rect">
+            <a:avLst/>
+          </a:prstGeom>
+          <a:noFill/>
+          <a:ln>
+            <a:noFill/>
+          </a:ln>
+        </p:spPr>
+      </p:pic>
     </p:spTree>
     <p:extLst>
       <p:ext uri="{BB962C8B-B14F-4D97-AF65-F5344CB8AC3E}">
         <p14:creationId xmlns:p14="http://schemas.microsoft.com/office/powerpoint/2010/main" val="648687589"/>
       </p:ext>
     </p:extLst>
+  </p:cSld>
+  <p:clrMapOvr>
+    <a:masterClrMapping/>
+  </p:clrMapOvr>
+</p:sld>
+</file>
+
+<file path=ppt/slides/slide9.xml><?xml version="1.0" encoding="utf-8"?>
+<p:sld xmlns:a="http://schemas.openxmlformats.org/drawingml/2006/main" xmlns:r="http://schemas.openxmlformats.org/officeDocument/2006/relationships" xmlns:p="http://schemas.openxmlformats.org/presentationml/2006/main">
+  <p:cSld>
+    <p:spTree>
+      <p:nvGrpSpPr>
+        <p:cNvPr id="1" name="Shape 111"/>
+        <p:cNvGrpSpPr/>
+        <p:nvPr/>
+      </p:nvGrpSpPr>
+      <p:grpSpPr>
+        <a:xfrm>
+          <a:off x="0" y="0"/>
+          <a:ext cx="0" cy="0"/>
+          <a:chOff x="0" y="0"/>
+          <a:chExt cx="0" cy="0"/>
+        </a:xfrm>
+      </p:grpSpPr>
+      <p:sp>
+        <p:nvSpPr>
+          <p:cNvPr id="112" name="Google Shape;112;p20"/>
+          <p:cNvSpPr txBox="1">
+            <a:spLocks noGrp="1"/>
+          </p:cNvSpPr>
+          <p:nvPr>
+            <p:ph type="body" idx="1"/>
+          </p:nvPr>
+        </p:nvSpPr>
+        <p:spPr>
+          <a:xfrm>
+            <a:off x="311700" y="1152475"/>
+            <a:ext cx="4823718" cy="3416400"/>
+          </a:xfrm>
+          <a:prstGeom prst="rect">
+            <a:avLst/>
+          </a:prstGeom>
+        </p:spPr>
+        <p:txBody>
+          <a:bodyPr spcFirstLastPara="1" wrap="square" lIns="91425" tIns="91425" rIns="91425" bIns="91425" anchor="t" anchorCtr="0">
+            <a:normAutofit fontScale="92500"/>
+          </a:bodyPr>
+          <a:lstStyle/>
+          <a:p>
+            <a:pPr marL="457200" lvl="0" indent="-393700" algn="l" rtl="0">
+              <a:spcBef>
+                <a:spcPts val="0"/>
+              </a:spcBef>
+              <a:spcAft>
+                <a:spcPts val="0"/>
+              </a:spcAft>
+              <a:buSzPts val="2600"/>
+              <a:buChar char="-"/>
+            </a:pPr>
+            <a:r>
+              <a:rPr lang="en-US" sz="2600" dirty="0"/>
+              <a:t>Computer issues - Encoding issue with </a:t>
+            </a:r>
+            <a:r>
+              <a:rPr lang="en-US" sz="2600" dirty="0" err="1"/>
+              <a:t>Rstudio</a:t>
+            </a:r>
+            <a:r>
+              <a:rPr lang="en-US" sz="2600" dirty="0"/>
+              <a:t> basically erased all my codes and work from the summer</a:t>
+            </a:r>
+          </a:p>
+          <a:p>
+            <a:pPr lvl="1" indent="-393700">
+              <a:buSzPts val="2600"/>
+              <a:buChar char="-"/>
+            </a:pPr>
+            <a:r>
+              <a:rPr lang="en-US" sz="2200" dirty="0"/>
+              <a:t>Important argument for GitHub for version control</a:t>
+            </a:r>
+          </a:p>
+          <a:p>
+            <a:pPr marL="457200" lvl="0" indent="-393700" algn="l" rtl="0">
+              <a:spcBef>
+                <a:spcPts val="0"/>
+              </a:spcBef>
+              <a:spcAft>
+                <a:spcPts val="0"/>
+              </a:spcAft>
+              <a:buSzPts val="2600"/>
+              <a:buChar char="-"/>
+            </a:pPr>
+            <a:r>
+              <a:rPr lang="en-US" sz="2600" dirty="0"/>
+              <a:t>Missing about a couple weeks of class because of travel</a:t>
+            </a:r>
+          </a:p>
+          <a:p>
+            <a:pPr marL="457200" lvl="0" indent="-393700" algn="l" rtl="0">
+              <a:spcBef>
+                <a:spcPts val="0"/>
+              </a:spcBef>
+              <a:spcAft>
+                <a:spcPts val="0"/>
+              </a:spcAft>
+              <a:buSzPts val="2600"/>
+              <a:buChar char="-"/>
+            </a:pPr>
+            <a:endParaRPr sz="2600" dirty="0"/>
+          </a:p>
+        </p:txBody>
+      </p:sp>
+      <p:sp>
+        <p:nvSpPr>
+          <p:cNvPr id="113" name="Google Shape;113;p20"/>
+          <p:cNvSpPr txBox="1">
+            <a:spLocks noGrp="1"/>
+          </p:cNvSpPr>
+          <p:nvPr>
+            <p:ph type="title"/>
+          </p:nvPr>
+        </p:nvSpPr>
+        <p:spPr>
+          <a:xfrm>
+            <a:off x="311700" y="445025"/>
+            <a:ext cx="8520600" cy="572700"/>
+          </a:xfrm>
+          <a:prstGeom prst="rect">
+            <a:avLst/>
+          </a:prstGeom>
+        </p:spPr>
+        <p:txBody>
+          <a:bodyPr spcFirstLastPara="1" wrap="square" lIns="91425" tIns="91425" rIns="91425" bIns="91425" anchor="t" anchorCtr="0">
+            <a:normAutofit fontScale="90000"/>
+          </a:bodyPr>
+          <a:lstStyle/>
+          <a:p>
+            <a:pPr marL="0" lvl="0" indent="0" algn="l" rtl="0">
+              <a:spcBef>
+                <a:spcPts val="0"/>
+              </a:spcBef>
+              <a:spcAft>
+                <a:spcPts val="0"/>
+              </a:spcAft>
+              <a:buNone/>
+            </a:pPr>
+            <a:r>
+              <a:rPr lang="en" dirty="0"/>
+              <a:t>Challenges</a:t>
+            </a:r>
+            <a:endParaRPr sz="1800" dirty="0">
+              <a:solidFill>
+                <a:schemeClr val="dk2"/>
+              </a:solidFill>
+            </a:endParaRPr>
+          </a:p>
+        </p:txBody>
+      </p:sp>
+      <p:pic>
+        <p:nvPicPr>
+          <p:cNvPr id="1026" name="Picture 2" descr="Two Buttons Meme - Imgflip">
+            <a:extLst>
+              <a:ext uri="{FF2B5EF4-FFF2-40B4-BE49-F238E27FC236}">
+                <a16:creationId xmlns:a16="http://schemas.microsoft.com/office/drawing/2014/main" id="{CFE870B6-B7EE-9616-FD89-2BF0FE5176D3}"/>
+              </a:ext>
+            </a:extLst>
+          </p:cNvPr>
+          <p:cNvPicPr>
+            <a:picLocks noChangeAspect="1" noChangeArrowheads="1"/>
+          </p:cNvPicPr>
+          <p:nvPr/>
+        </p:nvPicPr>
+        <p:blipFill>
+          <a:blip r:embed="rId3">
+            <a:extLst>
+              <a:ext uri="{28A0092B-C50C-407E-A947-70E740481C1C}">
+                <a14:useLocalDpi xmlns:a14="http://schemas.microsoft.com/office/drawing/2010/main" val="0"/>
+              </a:ext>
+            </a:extLst>
+          </a:blip>
+          <a:srcRect/>
+          <a:stretch>
+            <a:fillRect/>
+          </a:stretch>
+        </p:blipFill>
+        <p:spPr bwMode="auto">
+          <a:xfrm>
+            <a:off x="5741987" y="0"/>
+            <a:ext cx="3402013" cy="5143500"/>
+          </a:xfrm>
+          <a:prstGeom prst="rect">
+            <a:avLst/>
+          </a:prstGeom>
+          <a:noFill/>
+          <a:extLst>
+            <a:ext uri="{909E8E84-426E-40DD-AFC4-6F175D3DCCD1}">
+              <a14:hiddenFill xmlns:a14="http://schemas.microsoft.com/office/drawing/2010/main">
+                <a:solidFill>
+                  <a:srgbClr val="FFFFFF"/>
+                </a:solidFill>
+              </a14:hiddenFill>
+            </a:ext>
+          </a:extLst>
+        </p:spPr>
+      </p:pic>
+    </p:spTree>
   </p:cSld>
   <p:clrMapOvr>
     <a:masterClrMapping/>

--- a/Project Proposal for Analytical Workflow, Fall 2022.pptx
+++ b/Project Proposal for Analytical Workflow, Fall 2022.pptx
@@ -5,7 +5,7 @@
     <p:sldMasterId id="2147483659" r:id="rId1"/>
   </p:sldMasterIdLst>
   <p:notesMasterIdLst>
-    <p:notesMasterId r:id="rId14"/>
+    <p:notesMasterId r:id="rId11"/>
   </p:notesMasterIdLst>
   <p:sldIdLst>
     <p:sldId id="256" r:id="rId2"/>
@@ -17,9 +17,6 @@
     <p:sldId id="262" r:id="rId8"/>
     <p:sldId id="264" r:id="rId9"/>
     <p:sldId id="263" r:id="rId10"/>
-    <p:sldId id="266" r:id="rId11"/>
-    <p:sldId id="267" r:id="rId12"/>
-    <p:sldId id="268" r:id="rId13"/>
   </p:sldIdLst>
   <p:sldSz cx="9144000" cy="5143500" type="screen16x9"/>
   <p:notesSz cx="6858000" cy="9144000"/>
@@ -6476,291 +6473,6 @@
 </p:sld>
 </file>
 
-<file path=ppt/slides/slide10.xml><?xml version="1.0" encoding="utf-8"?>
-<p:sld xmlns:a="http://schemas.openxmlformats.org/drawingml/2006/main" xmlns:r="http://schemas.openxmlformats.org/officeDocument/2006/relationships" xmlns:p="http://schemas.openxmlformats.org/presentationml/2006/main">
-  <p:cSld>
-    <p:spTree>
-      <p:nvGrpSpPr>
-        <p:cNvPr id="1" name=""/>
-        <p:cNvGrpSpPr/>
-        <p:nvPr/>
-      </p:nvGrpSpPr>
-      <p:grpSpPr>
-        <a:xfrm>
-          <a:off x="0" y="0"/>
-          <a:ext cx="0" cy="0"/>
-          <a:chOff x="0" y="0"/>
-          <a:chExt cx="0" cy="0"/>
-        </a:xfrm>
-      </p:grpSpPr>
-      <p:sp>
-        <p:nvSpPr>
-          <p:cNvPr id="2" name="Title 1">
-            <a:extLst>
-              <a:ext uri="{FF2B5EF4-FFF2-40B4-BE49-F238E27FC236}">
-                <a16:creationId xmlns:a16="http://schemas.microsoft.com/office/drawing/2014/main" id="{EFEDD688-27DF-D692-0E0D-AED3E5476ADB}"/>
-              </a:ext>
-            </a:extLst>
-          </p:cNvPr>
-          <p:cNvSpPr>
-            <a:spLocks noGrp="1"/>
-          </p:cNvSpPr>
-          <p:nvPr>
-            <p:ph type="title"/>
-          </p:nvPr>
-        </p:nvSpPr>
-        <p:spPr/>
-        <p:txBody>
-          <a:bodyPr>
-            <a:normAutofit fontScale="90000"/>
-          </a:bodyPr>
-          <a:lstStyle/>
-          <a:p>
-            <a:r>
-              <a:rPr lang="en-US" dirty="0"/>
-              <a:t>Success this quarter</a:t>
-            </a:r>
-          </a:p>
-        </p:txBody>
-      </p:sp>
-      <p:sp>
-        <p:nvSpPr>
-          <p:cNvPr id="3" name="Text Placeholder 2">
-            <a:extLst>
-              <a:ext uri="{FF2B5EF4-FFF2-40B4-BE49-F238E27FC236}">
-                <a16:creationId xmlns:a16="http://schemas.microsoft.com/office/drawing/2014/main" id="{203FD2DD-C994-602C-2DE5-A867307220FB}"/>
-              </a:ext>
-            </a:extLst>
-          </p:cNvPr>
-          <p:cNvSpPr>
-            <a:spLocks noGrp="1"/>
-          </p:cNvSpPr>
-          <p:nvPr>
-            <p:ph type="body" idx="1"/>
-          </p:nvPr>
-        </p:nvSpPr>
-        <p:spPr/>
-        <p:txBody>
-          <a:bodyPr/>
-          <a:lstStyle/>
-          <a:p>
-            <a:r>
-              <a:rPr lang="en-US" dirty="0"/>
-              <a:t>Recreate results and graphical outputs </a:t>
-            </a:r>
-          </a:p>
-          <a:p>
-            <a:r>
-              <a:rPr lang="en-US" dirty="0"/>
-              <a:t>Improve file organization</a:t>
-            </a:r>
-          </a:p>
-          <a:p>
-            <a:r>
-              <a:rPr lang="en-US" dirty="0"/>
-              <a:t>Streamlining data analysis</a:t>
-            </a:r>
-          </a:p>
-          <a:p>
-            <a:r>
-              <a:rPr lang="en-US" dirty="0"/>
-              <a:t>Creating reproducibility </a:t>
-            </a:r>
-          </a:p>
-          <a:p>
-            <a:r>
-              <a:rPr lang="en-US" dirty="0"/>
-              <a:t>Streamlining this process and make it reproducible</a:t>
-            </a:r>
-          </a:p>
-          <a:p>
-            <a:endParaRPr lang="en-US" dirty="0"/>
-          </a:p>
-        </p:txBody>
-      </p:sp>
-    </p:spTree>
-    <p:extLst>
-      <p:ext uri="{BB962C8B-B14F-4D97-AF65-F5344CB8AC3E}">
-        <p14:creationId xmlns:p14="http://schemas.microsoft.com/office/powerpoint/2010/main" val="3121009972"/>
-      </p:ext>
-    </p:extLst>
-  </p:cSld>
-  <p:clrMapOvr>
-    <a:masterClrMapping/>
-  </p:clrMapOvr>
-</p:sld>
-</file>
-
-<file path=ppt/slides/slide11.xml><?xml version="1.0" encoding="utf-8"?>
-<p:sld xmlns:a="http://schemas.openxmlformats.org/drawingml/2006/main" xmlns:r="http://schemas.openxmlformats.org/officeDocument/2006/relationships" xmlns:p="http://schemas.openxmlformats.org/presentationml/2006/main">
-  <p:cSld>
-    <p:spTree>
-      <p:nvGrpSpPr>
-        <p:cNvPr id="1" name=""/>
-        <p:cNvGrpSpPr/>
-        <p:nvPr/>
-      </p:nvGrpSpPr>
-      <p:grpSpPr>
-        <a:xfrm>
-          <a:off x="0" y="0"/>
-          <a:ext cx="0" cy="0"/>
-          <a:chOff x="0" y="0"/>
-          <a:chExt cx="0" cy="0"/>
-        </a:xfrm>
-      </p:grpSpPr>
-      <p:sp>
-        <p:nvSpPr>
-          <p:cNvPr id="2" name="Title 1">
-            <a:extLst>
-              <a:ext uri="{FF2B5EF4-FFF2-40B4-BE49-F238E27FC236}">
-                <a16:creationId xmlns:a16="http://schemas.microsoft.com/office/drawing/2014/main" id="{EFEDD688-27DF-D692-0E0D-AED3E5476ADB}"/>
-              </a:ext>
-            </a:extLst>
-          </p:cNvPr>
-          <p:cNvSpPr>
-            <a:spLocks noGrp="1"/>
-          </p:cNvSpPr>
-          <p:nvPr>
-            <p:ph type="title"/>
-          </p:nvPr>
-        </p:nvSpPr>
-        <p:spPr/>
-        <p:txBody>
-          <a:bodyPr>
-            <a:normAutofit fontScale="90000"/>
-          </a:bodyPr>
-          <a:lstStyle/>
-          <a:p>
-            <a:r>
-              <a:rPr lang="en-US" dirty="0"/>
-              <a:t>Scientific insights achieved</a:t>
-            </a:r>
-          </a:p>
-        </p:txBody>
-      </p:sp>
-      <p:sp>
-        <p:nvSpPr>
-          <p:cNvPr id="3" name="Text Placeholder 2">
-            <a:extLst>
-              <a:ext uri="{FF2B5EF4-FFF2-40B4-BE49-F238E27FC236}">
-                <a16:creationId xmlns:a16="http://schemas.microsoft.com/office/drawing/2014/main" id="{203FD2DD-C994-602C-2DE5-A867307220FB}"/>
-              </a:ext>
-            </a:extLst>
-          </p:cNvPr>
-          <p:cNvSpPr>
-            <a:spLocks noGrp="1"/>
-          </p:cNvSpPr>
-          <p:nvPr>
-            <p:ph type="body" idx="1"/>
-          </p:nvPr>
-        </p:nvSpPr>
-        <p:spPr/>
-        <p:txBody>
-          <a:bodyPr/>
-          <a:lstStyle/>
-          <a:p>
-            <a:endParaRPr lang="en-US"/>
-          </a:p>
-        </p:txBody>
-      </p:sp>
-    </p:spTree>
-    <p:extLst>
-      <p:ext uri="{BB962C8B-B14F-4D97-AF65-F5344CB8AC3E}">
-        <p14:creationId xmlns:p14="http://schemas.microsoft.com/office/powerpoint/2010/main" val="4052157631"/>
-      </p:ext>
-    </p:extLst>
-  </p:cSld>
-  <p:clrMapOvr>
-    <a:masterClrMapping/>
-  </p:clrMapOvr>
-</p:sld>
-</file>
-
-<file path=ppt/slides/slide12.xml><?xml version="1.0" encoding="utf-8"?>
-<p:sld xmlns:a="http://schemas.openxmlformats.org/drawingml/2006/main" xmlns:r="http://schemas.openxmlformats.org/officeDocument/2006/relationships" xmlns:p="http://schemas.openxmlformats.org/presentationml/2006/main">
-  <p:cSld>
-    <p:spTree>
-      <p:nvGrpSpPr>
-        <p:cNvPr id="1" name=""/>
-        <p:cNvGrpSpPr/>
-        <p:nvPr/>
-      </p:nvGrpSpPr>
-      <p:grpSpPr>
-        <a:xfrm>
-          <a:off x="0" y="0"/>
-          <a:ext cx="0" cy="0"/>
-          <a:chOff x="0" y="0"/>
-          <a:chExt cx="0" cy="0"/>
-        </a:xfrm>
-      </p:grpSpPr>
-      <p:sp>
-        <p:nvSpPr>
-          <p:cNvPr id="2" name="Title 1">
-            <a:extLst>
-              <a:ext uri="{FF2B5EF4-FFF2-40B4-BE49-F238E27FC236}">
-                <a16:creationId xmlns:a16="http://schemas.microsoft.com/office/drawing/2014/main" id="{EFEDD688-27DF-D692-0E0D-AED3E5476ADB}"/>
-              </a:ext>
-            </a:extLst>
-          </p:cNvPr>
-          <p:cNvSpPr>
-            <a:spLocks noGrp="1"/>
-          </p:cNvSpPr>
-          <p:nvPr>
-            <p:ph type="title"/>
-          </p:nvPr>
-        </p:nvSpPr>
-        <p:spPr/>
-        <p:txBody>
-          <a:bodyPr>
-            <a:normAutofit fontScale="90000"/>
-          </a:bodyPr>
-          <a:lstStyle/>
-          <a:p>
-            <a:r>
-              <a:rPr lang="en-US" dirty="0"/>
-              <a:t>Main sticking points and future plans</a:t>
-            </a:r>
-          </a:p>
-        </p:txBody>
-      </p:sp>
-      <p:sp>
-        <p:nvSpPr>
-          <p:cNvPr id="3" name="Text Placeholder 2">
-            <a:extLst>
-              <a:ext uri="{FF2B5EF4-FFF2-40B4-BE49-F238E27FC236}">
-                <a16:creationId xmlns:a16="http://schemas.microsoft.com/office/drawing/2014/main" id="{203FD2DD-C994-602C-2DE5-A867307220FB}"/>
-              </a:ext>
-            </a:extLst>
-          </p:cNvPr>
-          <p:cNvSpPr>
-            <a:spLocks noGrp="1"/>
-          </p:cNvSpPr>
-          <p:nvPr>
-            <p:ph type="body" idx="1"/>
-          </p:nvPr>
-        </p:nvSpPr>
-        <p:spPr/>
-        <p:txBody>
-          <a:bodyPr/>
-          <a:lstStyle/>
-          <a:p>
-            <a:endParaRPr lang="en-US"/>
-          </a:p>
-        </p:txBody>
-      </p:sp>
-    </p:spTree>
-    <p:extLst>
-      <p:ext uri="{BB962C8B-B14F-4D97-AF65-F5344CB8AC3E}">
-        <p14:creationId xmlns:p14="http://schemas.microsoft.com/office/powerpoint/2010/main" val="908885838"/>
-      </p:ext>
-    </p:extLst>
-  </p:cSld>
-  <p:clrMapOvr>
-    <a:masterClrMapping/>
-  </p:clrMapOvr>
-</p:sld>
-</file>
-
 <file path=ppt/slides/slide2.xml><?xml version="1.0" encoding="utf-8"?>
 <p:sld xmlns:a="http://schemas.openxmlformats.org/drawingml/2006/main" xmlns:r="http://schemas.openxmlformats.org/officeDocument/2006/relationships" xmlns:p="http://schemas.openxmlformats.org/presentationml/2006/main">
   <p:cSld>
